--- a/TSA_Vortrag.pptx
+++ b/TSA_Vortrag.pptx
@@ -13,8 +13,8 @@
     <p:sldId id="258" r:id="rId4"/>
     <p:sldId id="259" r:id="rId5"/>
     <p:sldId id="262" r:id="rId6"/>
-    <p:sldId id="260" r:id="rId7"/>
-    <p:sldId id="264" r:id="rId8"/>
+    <p:sldId id="264" r:id="rId7"/>
+    <p:sldId id="265" r:id="rId8"/>
     <p:sldId id="261" r:id="rId9"/>
     <p:sldId id="263" r:id="rId10"/>
   </p:sldIdLst>
@@ -1142,110 +1142,6 @@
 </file>
 
 <file path=ppt/notesSlides/notesSlide5.xml><?xml version="1.0" encoding="utf-8"?>
-<p:notes xmlns:a="http://schemas.openxmlformats.org/drawingml/2006/main" xmlns:r="http://schemas.openxmlformats.org/officeDocument/2006/relationships" xmlns:p="http://schemas.openxmlformats.org/presentationml/2006/main" showMasterSp="0" showMasterPhAnim="0">
-  <p:cSld>
-    <p:spTree>
-      <p:nvGrpSpPr>
-        <p:cNvPr id="1" name="Shape 148"/>
-        <p:cNvGrpSpPr/>
-        <p:nvPr/>
-      </p:nvGrpSpPr>
-      <p:grpSpPr>
-        <a:xfrm>
-          <a:off x="0" y="0"/>
-          <a:ext cx="0" cy="0"/>
-          <a:chOff x="0" y="0"/>
-          <a:chExt cx="0" cy="0"/>
-        </a:xfrm>
-      </p:grpSpPr>
-      <p:sp>
-        <p:nvSpPr>
-          <p:cNvPr id="149" name="Google Shape;149;g27756bae6fb_0_0:notes"/>
-          <p:cNvSpPr>
-            <a:spLocks noGrp="1" noRot="1" noChangeAspect="1"/>
-          </p:cNvSpPr>
-          <p:nvPr>
-            <p:ph type="sldImg" idx="2"/>
-          </p:nvPr>
-        </p:nvSpPr>
-        <p:spPr>
-          <a:xfrm>
-            <a:off x="381000" y="685800"/>
-            <a:ext cx="6096000" cy="3429000"/>
-          </a:xfrm>
-          <a:custGeom>
-            <a:avLst/>
-            <a:gdLst/>
-            <a:ahLst/>
-            <a:cxnLst/>
-            <a:rect l="l" t="t" r="r" b="b"/>
-            <a:pathLst>
-              <a:path w="120000" h="120000" extrusionOk="0">
-                <a:moveTo>
-                  <a:pt x="0" y="0"/>
-                </a:moveTo>
-                <a:lnTo>
-                  <a:pt x="120000" y="0"/>
-                </a:lnTo>
-                <a:lnTo>
-                  <a:pt x="120000" y="120000"/>
-                </a:lnTo>
-                <a:lnTo>
-                  <a:pt x="0" y="120000"/>
-                </a:lnTo>
-                <a:close/>
-              </a:path>
-            </a:pathLst>
-          </a:custGeom>
-        </p:spPr>
-      </p:sp>
-      <p:sp>
-        <p:nvSpPr>
-          <p:cNvPr id="150" name="Google Shape;150;g27756bae6fb_0_0:notes"/>
-          <p:cNvSpPr txBox="1">
-            <a:spLocks noGrp="1"/>
-          </p:cNvSpPr>
-          <p:nvPr>
-            <p:ph type="body" idx="1"/>
-          </p:nvPr>
-        </p:nvSpPr>
-        <p:spPr>
-          <a:xfrm>
-            <a:off x="685800" y="4343400"/>
-            <a:ext cx="5486400" cy="4114800"/>
-          </a:xfrm>
-          <a:prstGeom prst="rect">
-            <a:avLst/>
-          </a:prstGeom>
-        </p:spPr>
-        <p:txBody>
-          <a:bodyPr spcFirstLastPara="1" wrap="square" lIns="91425" tIns="91425" rIns="91425" bIns="91425" anchor="t" anchorCtr="0">
-            <a:noAutofit/>
-          </a:bodyPr>
-          <a:lstStyle/>
-          <a:p>
-            <a:pPr marL="0" lvl="0" indent="0" algn="l" rtl="0">
-              <a:spcBef>
-                <a:spcPts val="0"/>
-              </a:spcBef>
-              <a:spcAft>
-                <a:spcPts val="0"/>
-              </a:spcAft>
-              <a:buNone/>
-            </a:pPr>
-            <a:endParaRPr dirty="0"/>
-          </a:p>
-        </p:txBody>
-      </p:sp>
-    </p:spTree>
-  </p:cSld>
-  <p:clrMapOvr>
-    <a:masterClrMapping/>
-  </p:clrMapOvr>
-</p:notes>
-</file>
-
-<file path=ppt/notesSlides/notesSlide6.xml><?xml version="1.0" encoding="utf-8"?>
 <p:notes xmlns:a="http://schemas.openxmlformats.org/drawingml/2006/main" xmlns:r="http://schemas.openxmlformats.org/officeDocument/2006/relationships" xmlns:p="http://schemas.openxmlformats.org/presentationml/2006/main" showMasterSp="0" showMasterPhAnim="0">
   <p:cSld>
     <p:spTree>
@@ -9564,7 +9460,7 @@
             </a:pPr>
             <a:r>
               <a:rPr lang="de" sz="1700" dirty="0"/>
-              <a:t>Über Uns</a:t>
+              <a:t>Über uns</a:t>
             </a:r>
             <a:endParaRPr sz="1700" dirty="0"/>
           </a:p>
@@ -9614,24 +9510,7 @@
             </a:pPr>
             <a:r>
               <a:rPr lang="de" sz="1700" dirty="0"/>
-              <a:t>Was es für ein Spiel ist/ wie es funktioniert</a:t>
-            </a:r>
-            <a:endParaRPr sz="1700" dirty="0"/>
-          </a:p>
-          <a:p>
-            <a:pPr marL="457200" lvl="0" indent="-336550" algn="l" rtl="0">
-              <a:spcBef>
-                <a:spcPts val="0"/>
-              </a:spcBef>
-              <a:spcAft>
-                <a:spcPts val="0"/>
-              </a:spcAft>
-              <a:buSzPts val="1700"/>
-              <a:buAutoNum type="arabicPeriod"/>
-            </a:pPr>
-            <a:r>
-              <a:rPr lang="de" sz="1700" dirty="0"/>
-              <a:t>Online Speicherung mit Server</a:t>
+              <a:t>Onlinespeicherung mit Server</a:t>
             </a:r>
             <a:endParaRPr sz="1700" dirty="0"/>
           </a:p>
@@ -9957,55 +9836,6 @@
                       </p:childTnLst>
                     </p:cTn>
                   </p:par>
-                  <p:par>
-                    <p:cTn id="27" fill="hold">
-                      <p:stCondLst>
-                        <p:cond delay="indefinite"/>
-                      </p:stCondLst>
-                      <p:childTnLst>
-                        <p:par>
-                          <p:cTn id="28" fill="hold">
-                            <p:stCondLst>
-                              <p:cond delay="0"/>
-                            </p:stCondLst>
-                            <p:childTnLst>
-                              <p:par>
-                                <p:cTn id="29" presetID="1" presetClass="entr" presetSubtype="0" fill="hold" grpId="0" nodeType="clickEffect">
-                                  <p:stCondLst>
-                                    <p:cond delay="0"/>
-                                  </p:stCondLst>
-                                  <p:childTnLst>
-                                    <p:set>
-                                      <p:cBhvr>
-                                        <p:cTn id="30" dur="1" fill="hold">
-                                          <p:stCondLst>
-                                            <p:cond delay="0"/>
-                                          </p:stCondLst>
-                                        </p:cTn>
-                                        <p:tgtEl>
-                                          <p:spTgt spid="135">
-                                            <p:txEl>
-                                              <p:pRg st="5" end="5"/>
-                                            </p:txEl>
-                                          </p:spTgt>
-                                        </p:tgtEl>
-                                        <p:attrNameLst>
-                                          <p:attrName>style.visibility</p:attrName>
-                                        </p:attrNameLst>
-                                      </p:cBhvr>
-                                      <p:to>
-                                        <p:strVal val="visible"/>
-                                      </p:to>
-                                    </p:set>
-                                  </p:childTnLst>
-                                </p:cTn>
-                              </p:par>
-                            </p:childTnLst>
-                          </p:cTn>
-                        </p:par>
-                      </p:childTnLst>
-                    </p:cTn>
-                  </p:par>
                 </p:childTnLst>
               </p:cTn>
               <p:prevCondLst>
@@ -10092,7 +9922,7 @@
                   <a:schemeClr val="dk2"/>
                 </a:solidFill>
               </a:rPr>
-              <a:t>Über Uns</a:t>
+              <a:t>Über uns</a:t>
             </a:r>
             <a:endParaRPr dirty="0">
               <a:solidFill>
@@ -10163,7 +9993,17 @@
             </a:pPr>
             <a:r>
               <a:rPr lang="de" sz="1600" dirty="0"/>
-              <a:t>3-D Druck, Python</a:t>
+              <a:t>3-D Druck</a:t>
+            </a:r>
+          </a:p>
+          <a:p>
+            <a:pPr marL="742950" lvl="1" indent="-285750">
+              <a:buFont typeface="Arial" panose="020B0604020202020204" pitchFamily="34" charset="0"/>
+              <a:buChar char="•"/>
+            </a:pPr>
+            <a:r>
+              <a:rPr lang="de" sz="1600" dirty="0"/>
+              <a:t>Python</a:t>
             </a:r>
           </a:p>
           <a:p>
@@ -10173,7 +10013,7 @@
             </a:pPr>
             <a:r>
               <a:rPr lang="de-DE" sz="1800" dirty="0"/>
-              <a:t>Interessengebiete: Coding, Cybersicherheit, Webmaster</a:t>
+              <a:t>Interessengebiete:      	</a:t>
             </a:r>
           </a:p>
           <a:p>
@@ -10181,7 +10021,112 @@
               <a:buFont typeface="Arial" panose="020B0604020202020204" pitchFamily="34" charset="0"/>
               <a:buChar char="•"/>
             </a:pPr>
+            <a:r>
+              <a:rPr lang="de-DE" sz="1600" dirty="0"/>
+              <a:t>Coding</a:t>
+            </a:r>
+          </a:p>
+          <a:p>
+            <a:pPr marL="742950" lvl="1" indent="-285750">
+              <a:buFont typeface="Arial" panose="020B0604020202020204" pitchFamily="34" charset="0"/>
+              <a:buChar char="•"/>
+            </a:pPr>
+            <a:r>
+              <a:rPr lang="de-DE" sz="1600" dirty="0"/>
+              <a:t>Cybersicherheit</a:t>
+            </a:r>
+          </a:p>
+          <a:p>
+            <a:pPr marL="742950" lvl="1" indent="-285750">
+              <a:buFont typeface="Arial" panose="020B0604020202020204" pitchFamily="34" charset="0"/>
+              <a:buChar char="•"/>
+            </a:pPr>
+            <a:r>
+              <a:rPr lang="de-DE" sz="1600" dirty="0"/>
+              <a:t>Webmaster</a:t>
+            </a:r>
+          </a:p>
+          <a:p>
+            <a:pPr marL="0" indent="0">
+              <a:buNone/>
+            </a:pPr>
+            <a:endParaRPr lang="de-DE" sz="1800" dirty="0"/>
+          </a:p>
+          <a:p>
+            <a:pPr marL="742950" lvl="1" indent="-285750">
+              <a:buFont typeface="Arial" panose="020B0604020202020204" pitchFamily="34" charset="0"/>
+              <a:buChar char="•"/>
+            </a:pPr>
             <a:endParaRPr lang="de" sz="1600" dirty="0"/>
+          </a:p>
+        </p:txBody>
+      </p:sp>
+      <p:pic>
+        <p:nvPicPr>
+          <p:cNvPr id="5" name="Grafik 4">
+            <a:extLst>
+              <a:ext uri="{FF2B5EF4-FFF2-40B4-BE49-F238E27FC236}">
+                <a16:creationId xmlns:a16="http://schemas.microsoft.com/office/drawing/2014/main" id="{E0B39E71-5FBF-403E-81EC-B5B827AFAC65}"/>
+              </a:ext>
+            </a:extLst>
+          </p:cNvPr>
+          <p:cNvPicPr>
+            <a:picLocks noChangeAspect="1"/>
+          </p:cNvPicPr>
+          <p:nvPr/>
+        </p:nvPicPr>
+        <p:blipFill>
+          <a:blip r:embed="rId3"/>
+          <a:stretch>
+            <a:fillRect/>
+          </a:stretch>
+        </p:blipFill>
+        <p:spPr>
+          <a:xfrm>
+            <a:off x="7493649" y="372078"/>
+            <a:ext cx="1308909" cy="2274100"/>
+          </a:xfrm>
+          <a:prstGeom prst="rect">
+            <a:avLst/>
+          </a:prstGeom>
+        </p:spPr>
+      </p:pic>
+      <p:sp>
+        <p:nvSpPr>
+          <p:cNvPr id="6" name="Textfeld 5">
+            <a:extLst>
+              <a:ext uri="{FF2B5EF4-FFF2-40B4-BE49-F238E27FC236}">
+                <a16:creationId xmlns:a16="http://schemas.microsoft.com/office/drawing/2014/main" id="{D3BD2F24-F955-4F18-987C-CA15D713A2C5}"/>
+              </a:ext>
+            </a:extLst>
+          </p:cNvPr>
+          <p:cNvSpPr txBox="1"/>
+          <p:nvPr/>
+        </p:nvSpPr>
+        <p:spPr>
+          <a:xfrm>
+            <a:off x="3381153" y="3136605"/>
+            <a:ext cx="5071731" cy="523220"/>
+          </a:xfrm>
+          <a:prstGeom prst="rect">
+            <a:avLst/>
+          </a:prstGeom>
+          <a:noFill/>
+        </p:spPr>
+        <p:txBody>
+          <a:bodyPr wrap="square" rtlCol="0">
+            <a:spAutoFit/>
+          </a:bodyPr>
+          <a:lstStyle/>
+          <a:p>
+            <a:r>
+              <a:rPr lang="de-DE" b="1" u="sng" dirty="0">
+                <a:solidFill>
+                  <a:srgbClr val="FF0000"/>
+                </a:solidFill>
+              </a:rPr>
+              <a:t>LUDWIG JAKOB SCHEMMERT MACHEN SIE SOFORT EIN BILD VON SICH REIN!!!</a:t>
+            </a:r>
           </a:p>
         </p:txBody>
       </p:sp>
@@ -10488,6 +10433,202 @@
                       </p:childTnLst>
                     </p:cTn>
                   </p:par>
+                  <p:par>
+                    <p:cTn id="27" fill="hold">
+                      <p:stCondLst>
+                        <p:cond delay="indefinite"/>
+                      </p:stCondLst>
+                      <p:childTnLst>
+                        <p:par>
+                          <p:cTn id="28" fill="hold">
+                            <p:stCondLst>
+                              <p:cond delay="0"/>
+                            </p:stCondLst>
+                            <p:childTnLst>
+                              <p:par>
+                                <p:cTn id="29" presetID="1" presetClass="entr" presetSubtype="0" fill="hold" nodeType="clickEffect">
+                                  <p:stCondLst>
+                                    <p:cond delay="0"/>
+                                  </p:stCondLst>
+                                  <p:childTnLst>
+                                    <p:set>
+                                      <p:cBhvr>
+                                        <p:cTn id="30" dur="1" fill="hold">
+                                          <p:stCondLst>
+                                            <p:cond delay="0"/>
+                                          </p:stCondLst>
+                                        </p:cTn>
+                                        <p:tgtEl>
+                                          <p:spTgt spid="141">
+                                            <p:txEl>
+                                              <p:pRg st="5" end="5"/>
+                                            </p:txEl>
+                                          </p:spTgt>
+                                        </p:tgtEl>
+                                        <p:attrNameLst>
+                                          <p:attrName>style.visibility</p:attrName>
+                                        </p:attrNameLst>
+                                      </p:cBhvr>
+                                      <p:to>
+                                        <p:strVal val="visible"/>
+                                      </p:to>
+                                    </p:set>
+                                  </p:childTnLst>
+                                </p:cTn>
+                              </p:par>
+                            </p:childTnLst>
+                          </p:cTn>
+                        </p:par>
+                      </p:childTnLst>
+                    </p:cTn>
+                  </p:par>
+                  <p:par>
+                    <p:cTn id="31" fill="hold">
+                      <p:stCondLst>
+                        <p:cond delay="indefinite"/>
+                      </p:stCondLst>
+                      <p:childTnLst>
+                        <p:par>
+                          <p:cTn id="32" fill="hold">
+                            <p:stCondLst>
+                              <p:cond delay="0"/>
+                            </p:stCondLst>
+                            <p:childTnLst>
+                              <p:par>
+                                <p:cTn id="33" presetID="1" presetClass="entr" presetSubtype="0" fill="hold" nodeType="clickEffect">
+                                  <p:stCondLst>
+                                    <p:cond delay="0"/>
+                                  </p:stCondLst>
+                                  <p:childTnLst>
+                                    <p:set>
+                                      <p:cBhvr>
+                                        <p:cTn id="34" dur="1" fill="hold">
+                                          <p:stCondLst>
+                                            <p:cond delay="0"/>
+                                          </p:stCondLst>
+                                        </p:cTn>
+                                        <p:tgtEl>
+                                          <p:spTgt spid="141">
+                                            <p:txEl>
+                                              <p:pRg st="6" end="6"/>
+                                            </p:txEl>
+                                          </p:spTgt>
+                                        </p:tgtEl>
+                                        <p:attrNameLst>
+                                          <p:attrName>style.visibility</p:attrName>
+                                        </p:attrNameLst>
+                                      </p:cBhvr>
+                                      <p:to>
+                                        <p:strVal val="visible"/>
+                                      </p:to>
+                                    </p:set>
+                                  </p:childTnLst>
+                                </p:cTn>
+                              </p:par>
+                            </p:childTnLst>
+                          </p:cTn>
+                        </p:par>
+                      </p:childTnLst>
+                    </p:cTn>
+                  </p:par>
+                  <p:par>
+                    <p:cTn id="35" fill="hold">
+                      <p:stCondLst>
+                        <p:cond delay="indefinite"/>
+                      </p:stCondLst>
+                      <p:childTnLst>
+                        <p:par>
+                          <p:cTn id="36" fill="hold">
+                            <p:stCondLst>
+                              <p:cond delay="0"/>
+                            </p:stCondLst>
+                            <p:childTnLst>
+                              <p:par>
+                                <p:cTn id="37" presetID="1" presetClass="entr" presetSubtype="0" fill="hold" nodeType="clickEffect">
+                                  <p:stCondLst>
+                                    <p:cond delay="0"/>
+                                  </p:stCondLst>
+                                  <p:childTnLst>
+                                    <p:set>
+                                      <p:cBhvr>
+                                        <p:cTn id="38" dur="1" fill="hold">
+                                          <p:stCondLst>
+                                            <p:cond delay="0"/>
+                                          </p:stCondLst>
+                                        </p:cTn>
+                                        <p:tgtEl>
+                                          <p:spTgt spid="141">
+                                            <p:txEl>
+                                              <p:pRg st="7" end="7"/>
+                                            </p:txEl>
+                                          </p:spTgt>
+                                        </p:tgtEl>
+                                        <p:attrNameLst>
+                                          <p:attrName>style.visibility</p:attrName>
+                                        </p:attrNameLst>
+                                      </p:cBhvr>
+                                      <p:to>
+                                        <p:strVal val="visible"/>
+                                      </p:to>
+                                    </p:set>
+                                  </p:childTnLst>
+                                </p:cTn>
+                              </p:par>
+                            </p:childTnLst>
+                          </p:cTn>
+                        </p:par>
+                      </p:childTnLst>
+                    </p:cTn>
+                  </p:par>
+                  <p:par>
+                    <p:cTn id="39" fill="hold">
+                      <p:stCondLst>
+                        <p:cond delay="indefinite"/>
+                      </p:stCondLst>
+                      <p:childTnLst>
+                        <p:par>
+                          <p:cTn id="40" fill="hold">
+                            <p:stCondLst>
+                              <p:cond delay="0"/>
+                            </p:stCondLst>
+                            <p:childTnLst>
+                              <p:par>
+                                <p:cTn id="41" presetID="1" presetClass="entr" presetSubtype="0" fill="hold" nodeType="clickEffect">
+                                  <p:stCondLst>
+                                    <p:cond delay="0"/>
+                                  </p:stCondLst>
+                                  <p:childTnLst>
+                                    <p:set>
+                                      <p:cBhvr>
+                                        <p:cTn id="42" dur="1" fill="hold">
+                                          <p:stCondLst>
+                                            <p:cond delay="0"/>
+                                          </p:stCondLst>
+                                        </p:cTn>
+                                        <p:tgtEl>
+                                          <p:spTgt spid="141">
+                                            <p:txEl>
+                                              <p:pRg st="8" end="8"/>
+                                            </p:txEl>
+                                          </p:spTgt>
+                                        </p:tgtEl>
+                                        <p:attrNameLst>
+                                          <p:attrName>style.visibility</p:attrName>
+                                        </p:attrNameLst>
+                                      </p:cBhvr>
+                                      <p:to>
+                                        <p:strVal val="visible"/>
+                                      </p:to>
+                                    </p:set>
+                                  </p:childTnLst>
+                                </p:cTn>
+                              </p:par>
+                            </p:childTnLst>
+                          </p:cTn>
+                        </p:par>
+                      </p:childTnLst>
+                    </p:cTn>
+                  </p:par>
                 </p:childTnLst>
               </p:cTn>
               <p:prevCondLst>
@@ -10617,7 +10758,7 @@
             </a:pPr>
             <a:r>
               <a:rPr lang="de" sz="2000" dirty="0"/>
-              <a:t>Ein Spiel</a:t>
+              <a:t>Verbindung zwischen Server und Spiel, das Variablen zum Speichern liefert</a:t>
             </a:r>
             <a:endParaRPr lang="de" sz="2000" spc="-300" dirty="0"/>
           </a:p>
@@ -10638,15 +10779,17 @@
             </a:pPr>
             <a:r>
               <a:rPr lang="de" sz="2000" dirty="0"/>
-              <a:t>Alles Inhalte des S</a:t>
+              <a:t>Alle Inhalte des Projekts selber erstellt (Grafiken, Projektidee…)</a:t>
             </a:r>
-            <a:r>
-              <a:rPr lang="de-DE" sz="2000" dirty="0"/>
-              <a:t>p</a:t>
-            </a:r>
+          </a:p>
+          <a:p>
+            <a:pPr marL="285750" indent="-285750">
+              <a:buFont typeface="Arial" panose="020B0604020202020204" pitchFamily="34" charset="0"/>
+              <a:buChar char="•"/>
+            </a:pPr>
             <a:r>
               <a:rPr lang="de" sz="2000" dirty="0"/>
-              <a:t>iels selber erstellt (Grafiken, Spielidee)</a:t>
+              <a:t>Grundgerüst zum erstellen eines komplexerem Online Spiels</a:t>
             </a:r>
           </a:p>
         </p:txBody>
@@ -10703,7 +10846,7 @@
         </p:blipFill>
         <p:spPr>
           <a:xfrm>
-            <a:off x="7515822" y="1937523"/>
+            <a:off x="7755854" y="1957125"/>
             <a:ext cx="926594" cy="2194564"/>
           </a:xfrm>
           <a:prstGeom prst="rect">
@@ -10733,7 +10876,7 @@
         </p:blipFill>
         <p:spPr>
           <a:xfrm>
-            <a:off x="716496" y="2826911"/>
+            <a:off x="819150" y="3170920"/>
             <a:ext cx="1560579" cy="1560579"/>
           </a:xfrm>
           <a:prstGeom prst="rect">
@@ -10857,7 +11000,7 @@
                                         <p:tgtEl>
                                           <p:spTgt spid="147">
                                             <p:txEl>
-                                              <p:pRg st="0" end="0"/>
+                                              <p:pRg st="1" end="1"/>
                                             </p:txEl>
                                           </p:spTgt>
                                         </p:tgtEl>
@@ -10906,7 +11049,7 @@
                                         <p:tgtEl>
                                           <p:spTgt spid="147">
                                             <p:txEl>
-                                              <p:pRg st="1" end="1"/>
+                                              <p:pRg st="0" end="0"/>
                                             </p:txEl>
                                           </p:spTgt>
                                         </p:tgtEl>
@@ -10989,7 +11132,7 @@
                             </p:stCondLst>
                             <p:childTnLst>
                               <p:par>
-                                <p:cTn id="21" presetID="10" presetClass="entr" presetSubtype="0" fill="hold" nodeType="clickEffect">
+                                <p:cTn id="21" presetID="1" presetClass="entr" presetSubtype="0" fill="hold" nodeType="clickEffect">
                                   <p:stCondLst>
                                     <p:cond delay="0"/>
                                   </p:stCondLst>
@@ -10997,6 +11140,55 @@
                                     <p:set>
                                       <p:cBhvr>
                                         <p:cTn id="22" dur="1" fill="hold">
+                                          <p:stCondLst>
+                                            <p:cond delay="0"/>
+                                          </p:stCondLst>
+                                        </p:cTn>
+                                        <p:tgtEl>
+                                          <p:spTgt spid="147">
+                                            <p:txEl>
+                                              <p:pRg st="3" end="3"/>
+                                            </p:txEl>
+                                          </p:spTgt>
+                                        </p:tgtEl>
+                                        <p:attrNameLst>
+                                          <p:attrName>style.visibility</p:attrName>
+                                        </p:attrNameLst>
+                                      </p:cBhvr>
+                                      <p:to>
+                                        <p:strVal val="visible"/>
+                                      </p:to>
+                                    </p:set>
+                                  </p:childTnLst>
+                                </p:cTn>
+                              </p:par>
+                            </p:childTnLst>
+                          </p:cTn>
+                        </p:par>
+                      </p:childTnLst>
+                    </p:cTn>
+                  </p:par>
+                  <p:par>
+                    <p:cTn id="23" fill="hold">
+                      <p:stCondLst>
+                        <p:cond delay="indefinite"/>
+                      </p:stCondLst>
+                      <p:childTnLst>
+                        <p:par>
+                          <p:cTn id="24" fill="hold">
+                            <p:stCondLst>
+                              <p:cond delay="0"/>
+                            </p:stCondLst>
+                            <p:childTnLst>
+                              <p:par>
+                                <p:cTn id="25" presetID="10" presetClass="entr" presetSubtype="0" fill="hold" nodeType="clickEffect">
+                                  <p:stCondLst>
+                                    <p:cond delay="0"/>
+                                  </p:stCondLst>
+                                  <p:childTnLst>
+                                    <p:set>
+                                      <p:cBhvr>
+                                        <p:cTn id="26" dur="1" fill="hold">
                                           <p:stCondLst>
                                             <p:cond delay="0"/>
                                           </p:stCondLst>
@@ -11014,7 +11206,7 @@
                                     </p:set>
                                     <p:animEffect transition="in" filter="fade">
                                       <p:cBhvr>
-                                        <p:cTn id="23" dur="500"/>
+                                        <p:cTn id="27" dur="500"/>
                                         <p:tgtEl>
                                           <p:spTgt spid="16"/>
                                         </p:tgtEl>
@@ -11030,26 +11222,26 @@
                     </p:cTn>
                   </p:par>
                   <p:par>
-                    <p:cTn id="24" fill="hold">
+                    <p:cTn id="28" fill="hold">
                       <p:stCondLst>
                         <p:cond delay="indefinite"/>
                       </p:stCondLst>
                       <p:childTnLst>
                         <p:par>
-                          <p:cTn id="25" fill="hold">
+                          <p:cTn id="29" fill="hold">
                             <p:stCondLst>
                               <p:cond delay="0"/>
                             </p:stCondLst>
                             <p:childTnLst>
                               <p:par>
-                                <p:cTn id="26" presetID="10" presetClass="entr" presetSubtype="0" fill="hold" nodeType="clickEffect">
+                                <p:cTn id="30" presetID="10" presetClass="entr" presetSubtype="0" fill="hold" nodeType="clickEffect">
                                   <p:stCondLst>
                                     <p:cond delay="0"/>
                                   </p:stCondLst>
                                   <p:childTnLst>
                                     <p:set>
                                       <p:cBhvr>
-                                        <p:cTn id="27" dur="1" fill="hold">
+                                        <p:cTn id="31" dur="1" fill="hold">
                                           <p:stCondLst>
                                             <p:cond delay="0"/>
                                           </p:stCondLst>
@@ -11067,7 +11259,7 @@
                                     </p:set>
                                     <p:animEffect transition="in" filter="fade">
                                       <p:cBhvr>
-                                        <p:cTn id="28" dur="500"/>
+                                        <p:cTn id="32" dur="500"/>
                                         <p:tgtEl>
                                           <p:spTgt spid="18"/>
                                         </p:tgtEl>
@@ -11083,26 +11275,26 @@
                     </p:cTn>
                   </p:par>
                   <p:par>
-                    <p:cTn id="29" fill="hold">
+                    <p:cTn id="33" fill="hold">
                       <p:stCondLst>
                         <p:cond delay="indefinite"/>
                       </p:stCondLst>
                       <p:childTnLst>
                         <p:par>
-                          <p:cTn id="30" fill="hold">
+                          <p:cTn id="34" fill="hold">
                             <p:stCondLst>
                               <p:cond delay="0"/>
                             </p:stCondLst>
                             <p:childTnLst>
                               <p:par>
-                                <p:cTn id="31" presetID="10" presetClass="entr" presetSubtype="0" fill="hold" nodeType="clickEffect">
+                                <p:cTn id="35" presetID="10" presetClass="entr" presetSubtype="0" fill="hold" nodeType="clickEffect">
                                   <p:stCondLst>
                                     <p:cond delay="0"/>
                                   </p:stCondLst>
                                   <p:childTnLst>
                                     <p:set>
                                       <p:cBhvr>
-                                        <p:cTn id="32" dur="1" fill="hold">
+                                        <p:cTn id="36" dur="1" fill="hold">
                                           <p:stCondLst>
                                             <p:cond delay="0"/>
                                           </p:stCondLst>
@@ -11120,7 +11312,7 @@
                                     </p:set>
                                     <p:animEffect transition="in" filter="fade">
                                       <p:cBhvr>
-                                        <p:cTn id="33" dur="500"/>
+                                        <p:cTn id="37" dur="500"/>
                                         <p:tgtEl>
                                           <p:spTgt spid="17"/>
                                         </p:tgtEl>
@@ -11136,26 +11328,26 @@
                     </p:cTn>
                   </p:par>
                   <p:par>
-                    <p:cTn id="34" fill="hold">
+                    <p:cTn id="38" fill="hold">
                       <p:stCondLst>
                         <p:cond delay="indefinite"/>
                       </p:stCondLst>
                       <p:childTnLst>
                         <p:par>
-                          <p:cTn id="35" fill="hold">
+                          <p:cTn id="39" fill="hold">
                             <p:stCondLst>
                               <p:cond delay="0"/>
                             </p:stCondLst>
                             <p:childTnLst>
                               <p:par>
-                                <p:cTn id="36" presetID="10" presetClass="entr" presetSubtype="0" fill="hold" nodeType="clickEffect">
+                                <p:cTn id="40" presetID="10" presetClass="entr" presetSubtype="0" fill="hold" nodeType="clickEffect">
                                   <p:stCondLst>
                                     <p:cond delay="0"/>
                                   </p:stCondLst>
                                   <p:childTnLst>
                                     <p:set>
                                       <p:cBhvr>
-                                        <p:cTn id="37" dur="1" fill="hold">
+                                        <p:cTn id="41" dur="1" fill="hold">
                                           <p:stCondLst>
                                             <p:cond delay="0"/>
                                           </p:stCondLst>
@@ -11173,7 +11365,7 @@
                                     </p:set>
                                     <p:animEffect transition="in" filter="fade">
                                       <p:cBhvr>
-                                        <p:cTn id="38" dur="500"/>
+                                        <p:cTn id="42" dur="500"/>
                                         <p:tgtEl>
                                           <p:spTgt spid="15"/>
                                         </p:tgtEl>
@@ -11388,7 +11580,16 @@
               <a:rPr lang="de-DE" sz="1600" dirty="0"/>
               <a:t>Ermöglicht schnelle Arbeit im Team</a:t>
             </a:r>
-            <a:endParaRPr lang="de-DE" sz="2200" dirty="0"/>
+          </a:p>
+          <a:p>
+            <a:pPr>
+              <a:buFont typeface="Arial" panose="020B0604020202020204" pitchFamily="34" charset="0"/>
+              <a:buChar char="•"/>
+            </a:pPr>
+            <a:r>
+              <a:rPr lang="de-DE" sz="2400" dirty="0"/>
+              <a:t>Strukturiert mit Arbeitsaufteilung im Team</a:t>
+            </a:r>
           </a:p>
         </p:txBody>
       </p:sp>
@@ -11672,15 +11873,64 @@
                                   </p:childTnLst>
                                 </p:cTn>
                               </p:par>
+                            </p:childTnLst>
+                          </p:cTn>
+                        </p:par>
+                      </p:childTnLst>
+                    </p:cTn>
+                  </p:par>
+                  <p:par>
+                    <p:cTn id="25" fill="hold">
+                      <p:stCondLst>
+                        <p:cond delay="indefinite"/>
+                      </p:stCondLst>
+                      <p:childTnLst>
+                        <p:par>
+                          <p:cTn id="26" fill="hold">
+                            <p:stCondLst>
+                              <p:cond delay="0"/>
+                            </p:stCondLst>
+                            <p:childTnLst>
                               <p:par>
-                                <p:cTn id="25" presetID="1" presetClass="entr" presetSubtype="0" fill="hold" nodeType="withEffect">
+                                <p:cTn id="27" presetID="1" presetClass="entr" presetSubtype="0" fill="hold" nodeType="clickEffect">
                                   <p:stCondLst>
                                     <p:cond delay="0"/>
                                   </p:stCondLst>
                                   <p:childTnLst>
                                     <p:set>
                                       <p:cBhvr>
-                                        <p:cTn id="26" dur="1" fill="hold">
+                                        <p:cTn id="28" dur="1" fill="hold">
+                                          <p:stCondLst>
+                                            <p:cond delay="0"/>
+                                          </p:stCondLst>
+                                        </p:cTn>
+                                        <p:tgtEl>
+                                          <p:spTgt spid="3">
+                                            <p:txEl>
+                                              <p:pRg st="4" end="4"/>
+                                            </p:txEl>
+                                          </p:spTgt>
+                                        </p:tgtEl>
+                                        <p:attrNameLst>
+                                          <p:attrName>style.visibility</p:attrName>
+                                        </p:attrNameLst>
+                                      </p:cBhvr>
+                                      <p:to>
+                                        <p:strVal val="visible"/>
+                                      </p:to>
+                                    </p:set>
+                                  </p:childTnLst>
+                                </p:cTn>
+                              </p:par>
+                              <p:par>
+                                <p:cTn id="29" presetID="1" presetClass="entr" presetSubtype="0" fill="hold" nodeType="withEffect">
+                                  <p:stCondLst>
+                                    <p:cond delay="0"/>
+                                  </p:stCondLst>
+                                  <p:childTnLst>
+                                    <p:set>
+                                      <p:cBhvr>
+                                        <p:cTn id="30" dur="1" fill="hold">
                                           <p:stCondLst>
                                             <p:cond delay="0"/>
                                           </p:stCondLst>
@@ -11746,337 +11996,6 @@
     </p:bg>
     <p:spTree>
       <p:nvGrpSpPr>
-        <p:cNvPr id="1" name="Shape 151"/>
-        <p:cNvGrpSpPr/>
-        <p:nvPr/>
-      </p:nvGrpSpPr>
-      <p:grpSpPr>
-        <a:xfrm>
-          <a:off x="0" y="0"/>
-          <a:ext cx="0" cy="0"/>
-          <a:chOff x="0" y="0"/>
-          <a:chExt cx="0" cy="0"/>
-        </a:xfrm>
-      </p:grpSpPr>
-      <p:sp>
-        <p:nvSpPr>
-          <p:cNvPr id="152" name="Google Shape;152;p17"/>
-          <p:cNvSpPr txBox="1">
-            <a:spLocks noGrp="1"/>
-          </p:cNvSpPr>
-          <p:nvPr>
-            <p:ph type="title"/>
-          </p:nvPr>
-        </p:nvSpPr>
-        <p:spPr>
-          <a:prstGeom prst="rect">
-            <a:avLst/>
-          </a:prstGeom>
-        </p:spPr>
-        <p:txBody>
-          <a:bodyPr spcFirstLastPara="1" wrap="square" lIns="91425" tIns="91425" rIns="91425" bIns="91425" anchor="t" anchorCtr="0">
-            <a:normAutofit/>
-          </a:bodyPr>
-          <a:lstStyle/>
-          <a:p>
-            <a:pPr marL="0" lvl="0" indent="0" algn="l" rtl="0">
-              <a:spcBef>
-                <a:spcPts val="0"/>
-              </a:spcBef>
-              <a:spcAft>
-                <a:spcPts val="0"/>
-              </a:spcAft>
-              <a:buNone/>
-            </a:pPr>
-            <a:r>
-              <a:rPr lang="de" dirty="0">
-                <a:solidFill>
-                  <a:srgbClr val="434343"/>
-                </a:solidFill>
-              </a:rPr>
-              <a:t>Was für ein Spiel es ist/ wie es funktioniert</a:t>
-            </a:r>
-            <a:endParaRPr dirty="0">
-              <a:solidFill>
-                <a:srgbClr val="434343"/>
-              </a:solidFill>
-            </a:endParaRPr>
-          </a:p>
-        </p:txBody>
-      </p:sp>
-      <p:sp>
-        <p:nvSpPr>
-          <p:cNvPr id="153" name="Google Shape;153;p17"/>
-          <p:cNvSpPr txBox="1">
-            <a:spLocks noGrp="1"/>
-          </p:cNvSpPr>
-          <p:nvPr>
-            <p:ph type="body" idx="1"/>
-          </p:nvPr>
-        </p:nvSpPr>
-        <p:spPr>
-          <a:xfrm>
-            <a:off x="819150" y="1485025"/>
-            <a:ext cx="7505700" cy="2448000"/>
-          </a:xfrm>
-          <a:prstGeom prst="rect">
-            <a:avLst/>
-          </a:prstGeom>
-        </p:spPr>
-        <p:txBody>
-          <a:bodyPr spcFirstLastPara="1" wrap="square" lIns="91425" tIns="91425" rIns="91425" bIns="91425" anchor="t" anchorCtr="0">
-            <a:normAutofit/>
-          </a:bodyPr>
-          <a:lstStyle/>
-          <a:p>
-            <a:pPr marL="342900" lvl="0" indent="-342900" algn="l" rtl="0">
-              <a:spcBef>
-                <a:spcPts val="0"/>
-              </a:spcBef>
-              <a:buFont typeface="Arial" panose="020B0604020202020204" pitchFamily="34" charset="0"/>
-              <a:buChar char="•"/>
-            </a:pPr>
-            <a:r>
-              <a:rPr lang="de" sz="2000" dirty="0"/>
-              <a:t>Möglichkeit sein Spielstand auf einem Server zu speichern mit anlegen eines Kontos</a:t>
-            </a:r>
-          </a:p>
-          <a:p>
-            <a:pPr marL="342900" lvl="0" indent="-342900" algn="l" rtl="0">
-              <a:spcBef>
-                <a:spcPts val="0"/>
-              </a:spcBef>
-              <a:buFont typeface="Arial" panose="020B0604020202020204" pitchFamily="34" charset="0"/>
-              <a:buChar char="•"/>
-            </a:pPr>
-            <a:r>
-              <a:rPr lang="de" sz="2000" dirty="0"/>
-              <a:t>Ereignis basiert</a:t>
-            </a:r>
-          </a:p>
-          <a:p>
-            <a:pPr marL="342900" lvl="0" indent="-342900" algn="l" rtl="0">
-              <a:spcBef>
-                <a:spcPts val="0"/>
-              </a:spcBef>
-              <a:spcAft>
-                <a:spcPts val="1200"/>
-              </a:spcAft>
-              <a:buFont typeface="Arial" panose="020B0604020202020204" pitchFamily="34" charset="0"/>
-              <a:buChar char="•"/>
-            </a:pPr>
-            <a:r>
-              <a:rPr lang="de" sz="2000" dirty="0"/>
-              <a:t>Roll play game (RPG)</a:t>
-            </a:r>
-            <a:br>
-              <a:rPr lang="de" dirty="0"/>
-            </a:br>
-            <a:endParaRPr dirty="0"/>
-          </a:p>
-        </p:txBody>
-      </p:sp>
-    </p:spTree>
-  </p:cSld>
-  <p:clrMapOvr>
-    <a:overrideClrMapping bg1="lt1" tx1="dk1" bg2="dk2" tx2="lt2" accent1="accent1" accent2="accent2" accent3="accent3" accent4="accent4" accent5="accent5" accent6="accent6" hlink="hlink" folHlink="folHlink"/>
-  </p:clrMapOvr>
-  <p:timing>
-    <p:tnLst>
-      <p:par>
-        <p:cTn id="1" dur="indefinite" restart="never" nodeType="tmRoot">
-          <p:childTnLst>
-            <p:seq concurrent="1" nextAc="seek">
-              <p:cTn id="2" dur="indefinite" nodeType="mainSeq">
-                <p:childTnLst>
-                  <p:par>
-                    <p:cTn id="3" fill="hold">
-                      <p:stCondLst>
-                        <p:cond delay="indefinite"/>
-                      </p:stCondLst>
-                      <p:childTnLst>
-                        <p:par>
-                          <p:cTn id="4" fill="hold">
-                            <p:stCondLst>
-                              <p:cond delay="0"/>
-                            </p:stCondLst>
-                            <p:childTnLst>
-                              <p:par>
-                                <p:cTn id="5" presetID="1" presetClass="entr" presetSubtype="0" fill="hold" grpId="0" nodeType="clickEffect">
-                                  <p:stCondLst>
-                                    <p:cond delay="0"/>
-                                  </p:stCondLst>
-                                  <p:childTnLst>
-                                    <p:set>
-                                      <p:cBhvr>
-                                        <p:cTn id="6" dur="1" fill="hold">
-                                          <p:stCondLst>
-                                            <p:cond delay="0"/>
-                                          </p:stCondLst>
-                                        </p:cTn>
-                                        <p:tgtEl>
-                                          <p:spTgt spid="153">
-                                            <p:txEl>
-                                              <p:pRg st="0" end="0"/>
-                                            </p:txEl>
-                                          </p:spTgt>
-                                        </p:tgtEl>
-                                        <p:attrNameLst>
-                                          <p:attrName>style.visibility</p:attrName>
-                                        </p:attrNameLst>
-                                      </p:cBhvr>
-                                      <p:to>
-                                        <p:strVal val="visible"/>
-                                      </p:to>
-                                    </p:set>
-                                  </p:childTnLst>
-                                </p:cTn>
-                              </p:par>
-                            </p:childTnLst>
-                          </p:cTn>
-                        </p:par>
-                      </p:childTnLst>
-                    </p:cTn>
-                  </p:par>
-                  <p:par>
-                    <p:cTn id="7" fill="hold">
-                      <p:stCondLst>
-                        <p:cond delay="indefinite"/>
-                      </p:stCondLst>
-                      <p:childTnLst>
-                        <p:par>
-                          <p:cTn id="8" fill="hold">
-                            <p:stCondLst>
-                              <p:cond delay="0"/>
-                            </p:stCondLst>
-                            <p:childTnLst>
-                              <p:par>
-                                <p:cTn id="9" presetID="1" presetClass="entr" presetSubtype="0" fill="hold" grpId="0" nodeType="clickEffect">
-                                  <p:stCondLst>
-                                    <p:cond delay="0"/>
-                                  </p:stCondLst>
-                                  <p:childTnLst>
-                                    <p:set>
-                                      <p:cBhvr>
-                                        <p:cTn id="10" dur="1" fill="hold">
-                                          <p:stCondLst>
-                                            <p:cond delay="0"/>
-                                          </p:stCondLst>
-                                        </p:cTn>
-                                        <p:tgtEl>
-                                          <p:spTgt spid="153">
-                                            <p:txEl>
-                                              <p:pRg st="1" end="1"/>
-                                            </p:txEl>
-                                          </p:spTgt>
-                                        </p:tgtEl>
-                                        <p:attrNameLst>
-                                          <p:attrName>style.visibility</p:attrName>
-                                        </p:attrNameLst>
-                                      </p:cBhvr>
-                                      <p:to>
-                                        <p:strVal val="visible"/>
-                                      </p:to>
-                                    </p:set>
-                                  </p:childTnLst>
-                                </p:cTn>
-                              </p:par>
-                            </p:childTnLst>
-                          </p:cTn>
-                        </p:par>
-                      </p:childTnLst>
-                    </p:cTn>
-                  </p:par>
-                  <p:par>
-                    <p:cTn id="11" fill="hold">
-                      <p:stCondLst>
-                        <p:cond delay="indefinite"/>
-                      </p:stCondLst>
-                      <p:childTnLst>
-                        <p:par>
-                          <p:cTn id="12" fill="hold">
-                            <p:stCondLst>
-                              <p:cond delay="0"/>
-                            </p:stCondLst>
-                            <p:childTnLst>
-                              <p:par>
-                                <p:cTn id="13" presetID="1" presetClass="entr" presetSubtype="0" fill="hold" grpId="0" nodeType="clickEffect">
-                                  <p:stCondLst>
-                                    <p:cond delay="0"/>
-                                  </p:stCondLst>
-                                  <p:childTnLst>
-                                    <p:set>
-                                      <p:cBhvr>
-                                        <p:cTn id="14" dur="1" fill="hold">
-                                          <p:stCondLst>
-                                            <p:cond delay="0"/>
-                                          </p:stCondLst>
-                                        </p:cTn>
-                                        <p:tgtEl>
-                                          <p:spTgt spid="153">
-                                            <p:txEl>
-                                              <p:pRg st="2" end="2"/>
-                                            </p:txEl>
-                                          </p:spTgt>
-                                        </p:tgtEl>
-                                        <p:attrNameLst>
-                                          <p:attrName>style.visibility</p:attrName>
-                                        </p:attrNameLst>
-                                      </p:cBhvr>
-                                      <p:to>
-                                        <p:strVal val="visible"/>
-                                      </p:to>
-                                    </p:set>
-                                  </p:childTnLst>
-                                </p:cTn>
-                              </p:par>
-                            </p:childTnLst>
-                          </p:cTn>
-                        </p:par>
-                      </p:childTnLst>
-                    </p:cTn>
-                  </p:par>
-                </p:childTnLst>
-              </p:cTn>
-              <p:prevCondLst>
-                <p:cond evt="onPrev" delay="0">
-                  <p:tgtEl>
-                    <p:sldTgt/>
-                  </p:tgtEl>
-                </p:cond>
-              </p:prevCondLst>
-              <p:nextCondLst>
-                <p:cond evt="onNext" delay="0">
-                  <p:tgtEl>
-                    <p:sldTgt/>
-                  </p:tgtEl>
-                </p:cond>
-              </p:nextCondLst>
-            </p:seq>
-          </p:childTnLst>
-        </p:cTn>
-      </p:par>
-    </p:tnLst>
-    <p:bldLst>
-      <p:bldP spid="153" grpId="0" build="p"/>
-    </p:bldLst>
-  </p:timing>
-</p:sld>
-</file>
-
-<file path=ppt/slides/slide7.xml><?xml version="1.0" encoding="utf-8"?>
-<p:sld xmlns:a="http://schemas.openxmlformats.org/drawingml/2006/main" xmlns:r="http://schemas.openxmlformats.org/officeDocument/2006/relationships" xmlns:p="http://schemas.openxmlformats.org/presentationml/2006/main">
-  <p:cSld>
-    <p:bg>
-      <p:bgPr>
-        <a:solidFill>
-          <a:schemeClr val="dk2"/>
-        </a:solidFill>
-        <a:effectLst/>
-      </p:bgPr>
-    </p:bg>
-    <p:spTree>
-      <p:nvGrpSpPr>
         <p:cNvPr id="1" name=""/>
         <p:cNvGrpSpPr/>
         <p:nvPr/>
@@ -12116,7 +12035,7 @@
                   <a:srgbClr val="434343"/>
                 </a:solidFill>
               </a:rPr>
-              <a:t>Online Speicherung mit einem Server</a:t>
+              <a:t>Onlinespeicherung mit einem Server</a:t>
             </a:r>
           </a:p>
         </p:txBody>
@@ -12157,7 +12076,26 @@
           <a:p>
             <a:r>
               <a:rPr lang="de-DE" sz="2000" dirty="0"/>
+              <a:t>Kann jegliche Daten annehmen und versenden</a:t>
+            </a:r>
+          </a:p>
+          <a:p>
+            <a:r>
+              <a:rPr lang="de-DE" sz="2000" dirty="0"/>
               <a:t>Privater Server</a:t>
+            </a:r>
+          </a:p>
+          <a:p>
+            <a:endParaRPr lang="de-DE" sz="2000" dirty="0"/>
+          </a:p>
+          <a:p>
+            <a:r>
+              <a:rPr lang="de-DE" sz="2000" dirty="0">
+                <a:solidFill>
+                  <a:srgbClr val="FF0000"/>
+                </a:solidFill>
+              </a:rPr>
+              <a:t>Bild vom Quellcode</a:t>
             </a:r>
           </a:p>
         </p:txBody>
@@ -12171,6 +12109,89 @@
   </p:cSld>
   <p:clrMapOvr>
     <a:overrideClrMapping bg1="lt1" tx1="dk1" bg2="dk2" tx2="lt2" accent1="accent1" accent2="accent2" accent3="accent3" accent4="accent4" accent5="accent5" accent6="accent6" hlink="hlink" folHlink="folHlink"/>
+  </p:clrMapOvr>
+</p:sld>
+</file>
+
+<file path=ppt/slides/slide7.xml><?xml version="1.0" encoding="utf-8"?>
+<p:sld xmlns:a="http://schemas.openxmlformats.org/drawingml/2006/main" xmlns:r="http://schemas.openxmlformats.org/officeDocument/2006/relationships" xmlns:p="http://schemas.openxmlformats.org/presentationml/2006/main">
+  <p:cSld>
+    <p:spTree>
+      <p:nvGrpSpPr>
+        <p:cNvPr id="1" name=""/>
+        <p:cNvGrpSpPr/>
+        <p:nvPr/>
+      </p:nvGrpSpPr>
+      <p:grpSpPr>
+        <a:xfrm>
+          <a:off x="0" y="0"/>
+          <a:ext cx="0" cy="0"/>
+          <a:chOff x="0" y="0"/>
+          <a:chExt cx="0" cy="0"/>
+        </a:xfrm>
+      </p:grpSpPr>
+      <p:sp>
+        <p:nvSpPr>
+          <p:cNvPr id="2" name="Titel 1">
+            <a:extLst>
+              <a:ext uri="{FF2B5EF4-FFF2-40B4-BE49-F238E27FC236}">
+                <a16:creationId xmlns:a16="http://schemas.microsoft.com/office/drawing/2014/main" id="{7769416C-6F0F-4C56-A54D-A4B6BA02C299}"/>
+              </a:ext>
+            </a:extLst>
+          </p:cNvPr>
+          <p:cNvSpPr>
+            <a:spLocks noGrp="1"/>
+          </p:cNvSpPr>
+          <p:nvPr>
+            <p:ph type="title"/>
+          </p:nvPr>
+        </p:nvSpPr>
+        <p:spPr/>
+        <p:txBody>
+          <a:bodyPr/>
+          <a:lstStyle/>
+          <a:p>
+            <a:r>
+              <a:rPr lang="de-DE" dirty="0"/>
+              <a:t>Showcase</a:t>
+            </a:r>
+          </a:p>
+        </p:txBody>
+      </p:sp>
+      <p:sp>
+        <p:nvSpPr>
+          <p:cNvPr id="3" name="Textplatzhalter 2">
+            <a:extLst>
+              <a:ext uri="{FF2B5EF4-FFF2-40B4-BE49-F238E27FC236}">
+                <a16:creationId xmlns:a16="http://schemas.microsoft.com/office/drawing/2014/main" id="{415B1313-CBAC-4622-864D-B06A41B19049}"/>
+              </a:ext>
+            </a:extLst>
+          </p:cNvPr>
+          <p:cNvSpPr>
+            <a:spLocks noGrp="1"/>
+          </p:cNvSpPr>
+          <p:nvPr>
+            <p:ph type="body" idx="1"/>
+          </p:nvPr>
+        </p:nvSpPr>
+        <p:spPr/>
+        <p:txBody>
+          <a:bodyPr/>
+          <a:lstStyle/>
+          <a:p>
+            <a:endParaRPr lang="de-DE" dirty="0"/>
+          </a:p>
+        </p:txBody>
+      </p:sp>
+    </p:spTree>
+    <p:extLst>
+      <p:ext uri="{BB962C8B-B14F-4D97-AF65-F5344CB8AC3E}">
+        <p14:creationId xmlns:p14="http://schemas.microsoft.com/office/powerpoint/2010/main" val="142260725"/>
+      </p:ext>
+    </p:extLst>
+  </p:cSld>
+  <p:clrMapOvr>
+    <a:masterClrMapping/>
   </p:clrMapOvr>
 </p:sld>
 </file>
@@ -12264,70 +12285,64 @@
           <a:lstStyle/>
           <a:p>
             <a:pPr marL="0" lvl="0" indent="0" algn="l" rtl="0">
-              <a:spcBef>
-                <a:spcPts val="0"/>
-              </a:spcBef>
-              <a:spcAft>
-                <a:spcPts val="0"/>
-              </a:spcAft>
+              <a:lnSpc>
+                <a:spcPct val="100000"/>
+              </a:lnSpc>
               <a:buNone/>
             </a:pPr>
             <a:r>
               <a:rPr lang="de" sz="1600" b="1" dirty="0"/>
               <a:t>Ludwig:</a:t>
             </a:r>
-            <a:endParaRPr sz="1600" b="1" dirty="0"/>
+          </a:p>
+          <a:p>
+            <a:pPr marL="342900" indent="-342900">
+              <a:lnSpc>
+                <a:spcPct val="100000"/>
+              </a:lnSpc>
+            </a:pPr>
+            <a:r>
+              <a:rPr lang="de" sz="1600" dirty="0"/>
+              <a:t>Hauptteil der Grafiken</a:t>
+            </a:r>
+          </a:p>
+          <a:p>
+            <a:pPr marL="342900" indent="-342900">
+              <a:lnSpc>
+                <a:spcPct val="100000"/>
+              </a:lnSpc>
+            </a:pPr>
+            <a:endParaRPr lang="de-DE" sz="1600" dirty="0"/>
           </a:p>
           <a:p>
             <a:pPr marL="0" lvl="0" indent="0" algn="l" rtl="0">
-              <a:spcBef>
-                <a:spcPts val="1200"/>
-              </a:spcBef>
-              <a:spcAft>
-                <a:spcPts val="0"/>
-              </a:spcAft>
-              <a:buNone/>
-            </a:pPr>
-            <a:endParaRPr lang="de-DE" sz="1600" b="1" dirty="0"/>
-          </a:p>
-          <a:p>
-            <a:pPr marL="0" lvl="0" indent="0" algn="l" rtl="0">
-              <a:spcBef>
-                <a:spcPts val="1200"/>
-              </a:spcBef>
-              <a:spcAft>
-                <a:spcPts val="0"/>
-              </a:spcAft>
-              <a:buNone/>
-            </a:pPr>
-            <a:endParaRPr lang="de-DE" sz="1600" b="1" dirty="0"/>
-          </a:p>
-          <a:p>
-            <a:pPr marL="0" lvl="0" indent="0" algn="l" rtl="0">
-              <a:spcBef>
-                <a:spcPts val="1200"/>
-              </a:spcBef>
-              <a:spcAft>
-                <a:spcPts val="0"/>
-              </a:spcAft>
+              <a:lnSpc>
+                <a:spcPct val="100000"/>
+              </a:lnSpc>
               <a:buNone/>
             </a:pPr>
             <a:endParaRPr sz="1600" b="1" dirty="0"/>
           </a:p>
           <a:p>
             <a:pPr marL="0" lvl="0" indent="0" algn="l" rtl="0">
-              <a:spcBef>
-                <a:spcPts val="1200"/>
-              </a:spcBef>
-              <a:spcAft>
-                <a:spcPts val="1200"/>
-              </a:spcAft>
+              <a:lnSpc>
+                <a:spcPct val="100000"/>
+              </a:lnSpc>
               <a:buNone/>
             </a:pPr>
             <a:r>
-              <a:rPr lang="de" sz="1600" b="1" dirty="0"/>
+              <a:rPr lang="de" sz="1600" b="1"/>
               <a:t>Nico:</a:t>
             </a:r>
+          </a:p>
+          <a:p>
+            <a:pPr marL="0" lvl="0" indent="0" algn="l" rtl="0">
+              <a:lnSpc>
+                <a:spcPct val="100000"/>
+              </a:lnSpc>
+              <a:buNone/>
+            </a:pPr>
+            <a:endParaRPr lang="de" sz="1600" b="1" dirty="0"/>
           </a:p>
         </p:txBody>
       </p:sp>
@@ -13008,47 +13023,4 @@
     </a:folHlink>
   </a:clrScheme>
 </a:themeOverride>
-</file>
-
-<file path=ppt/theme/themeOverride2.xml><?xml version="1.0" encoding="utf-8"?>
-<a:themeOverride xmlns:a="http://schemas.openxmlformats.org/drawingml/2006/main">
-  <a:clrScheme name="Shift">
-    <a:dk1>
-      <a:srgbClr val="FFFFFF"/>
-    </a:dk1>
-    <a:lt1>
-      <a:srgbClr val="AF7B51"/>
-    </a:lt1>
-    <a:dk2>
-      <a:srgbClr val="233A44"/>
-    </a:dk2>
-    <a:lt2>
-      <a:srgbClr val="D9D9D9"/>
-    </a:lt2>
-    <a:accent1>
-      <a:srgbClr val="00796B"/>
-    </a:accent1>
-    <a:accent2>
-      <a:srgbClr val="D9563F"/>
-    </a:accent2>
-    <a:accent3>
-      <a:srgbClr val="C4A15A"/>
-    </a:accent3>
-    <a:accent4>
-      <a:srgbClr val="14F597"/>
-    </a:accent4>
-    <a:accent5>
-      <a:srgbClr val="3D4594"/>
-    </a:accent5>
-    <a:accent6>
-      <a:srgbClr val="163EF5"/>
-    </a:accent6>
-    <a:hlink>
-      <a:srgbClr val="3D4594"/>
-    </a:hlink>
-    <a:folHlink>
-      <a:srgbClr val="3D4594"/>
-    </a:folHlink>
-  </a:clrScheme>
-</a:themeOverride>
 </file>
--- a/TSA_Vortrag.pptx
+++ b/TSA_Vortrag.pptx
@@ -12064,7 +12064,7 @@
         </p:spPr>
         <p:txBody>
           <a:bodyPr>
-            <a:normAutofit/>
+            <a:normAutofit lnSpcReduction="10000"/>
           </a:bodyPr>
           <a:lstStyle/>
           <a:p>
@@ -12077,6 +12077,20 @@
             <a:r>
               <a:rPr lang="de-DE" sz="2000" dirty="0"/>
               <a:t>Kann jegliche Daten annehmen und versenden</a:t>
+            </a:r>
+          </a:p>
+          <a:p>
+            <a:r>
+              <a:rPr lang="de-DE" sz="2000" dirty="0"/>
+              <a:t>Wird aber um Verbindungsprobleme zu vermeiden als </a:t>
+            </a:r>
+            <a:r>
+              <a:rPr lang="de-DE" sz="2000" dirty="0" err="1"/>
+              <a:t>localhost</a:t>
+            </a:r>
+            <a:r>
+              <a:rPr lang="de-DE" sz="2000" dirty="0"/>
+              <a:t> ausgeführt</a:t>
             </a:r>
           </a:p>
           <a:p>

--- a/TSA_Vortrag.pptx
+++ b/TSA_Vortrag.pptx
@@ -10091,45 +10091,6 @@
           </a:prstGeom>
         </p:spPr>
       </p:pic>
-      <p:sp>
-        <p:nvSpPr>
-          <p:cNvPr id="6" name="Textfeld 5">
-            <a:extLst>
-              <a:ext uri="{FF2B5EF4-FFF2-40B4-BE49-F238E27FC236}">
-                <a16:creationId xmlns:a16="http://schemas.microsoft.com/office/drawing/2014/main" id="{D3BD2F24-F955-4F18-987C-CA15D713A2C5}"/>
-              </a:ext>
-            </a:extLst>
-          </p:cNvPr>
-          <p:cNvSpPr txBox="1"/>
-          <p:nvPr/>
-        </p:nvSpPr>
-        <p:spPr>
-          <a:xfrm>
-            <a:off x="3381153" y="3136605"/>
-            <a:ext cx="5071731" cy="523220"/>
-          </a:xfrm>
-          <a:prstGeom prst="rect">
-            <a:avLst/>
-          </a:prstGeom>
-          <a:noFill/>
-        </p:spPr>
-        <p:txBody>
-          <a:bodyPr wrap="square" rtlCol="0">
-            <a:spAutoFit/>
-          </a:bodyPr>
-          <a:lstStyle/>
-          <a:p>
-            <a:r>
-              <a:rPr lang="de-DE" b="1" u="sng" dirty="0">
-                <a:solidFill>
-                  <a:srgbClr val="FF0000"/>
-                </a:solidFill>
-              </a:rPr>
-              <a:t>LUDWIG JAKOB SCHEMMERT MACHEN SIE SOFORT EIN BILD VON SICH REIN!!!</a:t>
-            </a:r>
-          </a:p>
-        </p:txBody>
-      </p:sp>
     </p:spTree>
   </p:cSld>
   <p:clrMapOvr>
@@ -11000,7 +10961,7 @@
                                         <p:tgtEl>
                                           <p:spTgt spid="147">
                                             <p:txEl>
-                                              <p:pRg st="1" end="1"/>
+                                              <p:pRg st="0" end="0"/>
                                             </p:txEl>
                                           </p:spTgt>
                                         </p:tgtEl>
@@ -11049,7 +11010,7 @@
                                         <p:tgtEl>
                                           <p:spTgt spid="147">
                                             <p:txEl>
-                                              <p:pRg st="0" end="0"/>
+                                              <p:pRg st="1" end="1"/>
                                             </p:txEl>
                                           </p:spTgt>
                                         </p:tgtEl>
@@ -11424,6 +11385,85 @@
       </p:grpSpPr>
       <p:sp>
         <p:nvSpPr>
+          <p:cNvPr id="3" name="Textplatzhalter 2">
+            <a:extLst>
+              <a:ext uri="{FF2B5EF4-FFF2-40B4-BE49-F238E27FC236}">
+                <a16:creationId xmlns:a16="http://schemas.microsoft.com/office/drawing/2014/main" id="{69DC2D21-883A-4C92-BC60-083DD24778DD}"/>
+              </a:ext>
+            </a:extLst>
+          </p:cNvPr>
+          <p:cNvSpPr>
+            <a:spLocks noGrp="1"/>
+          </p:cNvSpPr>
+          <p:nvPr>
+            <p:ph type="body" idx="1"/>
+          </p:nvPr>
+        </p:nvSpPr>
+        <p:spPr>
+          <a:xfrm>
+            <a:off x="819150" y="1507399"/>
+            <a:ext cx="7505700" cy="2448000"/>
+          </a:xfrm>
+        </p:spPr>
+        <p:txBody>
+          <a:bodyPr>
+            <a:normAutofit/>
+          </a:bodyPr>
+          <a:lstStyle/>
+          <a:p>
+            <a:pPr>
+              <a:buFont typeface="Arial" panose="020B0604020202020204" pitchFamily="34" charset="0"/>
+              <a:buChar char="•"/>
+            </a:pPr>
+            <a:r>
+              <a:rPr lang="de-DE" sz="2400" dirty="0"/>
+              <a:t>Arbeit mit Pycharm</a:t>
+            </a:r>
+          </a:p>
+          <a:p>
+            <a:pPr lvl="1">
+              <a:buFont typeface="Arial" panose="020B0604020202020204" pitchFamily="34" charset="0"/>
+              <a:buChar char="•"/>
+            </a:pPr>
+            <a:r>
+              <a:rPr lang="de-DE" sz="1600" dirty="0"/>
+              <a:t>Entwicklungsumgebung</a:t>
+            </a:r>
+          </a:p>
+          <a:p>
+            <a:pPr>
+              <a:buFont typeface="Arial" panose="020B0604020202020204" pitchFamily="34" charset="0"/>
+              <a:buChar char="•"/>
+            </a:pPr>
+            <a:r>
+              <a:rPr lang="de-DE" sz="2400" dirty="0"/>
+              <a:t>Unterstützung durch GitHub</a:t>
+            </a:r>
+          </a:p>
+          <a:p>
+            <a:pPr lvl="1">
+              <a:buFont typeface="Arial" panose="020B0604020202020204" pitchFamily="34" charset="0"/>
+              <a:buChar char="•"/>
+            </a:pPr>
+            <a:r>
+              <a:rPr lang="de-DE" sz="1600" dirty="0"/>
+              <a:t>Ermöglicht schnelle Arbeit im Team</a:t>
+            </a:r>
+          </a:p>
+          <a:p>
+            <a:pPr>
+              <a:buFont typeface="Arial" panose="020B0604020202020204" pitchFamily="34" charset="0"/>
+              <a:buChar char="•"/>
+            </a:pPr>
+            <a:r>
+              <a:rPr lang="de-DE" sz="2400" dirty="0"/>
+              <a:t>Strukturiert mit Arbeitsaufteilung im Team</a:t>
+            </a:r>
+          </a:p>
+        </p:txBody>
+      </p:sp>
+      <p:sp>
+        <p:nvSpPr>
           <p:cNvPr id="2" name="Titel 1">
             <a:extLst>
               <a:ext uri="{FF2B5EF4-FFF2-40B4-BE49-F238E27FC236}">
@@ -11506,7 +11546,7 @@
         </p:blipFill>
         <p:spPr>
           <a:xfrm>
-            <a:off x="4886300" y="1858897"/>
+            <a:off x="4865035" y="2198531"/>
             <a:ext cx="679268" cy="679268"/>
           </a:xfrm>
           <a:prstGeom prst="rect">
@@ -11514,85 +11554,6 @@
           </a:prstGeom>
         </p:spPr>
       </p:pic>
-      <p:sp>
-        <p:nvSpPr>
-          <p:cNvPr id="3" name="Textplatzhalter 2">
-            <a:extLst>
-              <a:ext uri="{FF2B5EF4-FFF2-40B4-BE49-F238E27FC236}">
-                <a16:creationId xmlns:a16="http://schemas.microsoft.com/office/drawing/2014/main" id="{69DC2D21-883A-4C92-BC60-083DD24778DD}"/>
-              </a:ext>
-            </a:extLst>
-          </p:cNvPr>
-          <p:cNvSpPr>
-            <a:spLocks noGrp="1"/>
-          </p:cNvSpPr>
-          <p:nvPr>
-            <p:ph type="body" idx="1"/>
-          </p:nvPr>
-        </p:nvSpPr>
-        <p:spPr>
-          <a:xfrm>
-            <a:off x="819150" y="1507399"/>
-            <a:ext cx="7505700" cy="2448000"/>
-          </a:xfrm>
-        </p:spPr>
-        <p:txBody>
-          <a:bodyPr>
-            <a:normAutofit/>
-          </a:bodyPr>
-          <a:lstStyle/>
-          <a:p>
-            <a:pPr>
-              <a:buFont typeface="Arial" panose="020B0604020202020204" pitchFamily="34" charset="0"/>
-              <a:buChar char="•"/>
-            </a:pPr>
-            <a:r>
-              <a:rPr lang="de-DE" sz="2400" dirty="0"/>
-              <a:t>Arbeit mit Pycharm</a:t>
-            </a:r>
-          </a:p>
-          <a:p>
-            <a:pPr lvl="1">
-              <a:buFont typeface="Arial" panose="020B0604020202020204" pitchFamily="34" charset="0"/>
-              <a:buChar char="•"/>
-            </a:pPr>
-            <a:r>
-              <a:rPr lang="de-DE" sz="1600" dirty="0"/>
-              <a:t>Entwicklungsumgebung</a:t>
-            </a:r>
-          </a:p>
-          <a:p>
-            <a:pPr>
-              <a:buFont typeface="Arial" panose="020B0604020202020204" pitchFamily="34" charset="0"/>
-              <a:buChar char="•"/>
-            </a:pPr>
-            <a:r>
-              <a:rPr lang="de-DE" sz="2400" dirty="0"/>
-              <a:t>Unterstützung durch GitHub</a:t>
-            </a:r>
-          </a:p>
-          <a:p>
-            <a:pPr lvl="1">
-              <a:buFont typeface="Arial" panose="020B0604020202020204" pitchFamily="34" charset="0"/>
-              <a:buChar char="•"/>
-            </a:pPr>
-            <a:r>
-              <a:rPr lang="de-DE" sz="1600" dirty="0"/>
-              <a:t>Ermöglicht schnelle Arbeit im Team</a:t>
-            </a:r>
-          </a:p>
-          <a:p>
-            <a:pPr>
-              <a:buFont typeface="Arial" panose="020B0604020202020204" pitchFamily="34" charset="0"/>
-              <a:buChar char="•"/>
-            </a:pPr>
-            <a:r>
-              <a:rPr lang="de-DE" sz="2400" dirty="0"/>
-              <a:t>Strukturiert mit Arbeitsaufteilung im Team</a:t>
-            </a:r>
-          </a:p>
-        </p:txBody>
-      </p:sp>
     </p:spTree>
     <p:extLst>
       <p:ext uri="{BB962C8B-B14F-4D97-AF65-F5344CB8AC3E}">
@@ -11699,43 +11660,21 @@
                                   </p:childTnLst>
                                 </p:cTn>
                               </p:par>
-                            </p:childTnLst>
-                          </p:cTn>
-                        </p:par>
-                      </p:childTnLst>
-                    </p:cTn>
-                  </p:par>
-                  <p:par>
-                    <p:cTn id="11" fill="hold">
-                      <p:stCondLst>
-                        <p:cond delay="indefinite"/>
-                      </p:stCondLst>
-                      <p:childTnLst>
-                        <p:par>
-                          <p:cTn id="12" fill="hold">
-                            <p:stCondLst>
-                              <p:cond delay="0"/>
-                            </p:stCondLst>
-                            <p:childTnLst>
                               <p:par>
-                                <p:cTn id="13" presetID="1" presetClass="entr" presetSubtype="0" fill="hold" nodeType="clickEffect">
+                                <p:cTn id="11" presetID="1" presetClass="entr" presetSubtype="0" fill="hold" nodeType="withEffect">
                                   <p:stCondLst>
                                     <p:cond delay="0"/>
                                   </p:stCondLst>
                                   <p:childTnLst>
                                     <p:set>
                                       <p:cBhvr>
-                                        <p:cTn id="14" dur="1" fill="hold">
+                                        <p:cTn id="12" dur="1" fill="hold">
                                           <p:stCondLst>
                                             <p:cond delay="0"/>
                                           </p:stCondLst>
                                         </p:cTn>
                                         <p:tgtEl>
-                                          <p:spTgt spid="3">
-                                            <p:txEl>
-                                              <p:pRg st="1" end="1"/>
-                                            </p:txEl>
-                                          </p:spTgt>
+                                          <p:spTgt spid="5"/>
                                         </p:tgtEl>
                                         <p:attrNameLst>
                                           <p:attrName>style.visibility</p:attrName>
@@ -11748,8 +11687,26 @@
                                   </p:childTnLst>
                                 </p:cTn>
                               </p:par>
+                            </p:childTnLst>
+                          </p:cTn>
+                        </p:par>
+                      </p:childTnLst>
+                    </p:cTn>
+                  </p:par>
+                  <p:par>
+                    <p:cTn id="13" fill="hold">
+                      <p:stCondLst>
+                        <p:cond delay="indefinite"/>
+                      </p:stCondLst>
+                      <p:childTnLst>
+                        <p:par>
+                          <p:cTn id="14" fill="hold">
+                            <p:stCondLst>
+                              <p:cond delay="0"/>
+                            </p:stCondLst>
+                            <p:childTnLst>
                               <p:par>
-                                <p:cTn id="15" presetID="1" presetClass="entr" presetSubtype="0" fill="hold" nodeType="withEffect">
+                                <p:cTn id="15" presetID="1" presetClass="entr" presetSubtype="0" fill="hold" nodeType="clickEffect">
                                   <p:stCondLst>
                                     <p:cond delay="0"/>
                                   </p:stCondLst>
@@ -11762,7 +11719,11 @@
                                           </p:stCondLst>
                                         </p:cTn>
                                         <p:tgtEl>
-                                          <p:spTgt spid="5"/>
+                                          <p:spTgt spid="3">
+                                            <p:txEl>
+                                              <p:pRg st="1" end="1"/>
+                                            </p:txEl>
+                                          </p:spTgt>
                                         </p:tgtEl>
                                         <p:attrNameLst>
                                           <p:attrName>style.visibility</p:attrName>
@@ -11824,6 +11785,33 @@
                                   </p:childTnLst>
                                 </p:cTn>
                               </p:par>
+                              <p:par>
+                                <p:cTn id="21" presetID="1" presetClass="entr" presetSubtype="0" fill="hold" nodeType="withEffect">
+                                  <p:stCondLst>
+                                    <p:cond delay="0"/>
+                                  </p:stCondLst>
+                                  <p:childTnLst>
+                                    <p:set>
+                                      <p:cBhvr>
+                                        <p:cTn id="22" dur="1" fill="hold">
+                                          <p:stCondLst>
+                                            <p:cond delay="0"/>
+                                          </p:stCondLst>
+                                        </p:cTn>
+                                        <p:tgtEl>
+                                          <p:spTgt spid="7"/>
+                                        </p:tgtEl>
+                                        <p:attrNameLst>
+                                          <p:attrName>style.visibility</p:attrName>
+                                        </p:attrNameLst>
+                                      </p:cBhvr>
+                                      <p:to>
+                                        <p:strVal val="visible"/>
+                                      </p:to>
+                                    </p:set>
+                                  </p:childTnLst>
+                                </p:cTn>
+                              </p:par>
                             </p:childTnLst>
                           </p:cTn>
                         </p:par>
@@ -11831,26 +11819,26 @@
                     </p:cTn>
                   </p:par>
                   <p:par>
-                    <p:cTn id="21" fill="hold">
+                    <p:cTn id="23" fill="hold">
                       <p:stCondLst>
                         <p:cond delay="indefinite"/>
                       </p:stCondLst>
                       <p:childTnLst>
                         <p:par>
-                          <p:cTn id="22" fill="hold">
+                          <p:cTn id="24" fill="hold">
                             <p:stCondLst>
                               <p:cond delay="0"/>
                             </p:stCondLst>
                             <p:childTnLst>
                               <p:par>
-                                <p:cTn id="23" presetID="1" presetClass="entr" presetSubtype="0" fill="hold" nodeType="clickEffect">
+                                <p:cTn id="25" presetID="1" presetClass="entr" presetSubtype="0" fill="hold" nodeType="clickEffect">
                                   <p:stCondLst>
                                     <p:cond delay="0"/>
                                   </p:stCondLst>
                                   <p:childTnLst>
                                     <p:set>
                                       <p:cBhvr>
-                                        <p:cTn id="24" dur="1" fill="hold">
+                                        <p:cTn id="26" dur="1" fill="hold">
                                           <p:stCondLst>
                                             <p:cond delay="0"/>
                                           </p:stCondLst>
@@ -11880,50 +11868,19 @@
                     </p:cTn>
                   </p:par>
                   <p:par>
-                    <p:cTn id="25" fill="hold">
+                    <p:cTn id="27" fill="hold">
                       <p:stCondLst>
                         <p:cond delay="indefinite"/>
                       </p:stCondLst>
                       <p:childTnLst>
                         <p:par>
-                          <p:cTn id="26" fill="hold">
+                          <p:cTn id="28" fill="hold">
                             <p:stCondLst>
                               <p:cond delay="0"/>
                             </p:stCondLst>
                             <p:childTnLst>
                               <p:par>
-                                <p:cTn id="27" presetID="1" presetClass="entr" presetSubtype="0" fill="hold" nodeType="clickEffect">
-                                  <p:stCondLst>
-                                    <p:cond delay="0"/>
-                                  </p:stCondLst>
-                                  <p:childTnLst>
-                                    <p:set>
-                                      <p:cBhvr>
-                                        <p:cTn id="28" dur="1" fill="hold">
-                                          <p:stCondLst>
-                                            <p:cond delay="0"/>
-                                          </p:stCondLst>
-                                        </p:cTn>
-                                        <p:tgtEl>
-                                          <p:spTgt spid="3">
-                                            <p:txEl>
-                                              <p:pRg st="4" end="4"/>
-                                            </p:txEl>
-                                          </p:spTgt>
-                                        </p:tgtEl>
-                                        <p:attrNameLst>
-                                          <p:attrName>style.visibility</p:attrName>
-                                        </p:attrNameLst>
-                                      </p:cBhvr>
-                                      <p:to>
-                                        <p:strVal val="visible"/>
-                                      </p:to>
-                                    </p:set>
-                                  </p:childTnLst>
-                                </p:cTn>
-                              </p:par>
-                              <p:par>
-                                <p:cTn id="29" presetID="1" presetClass="entr" presetSubtype="0" fill="hold" nodeType="withEffect">
+                                <p:cTn id="29" presetID="1" presetClass="entr" presetSubtype="0" fill="hold" nodeType="clickEffect">
                                   <p:stCondLst>
                                     <p:cond delay="0"/>
                                   </p:stCondLst>
@@ -11936,7 +11893,11 @@
                                           </p:stCondLst>
                                         </p:cTn>
                                         <p:tgtEl>
-                                          <p:spTgt spid="7"/>
+                                          <p:spTgt spid="3">
+                                            <p:txEl>
+                                              <p:pRg st="4" end="4"/>
+                                            </p:txEl>
+                                          </p:spTgt>
                                         </p:tgtEl>
                                         <p:attrNameLst>
                                           <p:attrName>style.visibility</p:attrName>
@@ -12124,6 +12085,280 @@
   <p:clrMapOvr>
     <a:overrideClrMapping bg1="lt1" tx1="dk1" bg2="dk2" tx2="lt2" accent1="accent1" accent2="accent2" accent3="accent3" accent4="accent4" accent5="accent5" accent6="accent6" hlink="hlink" folHlink="folHlink"/>
   </p:clrMapOvr>
+  <p:timing>
+    <p:tnLst>
+      <p:par>
+        <p:cTn id="1" dur="indefinite" restart="never" nodeType="tmRoot">
+          <p:childTnLst>
+            <p:seq concurrent="1" nextAc="seek">
+              <p:cTn id="2" dur="indefinite" nodeType="mainSeq">
+                <p:childTnLst>
+                  <p:par>
+                    <p:cTn id="3" fill="hold">
+                      <p:stCondLst>
+                        <p:cond delay="indefinite"/>
+                      </p:stCondLst>
+                      <p:childTnLst>
+                        <p:par>
+                          <p:cTn id="4" fill="hold">
+                            <p:stCondLst>
+                              <p:cond delay="0"/>
+                            </p:stCondLst>
+                            <p:childTnLst>
+                              <p:par>
+                                <p:cTn id="5" presetID="1" presetClass="entr" presetSubtype="0" fill="hold" grpId="0" nodeType="clickEffect">
+                                  <p:stCondLst>
+                                    <p:cond delay="0"/>
+                                  </p:stCondLst>
+                                  <p:childTnLst>
+                                    <p:set>
+                                      <p:cBhvr>
+                                        <p:cTn id="6" dur="1" fill="hold">
+                                          <p:stCondLst>
+                                            <p:cond delay="0"/>
+                                          </p:stCondLst>
+                                        </p:cTn>
+                                        <p:tgtEl>
+                                          <p:spTgt spid="2"/>
+                                        </p:tgtEl>
+                                        <p:attrNameLst>
+                                          <p:attrName>style.visibility</p:attrName>
+                                        </p:attrNameLst>
+                                      </p:cBhvr>
+                                      <p:to>
+                                        <p:strVal val="visible"/>
+                                      </p:to>
+                                    </p:set>
+                                  </p:childTnLst>
+                                </p:cTn>
+                              </p:par>
+                            </p:childTnLst>
+                          </p:cTn>
+                        </p:par>
+                      </p:childTnLst>
+                    </p:cTn>
+                  </p:par>
+                  <p:par>
+                    <p:cTn id="7" fill="hold">
+                      <p:stCondLst>
+                        <p:cond delay="indefinite"/>
+                      </p:stCondLst>
+                      <p:childTnLst>
+                        <p:par>
+                          <p:cTn id="8" fill="hold">
+                            <p:stCondLst>
+                              <p:cond delay="0"/>
+                            </p:stCondLst>
+                            <p:childTnLst>
+                              <p:par>
+                                <p:cTn id="9" presetID="1" presetClass="entr" presetSubtype="0" fill="hold" nodeType="clickEffect">
+                                  <p:stCondLst>
+                                    <p:cond delay="0"/>
+                                  </p:stCondLst>
+                                  <p:childTnLst>
+                                    <p:set>
+                                      <p:cBhvr>
+                                        <p:cTn id="10" dur="1" fill="hold">
+                                          <p:stCondLst>
+                                            <p:cond delay="0"/>
+                                          </p:stCondLst>
+                                        </p:cTn>
+                                        <p:tgtEl>
+                                          <p:spTgt spid="3">
+                                            <p:txEl>
+                                              <p:pRg st="0" end="0"/>
+                                            </p:txEl>
+                                          </p:spTgt>
+                                        </p:tgtEl>
+                                        <p:attrNameLst>
+                                          <p:attrName>style.visibility</p:attrName>
+                                        </p:attrNameLst>
+                                      </p:cBhvr>
+                                      <p:to>
+                                        <p:strVal val="visible"/>
+                                      </p:to>
+                                    </p:set>
+                                  </p:childTnLst>
+                                </p:cTn>
+                              </p:par>
+                            </p:childTnLst>
+                          </p:cTn>
+                        </p:par>
+                      </p:childTnLst>
+                    </p:cTn>
+                  </p:par>
+                  <p:par>
+                    <p:cTn id="11" fill="hold">
+                      <p:stCondLst>
+                        <p:cond delay="indefinite"/>
+                      </p:stCondLst>
+                      <p:childTnLst>
+                        <p:par>
+                          <p:cTn id="12" fill="hold">
+                            <p:stCondLst>
+                              <p:cond delay="0"/>
+                            </p:stCondLst>
+                            <p:childTnLst>
+                              <p:par>
+                                <p:cTn id="13" presetID="1" presetClass="entr" presetSubtype="0" fill="hold" nodeType="clickEffect">
+                                  <p:stCondLst>
+                                    <p:cond delay="0"/>
+                                  </p:stCondLst>
+                                  <p:childTnLst>
+                                    <p:set>
+                                      <p:cBhvr>
+                                        <p:cTn id="14" dur="1" fill="hold">
+                                          <p:stCondLst>
+                                            <p:cond delay="0"/>
+                                          </p:stCondLst>
+                                        </p:cTn>
+                                        <p:tgtEl>
+                                          <p:spTgt spid="3">
+                                            <p:txEl>
+                                              <p:pRg st="1" end="1"/>
+                                            </p:txEl>
+                                          </p:spTgt>
+                                        </p:tgtEl>
+                                        <p:attrNameLst>
+                                          <p:attrName>style.visibility</p:attrName>
+                                        </p:attrNameLst>
+                                      </p:cBhvr>
+                                      <p:to>
+                                        <p:strVal val="visible"/>
+                                      </p:to>
+                                    </p:set>
+                                  </p:childTnLst>
+                                </p:cTn>
+                              </p:par>
+                            </p:childTnLst>
+                          </p:cTn>
+                        </p:par>
+                      </p:childTnLst>
+                    </p:cTn>
+                  </p:par>
+                  <p:par>
+                    <p:cTn id="15" fill="hold">
+                      <p:stCondLst>
+                        <p:cond delay="indefinite"/>
+                      </p:stCondLst>
+                      <p:childTnLst>
+                        <p:par>
+                          <p:cTn id="16" fill="hold">
+                            <p:stCondLst>
+                              <p:cond delay="0"/>
+                            </p:stCondLst>
+                            <p:childTnLst>
+                              <p:par>
+                                <p:cTn id="17" presetID="1" presetClass="entr" presetSubtype="0" fill="hold" nodeType="clickEffect">
+                                  <p:stCondLst>
+                                    <p:cond delay="0"/>
+                                  </p:stCondLst>
+                                  <p:childTnLst>
+                                    <p:set>
+                                      <p:cBhvr>
+                                        <p:cTn id="18" dur="1" fill="hold">
+                                          <p:stCondLst>
+                                            <p:cond delay="0"/>
+                                          </p:stCondLst>
+                                        </p:cTn>
+                                        <p:tgtEl>
+                                          <p:spTgt spid="3">
+                                            <p:txEl>
+                                              <p:pRg st="2" end="2"/>
+                                            </p:txEl>
+                                          </p:spTgt>
+                                        </p:tgtEl>
+                                        <p:attrNameLst>
+                                          <p:attrName>style.visibility</p:attrName>
+                                        </p:attrNameLst>
+                                      </p:cBhvr>
+                                      <p:to>
+                                        <p:strVal val="visible"/>
+                                      </p:to>
+                                    </p:set>
+                                  </p:childTnLst>
+                                </p:cTn>
+                              </p:par>
+                            </p:childTnLst>
+                          </p:cTn>
+                        </p:par>
+                      </p:childTnLst>
+                    </p:cTn>
+                  </p:par>
+                  <p:par>
+                    <p:cTn id="19" fill="hold">
+                      <p:stCondLst>
+                        <p:cond delay="indefinite"/>
+                      </p:stCondLst>
+                      <p:childTnLst>
+                        <p:par>
+                          <p:cTn id="20" fill="hold">
+                            <p:stCondLst>
+                              <p:cond delay="0"/>
+                            </p:stCondLst>
+                            <p:childTnLst>
+                              <p:par>
+                                <p:cTn id="21" presetID="1" presetClass="entr" presetSubtype="0" fill="hold" nodeType="clickEffect">
+                                  <p:stCondLst>
+                                    <p:cond delay="0"/>
+                                  </p:stCondLst>
+                                  <p:childTnLst>
+                                    <p:set>
+                                      <p:cBhvr>
+                                        <p:cTn id="22" dur="1" fill="hold">
+                                          <p:stCondLst>
+                                            <p:cond delay="0"/>
+                                          </p:stCondLst>
+                                        </p:cTn>
+                                        <p:tgtEl>
+                                          <p:spTgt spid="3">
+                                            <p:txEl>
+                                              <p:pRg st="3" end="3"/>
+                                            </p:txEl>
+                                          </p:spTgt>
+                                        </p:tgtEl>
+                                        <p:attrNameLst>
+                                          <p:attrName>style.visibility</p:attrName>
+                                        </p:attrNameLst>
+                                      </p:cBhvr>
+                                      <p:to>
+                                        <p:strVal val="visible"/>
+                                      </p:to>
+                                    </p:set>
+                                  </p:childTnLst>
+                                </p:cTn>
+                              </p:par>
+                            </p:childTnLst>
+                          </p:cTn>
+                        </p:par>
+                      </p:childTnLst>
+                    </p:cTn>
+                  </p:par>
+                </p:childTnLst>
+              </p:cTn>
+              <p:prevCondLst>
+                <p:cond evt="onPrev" delay="0">
+                  <p:tgtEl>
+                    <p:sldTgt/>
+                  </p:tgtEl>
+                </p:cond>
+              </p:prevCondLst>
+              <p:nextCondLst>
+                <p:cond evt="onNext" delay="0">
+                  <p:tgtEl>
+                    <p:sldTgt/>
+                  </p:tgtEl>
+                </p:cond>
+              </p:nextCondLst>
+            </p:seq>
+          </p:childTnLst>
+        </p:cTn>
+      </p:par>
+    </p:tnLst>
+    <p:bldLst>
+      <p:bldP spid="2" grpId="0"/>
+    </p:bldLst>
+  </p:timing>
 </p:sld>
 </file>
 

--- a/TSA_Vortrag.pptx
+++ b/TSA_Vortrag.pptx
@@ -9512,6 +9512,22 @@
               <a:rPr lang="de" sz="1700" dirty="0"/>
               <a:t>Onlinespeicherung mit Server</a:t>
             </a:r>
+          </a:p>
+          <a:p>
+            <a:pPr marL="457200" lvl="0" indent="-336550" algn="l" rtl="0">
+              <a:spcBef>
+                <a:spcPts val="0"/>
+              </a:spcBef>
+              <a:spcAft>
+                <a:spcPts val="0"/>
+              </a:spcAft>
+              <a:buSzPts val="1700"/>
+              <a:buAutoNum type="arabicPeriod"/>
+            </a:pPr>
+            <a:r>
+              <a:rPr lang="de" sz="1700" dirty="0"/>
+              <a:t>Showcase</a:t>
+            </a:r>
             <a:endParaRPr sz="1700" dirty="0"/>
           </a:p>
           <a:p>
@@ -9816,6 +9832,55 @@
                                           <p:spTgt spid="135">
                                             <p:txEl>
                                               <p:pRg st="4" end="4"/>
+                                            </p:txEl>
+                                          </p:spTgt>
+                                        </p:tgtEl>
+                                        <p:attrNameLst>
+                                          <p:attrName>style.visibility</p:attrName>
+                                        </p:attrNameLst>
+                                      </p:cBhvr>
+                                      <p:to>
+                                        <p:strVal val="visible"/>
+                                      </p:to>
+                                    </p:set>
+                                  </p:childTnLst>
+                                </p:cTn>
+                              </p:par>
+                            </p:childTnLst>
+                          </p:cTn>
+                        </p:par>
+                      </p:childTnLst>
+                    </p:cTn>
+                  </p:par>
+                  <p:par>
+                    <p:cTn id="27" fill="hold">
+                      <p:stCondLst>
+                        <p:cond delay="indefinite"/>
+                      </p:stCondLst>
+                      <p:childTnLst>
+                        <p:par>
+                          <p:cTn id="28" fill="hold">
+                            <p:stCondLst>
+                              <p:cond delay="0"/>
+                            </p:stCondLst>
+                            <p:childTnLst>
+                              <p:par>
+                                <p:cTn id="29" presetID="1" presetClass="entr" presetSubtype="0" fill="hold" grpId="0" nodeType="clickEffect">
+                                  <p:stCondLst>
+                                    <p:cond delay="0"/>
+                                  </p:stCondLst>
+                                  <p:childTnLst>
+                                    <p:set>
+                                      <p:cBhvr>
+                                        <p:cTn id="30" dur="1" fill="hold">
+                                          <p:stCondLst>
+                                            <p:cond delay="0"/>
+                                          </p:stCondLst>
+                                        </p:cTn>
+                                        <p:tgtEl>
+                                          <p:spTgt spid="135">
+                                            <p:txEl>
+                                              <p:pRg st="5" end="5"/>
                                             </p:txEl>
                                           </p:spTgt>
                                         </p:tgtEl>
@@ -11457,7 +11522,7 @@
             </a:pPr>
             <a:r>
               <a:rPr lang="de-DE" sz="2400" dirty="0"/>
-              <a:t>Strukturiert mit Arbeitsaufteilung im Team</a:t>
+              <a:t>Strukturiertes Arbeiten im Team</a:t>
             </a:r>
           </a:p>
         </p:txBody>
@@ -12401,7 +12466,13 @@
           <a:lstStyle/>
           <a:p>
             <a:r>
-              <a:rPr lang="de-DE" dirty="0"/>
+              <a:rPr lang="de-DE" dirty="0">
+                <a:solidFill>
+                  <a:schemeClr val="tx2">
+                    <a:lumMod val="25000"/>
+                  </a:schemeClr>
+                </a:solidFill>
+              </a:rPr>
               <a:t>Showcase</a:t>
             </a:r>
           </a:p>

--- a/TSA_Vortrag.pptx
+++ b/TSA_Vortrag.pptx
@@ -12090,7 +12090,7 @@
         </p:spPr>
         <p:txBody>
           <a:bodyPr>
-            <a:normAutofit lnSpcReduction="10000"/>
+            <a:normAutofit/>
           </a:bodyPr>
           <a:lstStyle/>
           <a:p>
@@ -12119,27 +12119,38 @@
               <a:t> ausgeführt</a:t>
             </a:r>
           </a:p>
-          <a:p>
-            <a:r>
-              <a:rPr lang="de-DE" sz="2000" dirty="0"/>
-              <a:t>Privater Server</a:t>
-            </a:r>
-          </a:p>
-          <a:p>
-            <a:endParaRPr lang="de-DE" sz="2000" dirty="0"/>
-          </a:p>
-          <a:p>
-            <a:r>
-              <a:rPr lang="de-DE" sz="2000" dirty="0">
-                <a:solidFill>
-                  <a:srgbClr val="FF0000"/>
-                </a:solidFill>
-              </a:rPr>
-              <a:t>Bild vom Quellcode</a:t>
-            </a:r>
-          </a:p>
         </p:txBody>
       </p:sp>
+      <p:pic>
+        <p:nvPicPr>
+          <p:cNvPr id="7" name="Grafik 6">
+            <a:extLst>
+              <a:ext uri="{FF2B5EF4-FFF2-40B4-BE49-F238E27FC236}">
+                <a16:creationId xmlns:a16="http://schemas.microsoft.com/office/drawing/2014/main" id="{2F87E04B-BD7D-46E2-8769-59D7474E1823}"/>
+              </a:ext>
+            </a:extLst>
+          </p:cNvPr>
+          <p:cNvPicPr>
+            <a:picLocks noChangeAspect="1"/>
+          </p:cNvPicPr>
+          <p:nvPr/>
+        </p:nvPicPr>
+        <p:blipFill>
+          <a:blip r:embed="rId3"/>
+          <a:stretch>
+            <a:fillRect/>
+          </a:stretch>
+        </p:blipFill>
+        <p:spPr>
+          <a:xfrm>
+            <a:off x="2510714" y="2799979"/>
+            <a:ext cx="3527778" cy="2293055"/>
+          </a:xfrm>
+          <a:prstGeom prst="rect">
+            <a:avLst/>
+          </a:prstGeom>
+        </p:spPr>
+      </p:pic>
     </p:spTree>
     <p:extLst>
       <p:ext uri="{BB962C8B-B14F-4D97-AF65-F5344CB8AC3E}">
@@ -12376,11 +12387,7 @@
                                           </p:stCondLst>
                                         </p:cTn>
                                         <p:tgtEl>
-                                          <p:spTgt spid="3">
-                                            <p:txEl>
-                                              <p:pRg st="3" end="3"/>
-                                            </p:txEl>
-                                          </p:spTgt>
+                                          <p:spTgt spid="7"/>
                                         </p:tgtEl>
                                         <p:attrNameLst>
                                           <p:attrName>style.visibility</p:attrName>
@@ -12651,7 +12658,7 @@
               <a:buNone/>
             </a:pPr>
             <a:r>
-              <a:rPr lang="de" sz="1600" b="1"/>
+              <a:rPr lang="de" sz="1600" b="1" dirty="0"/>
               <a:t>Nico:</a:t>
             </a:r>
           </a:p>

--- a/TSA_Vortrag.pptx
+++ b/TSA_Vortrag.pptx
@@ -10156,6 +10156,35 @@
           </a:prstGeom>
         </p:spPr>
       </p:pic>
+      <p:pic>
+        <p:nvPicPr>
+          <p:cNvPr id="3" name="Grafik 2">
+            <a:extLst>
+              <a:ext uri="{FF2B5EF4-FFF2-40B4-BE49-F238E27FC236}">
+                <a16:creationId xmlns:a16="http://schemas.microsoft.com/office/drawing/2014/main" id="{E6E891A5-D9E6-4B40-860A-C8F9CF81F649}"/>
+              </a:ext>
+            </a:extLst>
+          </p:cNvPr>
+          <p:cNvPicPr>
+            <a:picLocks noChangeAspect="1"/>
+          </p:cNvPicPr>
+          <p:nvPr/>
+        </p:nvPicPr>
+        <p:blipFill rotWithShape="1">
+          <a:blip r:embed="rId4"/>
+          <a:srcRect l="26267" t="7388" r="41604" b="65569"/>
+          <a:stretch/>
+        </p:blipFill>
+        <p:spPr>
+          <a:xfrm>
+            <a:off x="5646984" y="608838"/>
+            <a:ext cx="1604421" cy="1800579"/>
+          </a:xfrm>
+          <a:prstGeom prst="rect">
+            <a:avLst/>
+          </a:prstGeom>
+        </p:spPr>
+      </p:pic>
     </p:spTree>
   </p:cSld>
   <p:clrMapOvr>
@@ -11516,6 +11545,21 @@
             </a:r>
           </a:p>
           <a:p>
+            <a:pPr lvl="1">
+              <a:buFont typeface="Arial" panose="020B0604020202020204" pitchFamily="34" charset="0"/>
+              <a:buChar char="•"/>
+            </a:pPr>
+            <a:r>
+              <a:rPr lang="de-DE" sz="1600" dirty="0"/>
+              <a:t>Außerdem </a:t>
+            </a:r>
+            <a:r>
+              <a:rPr lang="de-DE" sz="1600" dirty="0" err="1"/>
+              <a:t>Versionkontrolle</a:t>
+            </a:r>
+            <a:endParaRPr lang="de-DE" sz="1600" dirty="0"/>
+          </a:p>
+          <a:p>
             <a:pPr>
               <a:buFont typeface="Arial" panose="020B0604020202020204" pitchFamily="34" charset="0"/>
               <a:buChar char="•"/>
@@ -11981,6 +12025,55 @@
                       </p:childTnLst>
                     </p:cTn>
                   </p:par>
+                  <p:par>
+                    <p:cTn id="31" fill="hold">
+                      <p:stCondLst>
+                        <p:cond delay="indefinite"/>
+                      </p:stCondLst>
+                      <p:childTnLst>
+                        <p:par>
+                          <p:cTn id="32" fill="hold">
+                            <p:stCondLst>
+                              <p:cond delay="0"/>
+                            </p:stCondLst>
+                            <p:childTnLst>
+                              <p:par>
+                                <p:cTn id="33" presetID="1" presetClass="entr" presetSubtype="0" fill="hold" nodeType="clickEffect">
+                                  <p:stCondLst>
+                                    <p:cond delay="0"/>
+                                  </p:stCondLst>
+                                  <p:childTnLst>
+                                    <p:set>
+                                      <p:cBhvr>
+                                        <p:cTn id="34" dur="1" fill="hold">
+                                          <p:stCondLst>
+                                            <p:cond delay="0"/>
+                                          </p:stCondLst>
+                                        </p:cTn>
+                                        <p:tgtEl>
+                                          <p:spTgt spid="3">
+                                            <p:txEl>
+                                              <p:pRg st="5" end="5"/>
+                                            </p:txEl>
+                                          </p:spTgt>
+                                        </p:tgtEl>
+                                        <p:attrNameLst>
+                                          <p:attrName>style.visibility</p:attrName>
+                                        </p:attrNameLst>
+                                      </p:cBhvr>
+                                      <p:to>
+                                        <p:strVal val="visible"/>
+                                      </p:to>
+                                    </p:set>
+                                  </p:childTnLst>
+                                </p:cTn>
+                              </p:par>
+                            </p:childTnLst>
+                          </p:cTn>
+                        </p:par>
+                      </p:childTnLst>
+                    </p:cTn>
+                  </p:par>
                 </p:childTnLst>
               </p:cTn>
               <p:prevCondLst>
@@ -12108,7 +12201,16 @@
           <a:p>
             <a:r>
               <a:rPr lang="de-DE" sz="2000" dirty="0"/>
-              <a:t>Wird aber um Verbindungsprobleme zu vermeiden als </a:t>
+              <a:t>Wird aber um Verbindungsprobleme zu </a:t>
+            </a:r>
+          </a:p>
+          <a:p>
+            <a:pPr marL="146050" indent="0">
+              <a:buNone/>
+            </a:pPr>
+            <a:r>
+              <a:rPr lang="de-DE" sz="2000" dirty="0"/>
+              <a:t>      vermeiden als </a:t>
             </a:r>
             <a:r>
               <a:rPr lang="de-DE" sz="2000" dirty="0" err="1"/>
@@ -12123,10 +12225,10 @@
       </p:sp>
       <p:pic>
         <p:nvPicPr>
-          <p:cNvPr id="7" name="Grafik 6">
+          <p:cNvPr id="4" name="Grafik 3">
             <a:extLst>
               <a:ext uri="{FF2B5EF4-FFF2-40B4-BE49-F238E27FC236}">
-                <a16:creationId xmlns:a16="http://schemas.microsoft.com/office/drawing/2014/main" id="{2F87E04B-BD7D-46E2-8769-59D7474E1823}"/>
+                <a16:creationId xmlns:a16="http://schemas.microsoft.com/office/drawing/2014/main" id="{5B8E6003-5290-4AD0-9B20-EBBD615CC5A1}"/>
               </a:ext>
             </a:extLst>
           </p:cNvPr>
@@ -12143,8 +12245,8 @@
         </p:blipFill>
         <p:spPr>
           <a:xfrm>
-            <a:off x="2510714" y="2799979"/>
-            <a:ext cx="3527778" cy="2293055"/>
+            <a:off x="5582092" y="2530579"/>
+            <a:ext cx="3204397" cy="2117191"/>
           </a:xfrm>
           <a:prstGeom prst="rect">
             <a:avLst/>
@@ -12387,7 +12489,11 @@
                                           </p:stCondLst>
                                         </p:cTn>
                                         <p:tgtEl>
-                                          <p:spTgt spid="7"/>
+                                          <p:spTgt spid="3">
+                                            <p:txEl>
+                                              <p:pRg st="3" end="3"/>
+                                            </p:txEl>
+                                          </p:spTgt>
                                         </p:tgtEl>
                                         <p:attrNameLst>
                                           <p:attrName>style.visibility</p:attrName>
@@ -12632,22 +12738,6 @@
               <a:rPr lang="de" sz="1600" dirty="0"/>
               <a:t>Hauptteil der Grafiken</a:t>
             </a:r>
-          </a:p>
-          <a:p>
-            <a:pPr marL="342900" indent="-342900">
-              <a:lnSpc>
-                <a:spcPct val="100000"/>
-              </a:lnSpc>
-            </a:pPr>
-            <a:endParaRPr lang="de-DE" sz="1600" dirty="0"/>
-          </a:p>
-          <a:p>
-            <a:pPr marL="0" lvl="0" indent="0" algn="l" rtl="0">
-              <a:lnSpc>
-                <a:spcPct val="100000"/>
-              </a:lnSpc>
-              <a:buNone/>
-            </a:pPr>
             <a:endParaRPr sz="1600" b="1" dirty="0"/>
           </a:p>
           <a:p>
@@ -12663,6 +12753,18 @@
             </a:r>
           </a:p>
           <a:p>
+            <a:pPr marL="285750" indent="-285750">
+              <a:lnSpc>
+                <a:spcPct val="100000"/>
+              </a:lnSpc>
+            </a:pPr>
+            <a:r>
+              <a:rPr lang="de" sz="1600" dirty="0"/>
+              <a:t>Hauptteil des Serverscripts</a:t>
+            </a:r>
+            <a:endParaRPr lang="de" sz="1600" b="1" dirty="0"/>
+          </a:p>
+          <a:p>
             <a:pPr marL="0" lvl="0" indent="0" algn="l" rtl="0">
               <a:lnSpc>
                 <a:spcPct val="100000"/>
@@ -12670,6 +12772,44 @@
               <a:buNone/>
             </a:pPr>
             <a:endParaRPr lang="de" sz="1600" b="1" dirty="0"/>
+          </a:p>
+          <a:p>
+            <a:pPr marL="0" lvl="0" indent="0" algn="l" rtl="0">
+              <a:lnSpc>
+                <a:spcPct val="100000"/>
+              </a:lnSpc>
+              <a:buNone/>
+            </a:pPr>
+            <a:r>
+              <a:rPr lang="de" sz="3200" b="1" dirty="0"/>
+              <a:t>Jeder hat an allem teilgehabt!</a:t>
+            </a:r>
+          </a:p>
+          <a:p>
+            <a:pPr marL="0" lvl="0" indent="0" algn="l" rtl="0">
+              <a:lnSpc>
+                <a:spcPct val="100000"/>
+              </a:lnSpc>
+              <a:buNone/>
+            </a:pPr>
+            <a:endParaRPr lang="de" sz="3200" b="1" dirty="0"/>
+          </a:p>
+          <a:p>
+            <a:pPr marL="0" lvl="0" indent="0" algn="l" rtl="0">
+              <a:lnSpc>
+                <a:spcPct val="100000"/>
+              </a:lnSpc>
+              <a:buNone/>
+            </a:pPr>
+            <a:r>
+              <a:rPr lang="de" sz="1600" dirty="0"/>
+              <a:t>Zeitspanne der Entwicklung: 2 </a:t>
+            </a:r>
+            <a:r>
+              <a:rPr lang="de-DE" sz="1600" dirty="0"/>
+              <a:t>Wochen</a:t>
+            </a:r>
+            <a:endParaRPr lang="de" sz="1600" dirty="0"/>
           </a:p>
         </p:txBody>
       </p:sp>

--- a/TSA_Vortrag.pptx
+++ b/TSA_Vortrag.pptx
@@ -9408,14 +9408,14 @@
               <a:buNone/>
             </a:pPr>
             <a:r>
-              <a:rPr lang="de" dirty="0">
+              <a:rPr lang="de" b="1" dirty="0">
                 <a:solidFill>
                   <a:srgbClr val="434343"/>
                 </a:solidFill>
               </a:rPr>
               <a:t>Ablauf</a:t>
             </a:r>
-            <a:endParaRPr dirty="0">
+            <a:endParaRPr b="1" dirty="0">
               <a:solidFill>
                 <a:srgbClr val="434343"/>
               </a:solidFill>
@@ -9982,14 +9982,14 @@
               <a:buNone/>
             </a:pPr>
             <a:r>
-              <a:rPr lang="de" dirty="0">
+              <a:rPr lang="de" b="1" dirty="0">
                 <a:solidFill>
                   <a:schemeClr val="dk2"/>
                 </a:solidFill>
               </a:rPr>
               <a:t>Über uns</a:t>
             </a:r>
-            <a:endParaRPr dirty="0">
+            <a:endParaRPr b="1" dirty="0">
               <a:solidFill>
                 <a:srgbClr val="000000"/>
               </a:solidFill>
@@ -10038,7 +10038,7 @@
             </a:pPr>
             <a:r>
               <a:rPr lang="de" sz="2000" dirty="0"/>
-              <a:t>Interessieren uns sehr für Informatik</a:t>
+              <a:t>Interessieren uns sehr für Informatik / Technik</a:t>
             </a:r>
           </a:p>
           <a:p>
@@ -10068,7 +10068,7 @@
             </a:pPr>
             <a:r>
               <a:rPr lang="de" sz="1600" dirty="0"/>
-              <a:t>Python</a:t>
+              <a:t>Programmieren</a:t>
             </a:r>
           </a:p>
           <a:p>
@@ -10148,7 +10148,7 @@
         </p:blipFill>
         <p:spPr>
           <a:xfrm>
-            <a:off x="7493649" y="372078"/>
+            <a:off x="7376691" y="2151414"/>
             <a:ext cx="1308909" cy="2274100"/>
           </a:xfrm>
           <a:prstGeom prst="rect">
@@ -10177,7 +10177,7 @@
         </p:blipFill>
         <p:spPr>
           <a:xfrm>
-            <a:off x="5646984" y="608838"/>
+            <a:off x="5561923" y="2388175"/>
             <a:ext cx="1604421" cy="1800579"/>
           </a:xfrm>
           <a:prstGeom prst="rect">
@@ -10764,14 +10764,14 @@
               <a:buNone/>
             </a:pPr>
             <a:r>
-              <a:rPr lang="de" dirty="0">
+              <a:rPr lang="de" b="1" dirty="0">
                 <a:solidFill>
                   <a:schemeClr val="dk2"/>
                 </a:solidFill>
               </a:rPr>
               <a:t>Allgemeines zum Projekt</a:t>
             </a:r>
-            <a:endParaRPr dirty="0">
+            <a:endParaRPr b="1" dirty="0">
               <a:solidFill>
                 <a:schemeClr val="dk2"/>
               </a:solidFill>
@@ -10813,7 +10813,7 @@
             </a:pPr>
             <a:r>
               <a:rPr lang="de" sz="2000" dirty="0"/>
-              <a:t>Verbindung zwischen Server und Spiel, das Variablen zum Speichern liefert</a:t>
+              <a:t>Verbindung zwischen Server und Spiel, das Variablen zum Speichern liefert (Hauptmerk auf das Grundgerüst des Spiels)</a:t>
             </a:r>
             <a:endParaRPr lang="de" sz="2000" spc="-300" dirty="0"/>
           </a:p>
@@ -11495,8 +11495,8 @@
         </p:nvSpPr>
         <p:spPr>
           <a:xfrm>
-            <a:off x="819150" y="1507399"/>
-            <a:ext cx="7505700" cy="2448000"/>
+            <a:off x="819150" y="1507398"/>
+            <a:ext cx="7505700" cy="3096499"/>
           </a:xfrm>
         </p:spPr>
         <p:txBody>
@@ -11520,7 +11520,7 @@
               <a:buChar char="•"/>
             </a:pPr>
             <a:r>
-              <a:rPr lang="de-DE" sz="1600" dirty="0"/>
+              <a:rPr lang="de-DE" sz="2400" dirty="0"/>
               <a:t>Entwicklungsumgebung</a:t>
             </a:r>
           </a:p>
@@ -11540,7 +11540,7 @@
               <a:buChar char="•"/>
             </a:pPr>
             <a:r>
-              <a:rPr lang="de-DE" sz="1600" dirty="0"/>
+              <a:rPr lang="de-DE" sz="2400" dirty="0"/>
               <a:t>Ermöglicht schnelle Arbeit im Team</a:t>
             </a:r>
           </a:p>
@@ -11550,14 +11550,9 @@
               <a:buChar char="•"/>
             </a:pPr>
             <a:r>
-              <a:rPr lang="de-DE" sz="1600" dirty="0"/>
-              <a:t>Außerdem </a:t>
+              <a:rPr lang="de-DE" sz="2400" dirty="0"/>
+              <a:t>Außerdem Versionskontrolle</a:t>
             </a:r>
-            <a:r>
-              <a:rPr lang="de-DE" sz="1600" dirty="0" err="1"/>
-              <a:t>Versionkontrolle</a:t>
-            </a:r>
-            <a:endParaRPr lang="de-DE" sz="1600" dirty="0"/>
           </a:p>
           <a:p>
             <a:pPr>
@@ -11593,7 +11588,7 @@
           <a:lstStyle/>
           <a:p>
             <a:r>
-              <a:rPr lang="de-DE" dirty="0">
+              <a:rPr lang="de-DE" b="1" dirty="0">
                 <a:solidFill>
                   <a:schemeClr val="dk2"/>
                 </a:solidFill>
@@ -12149,7 +12144,7 @@
           <a:lstStyle/>
           <a:p>
             <a:r>
-              <a:rPr lang="de-DE" dirty="0">
+              <a:rPr lang="de-DE" b="1" dirty="0">
                 <a:solidFill>
                   <a:srgbClr val="434343"/>
                 </a:solidFill>
@@ -12177,8 +12172,8 @@
         </p:nvSpPr>
         <p:spPr>
           <a:xfrm>
-            <a:off x="819150" y="1575979"/>
-            <a:ext cx="7505700" cy="2448000"/>
+            <a:off x="819150" y="1575978"/>
+            <a:ext cx="7505700" cy="2860219"/>
           </a:xfrm>
         </p:spPr>
         <p:txBody>
@@ -12189,7 +12184,7 @@
           <a:p>
             <a:r>
               <a:rPr lang="de-DE" sz="2000" dirty="0"/>
-              <a:t>Ebenfalls mit Python erstellt</a:t>
+              <a:t>Ebenfalls mit Python erstellt und als Dual Thread verwendet</a:t>
             </a:r>
           </a:p>
           <a:p>
@@ -12221,38 +12216,32 @@
               <a:t> ausgeführt</a:t>
             </a:r>
           </a:p>
+          <a:p>
+            <a:r>
+              <a:rPr lang="de-DE" sz="2000" dirty="0"/>
+              <a:t>Kann aber auch mit IP Adresse aufgerufen werden</a:t>
+            </a:r>
+          </a:p>
+          <a:p>
+            <a:r>
+              <a:rPr lang="de-DE" sz="2000" dirty="0"/>
+              <a:t>Erweiterbar</a:t>
+            </a:r>
+          </a:p>
+          <a:p>
+            <a:r>
+              <a:rPr lang="de-DE" sz="2000" dirty="0"/>
+              <a:t>Beispielcode im Showcase</a:t>
+            </a:r>
+          </a:p>
+          <a:p>
+            <a:pPr marL="146050" indent="0">
+              <a:buNone/>
+            </a:pPr>
+            <a:endParaRPr lang="de-DE" sz="2000" dirty="0"/>
+          </a:p>
         </p:txBody>
       </p:sp>
-      <p:pic>
-        <p:nvPicPr>
-          <p:cNvPr id="4" name="Grafik 3">
-            <a:extLst>
-              <a:ext uri="{FF2B5EF4-FFF2-40B4-BE49-F238E27FC236}">
-                <a16:creationId xmlns:a16="http://schemas.microsoft.com/office/drawing/2014/main" id="{5B8E6003-5290-4AD0-9B20-EBBD615CC5A1}"/>
-              </a:ext>
-            </a:extLst>
-          </p:cNvPr>
-          <p:cNvPicPr>
-            <a:picLocks noChangeAspect="1"/>
-          </p:cNvPicPr>
-          <p:nvPr/>
-        </p:nvPicPr>
-        <p:blipFill>
-          <a:blip r:embed="rId3"/>
-          <a:stretch>
-            <a:fillRect/>
-          </a:stretch>
-        </p:blipFill>
-        <p:spPr>
-          <a:xfrm>
-            <a:off x="5582092" y="2530579"/>
-            <a:ext cx="3204397" cy="2117191"/>
-          </a:xfrm>
-          <a:prstGeom prst="rect">
-            <a:avLst/>
-          </a:prstGeom>
-        </p:spPr>
-      </p:pic>
     </p:spTree>
     <p:extLst>
       <p:ext uri="{BB962C8B-B14F-4D97-AF65-F5344CB8AC3E}">
@@ -12512,6 +12501,153 @@
                       </p:childTnLst>
                     </p:cTn>
                   </p:par>
+                  <p:par>
+                    <p:cTn id="23" fill="hold">
+                      <p:stCondLst>
+                        <p:cond delay="indefinite"/>
+                      </p:stCondLst>
+                      <p:childTnLst>
+                        <p:par>
+                          <p:cTn id="24" fill="hold">
+                            <p:stCondLst>
+                              <p:cond delay="0"/>
+                            </p:stCondLst>
+                            <p:childTnLst>
+                              <p:par>
+                                <p:cTn id="25" presetID="1" presetClass="entr" presetSubtype="0" fill="hold" nodeType="clickEffect">
+                                  <p:stCondLst>
+                                    <p:cond delay="0"/>
+                                  </p:stCondLst>
+                                  <p:childTnLst>
+                                    <p:set>
+                                      <p:cBhvr>
+                                        <p:cTn id="26" dur="1" fill="hold">
+                                          <p:stCondLst>
+                                            <p:cond delay="0"/>
+                                          </p:stCondLst>
+                                        </p:cTn>
+                                        <p:tgtEl>
+                                          <p:spTgt spid="3">
+                                            <p:txEl>
+                                              <p:pRg st="4" end="4"/>
+                                            </p:txEl>
+                                          </p:spTgt>
+                                        </p:tgtEl>
+                                        <p:attrNameLst>
+                                          <p:attrName>style.visibility</p:attrName>
+                                        </p:attrNameLst>
+                                      </p:cBhvr>
+                                      <p:to>
+                                        <p:strVal val="visible"/>
+                                      </p:to>
+                                    </p:set>
+                                  </p:childTnLst>
+                                </p:cTn>
+                              </p:par>
+                            </p:childTnLst>
+                          </p:cTn>
+                        </p:par>
+                      </p:childTnLst>
+                    </p:cTn>
+                  </p:par>
+                  <p:par>
+                    <p:cTn id="27" fill="hold">
+                      <p:stCondLst>
+                        <p:cond delay="indefinite"/>
+                      </p:stCondLst>
+                      <p:childTnLst>
+                        <p:par>
+                          <p:cTn id="28" fill="hold">
+                            <p:stCondLst>
+                              <p:cond delay="0"/>
+                            </p:stCondLst>
+                            <p:childTnLst>
+                              <p:par>
+                                <p:cTn id="29" presetID="1" presetClass="entr" presetSubtype="0" fill="hold" nodeType="clickEffect">
+                                  <p:stCondLst>
+                                    <p:cond delay="0"/>
+                                  </p:stCondLst>
+                                  <p:childTnLst>
+                                    <p:set>
+                                      <p:cBhvr>
+                                        <p:cTn id="30" dur="1" fill="hold">
+                                          <p:stCondLst>
+                                            <p:cond delay="0"/>
+                                          </p:stCondLst>
+                                        </p:cTn>
+                                        <p:tgtEl>
+                                          <p:spTgt spid="3">
+                                            <p:txEl>
+                                              <p:pRg st="5" end="5"/>
+                                            </p:txEl>
+                                          </p:spTgt>
+                                        </p:tgtEl>
+                                        <p:attrNameLst>
+                                          <p:attrName>style.visibility</p:attrName>
+                                        </p:attrNameLst>
+                                      </p:cBhvr>
+                                      <p:to>
+                                        <p:strVal val="visible"/>
+                                      </p:to>
+                                    </p:set>
+                                  </p:childTnLst>
+                                </p:cTn>
+                              </p:par>
+                            </p:childTnLst>
+                          </p:cTn>
+                        </p:par>
+                      </p:childTnLst>
+                    </p:cTn>
+                  </p:par>
+                  <p:par>
+                    <p:cTn id="31" fill="hold">
+                      <p:stCondLst>
+                        <p:cond delay="indefinite"/>
+                      </p:stCondLst>
+                      <p:childTnLst>
+                        <p:par>
+                          <p:cTn id="32" fill="hold">
+                            <p:stCondLst>
+                              <p:cond delay="0"/>
+                            </p:stCondLst>
+                            <p:childTnLst>
+                              <p:par>
+                                <p:cTn id="33" presetID="1" presetClass="entr" presetSubtype="0" fill="hold" nodeType="clickEffect">
+                                  <p:stCondLst>
+                                    <p:cond delay="0"/>
+                                  </p:stCondLst>
+                                  <p:childTnLst>
+                                    <p:set>
+                                      <p:cBhvr>
+                                        <p:cTn id="34" dur="1" fill="hold">
+                                          <p:stCondLst>
+                                            <p:cond delay="0"/>
+                                          </p:stCondLst>
+                                        </p:cTn>
+                                        <p:tgtEl>
+                                          <p:spTgt spid="3">
+                                            <p:txEl>
+                                              <p:pRg st="6" end="6"/>
+                                            </p:txEl>
+                                          </p:spTgt>
+                                        </p:tgtEl>
+                                        <p:attrNameLst>
+                                          <p:attrName>style.visibility</p:attrName>
+                                        </p:attrNameLst>
+                                      </p:cBhvr>
+                                      <p:to>
+                                        <p:strVal val="visible"/>
+                                      </p:to>
+                                    </p:set>
+                                  </p:childTnLst>
+                                </p:cTn>
+                              </p:par>
+                            </p:childTnLst>
+                          </p:cTn>
+                        </p:par>
+                      </p:childTnLst>
+                    </p:cTn>
+                  </p:par>
                 </p:childTnLst>
               </p:cTn>
               <p:prevCondLst>
@@ -12573,46 +12709,170 @@
             <p:ph type="title"/>
           </p:nvPr>
         </p:nvSpPr>
-        <p:spPr/>
+        <p:spPr>
+          <a:xfrm>
+            <a:off x="819150" y="430930"/>
+            <a:ext cx="7505700" cy="954600"/>
+          </a:xfrm>
+        </p:spPr>
         <p:txBody>
           <a:bodyPr/>
           <a:lstStyle/>
           <a:p>
             <a:r>
-              <a:rPr lang="de-DE" dirty="0">
+              <a:rPr lang="de-DE" b="1" dirty="0">
                 <a:solidFill>
                   <a:schemeClr val="tx2">
                     <a:lumMod val="25000"/>
                   </a:schemeClr>
                 </a:solidFill>
               </a:rPr>
-              <a:t>Showcase</a:t>
+              <a:t>Showcase </a:t>
+            </a:r>
+          </a:p>
+        </p:txBody>
+      </p:sp>
+      <p:pic>
+        <p:nvPicPr>
+          <p:cNvPr id="4" name="Grafik 3">
+            <a:extLst>
+              <a:ext uri="{FF2B5EF4-FFF2-40B4-BE49-F238E27FC236}">
+                <a16:creationId xmlns:a16="http://schemas.microsoft.com/office/drawing/2014/main" id="{51A06DC9-F8A5-45F6-B897-13B1DAA5DCEF}"/>
+              </a:ext>
+            </a:extLst>
+          </p:cNvPr>
+          <p:cNvPicPr>
+            <a:picLocks noChangeAspect="1"/>
+          </p:cNvPicPr>
+          <p:nvPr/>
+        </p:nvPicPr>
+        <p:blipFill>
+          <a:blip r:embed="rId2"/>
+          <a:stretch>
+            <a:fillRect/>
+          </a:stretch>
+        </p:blipFill>
+        <p:spPr>
+          <a:xfrm>
+            <a:off x="759800" y="1254642"/>
+            <a:ext cx="3590462" cy="3457928"/>
+          </a:xfrm>
+          <a:prstGeom prst="rect">
+            <a:avLst/>
+          </a:prstGeom>
+        </p:spPr>
+      </p:pic>
+      <p:pic>
+        <p:nvPicPr>
+          <p:cNvPr id="5" name="Grafik 4">
+            <a:extLst>
+              <a:ext uri="{FF2B5EF4-FFF2-40B4-BE49-F238E27FC236}">
+                <a16:creationId xmlns:a16="http://schemas.microsoft.com/office/drawing/2014/main" id="{3FDDE758-165E-4C36-8564-F1C614394870}"/>
+              </a:ext>
+            </a:extLst>
+          </p:cNvPr>
+          <p:cNvPicPr>
+            <a:picLocks noChangeAspect="1"/>
+          </p:cNvPicPr>
+          <p:nvPr/>
+        </p:nvPicPr>
+        <p:blipFill>
+          <a:blip r:embed="rId3"/>
+          <a:stretch>
+            <a:fillRect/>
+          </a:stretch>
+        </p:blipFill>
+        <p:spPr>
+          <a:xfrm>
+            <a:off x="4572000" y="1233863"/>
+            <a:ext cx="3668233" cy="3478707"/>
+          </a:xfrm>
+          <a:prstGeom prst="rect">
+            <a:avLst/>
+          </a:prstGeom>
+        </p:spPr>
+      </p:pic>
+      <p:sp>
+        <p:nvSpPr>
+          <p:cNvPr id="6" name="Textfeld 5">
+            <a:extLst>
+              <a:ext uri="{FF2B5EF4-FFF2-40B4-BE49-F238E27FC236}">
+                <a16:creationId xmlns:a16="http://schemas.microsoft.com/office/drawing/2014/main" id="{A83BAF78-204D-4B0F-9F59-5232167C64F2}"/>
+              </a:ext>
+            </a:extLst>
+          </p:cNvPr>
+          <p:cNvSpPr txBox="1"/>
+          <p:nvPr/>
+        </p:nvSpPr>
+        <p:spPr>
+          <a:xfrm>
+            <a:off x="759799" y="947351"/>
+            <a:ext cx="888247" cy="307777"/>
+          </a:xfrm>
+          <a:prstGeom prst="rect">
+            <a:avLst/>
+          </a:prstGeom>
+          <a:noFill/>
+        </p:spPr>
+        <p:txBody>
+          <a:bodyPr wrap="square" rtlCol="0">
+            <a:spAutoFit/>
+          </a:bodyPr>
+          <a:lstStyle/>
+          <a:p>
+            <a:r>
+              <a:rPr lang="de-DE" dirty="0">
+                <a:latin typeface="Nunito" panose="020B0604020202020204" charset="0"/>
+              </a:rPr>
+              <a:t>Server</a:t>
+            </a:r>
+            <a:r>
+              <a:rPr lang="de-DE" b="1" dirty="0"/>
+              <a:t>:</a:t>
             </a:r>
           </a:p>
         </p:txBody>
       </p:sp>
       <p:sp>
         <p:nvSpPr>
-          <p:cNvPr id="3" name="Textplatzhalter 2">
+          <p:cNvPr id="7" name="Textfeld 6">
             <a:extLst>
               <a:ext uri="{FF2B5EF4-FFF2-40B4-BE49-F238E27FC236}">
-                <a16:creationId xmlns:a16="http://schemas.microsoft.com/office/drawing/2014/main" id="{415B1313-CBAC-4622-864D-B06A41B19049}"/>
+                <a16:creationId xmlns:a16="http://schemas.microsoft.com/office/drawing/2014/main" id="{463F24D6-A086-4926-9404-D7C95B231C3C}"/>
               </a:ext>
             </a:extLst>
           </p:cNvPr>
-          <p:cNvSpPr>
-            <a:spLocks noGrp="1"/>
-          </p:cNvSpPr>
-          <p:nvPr>
-            <p:ph type="body" idx="1"/>
-          </p:nvPr>
+          <p:cNvSpPr txBox="1"/>
+          <p:nvPr/>
         </p:nvSpPr>
-        <p:spPr/>
+        <p:spPr>
+          <a:xfrm>
+            <a:off x="4572000" y="866753"/>
+            <a:ext cx="1562986" cy="307777"/>
+          </a:xfrm>
+          <a:prstGeom prst="rect">
+            <a:avLst/>
+          </a:prstGeom>
+          <a:noFill/>
+        </p:spPr>
         <p:txBody>
-          <a:bodyPr/>
+          <a:bodyPr wrap="square" rtlCol="0">
+            <a:spAutoFit/>
+          </a:bodyPr>
           <a:lstStyle/>
           <a:p>
-            <a:endParaRPr lang="de-DE" dirty="0"/>
+            <a:r>
+              <a:rPr lang="de-DE" dirty="0">
+                <a:latin typeface="Nunito" panose="020B0604020202020204" charset="0"/>
+              </a:rPr>
+              <a:t>Client</a:t>
+            </a:r>
+            <a:r>
+              <a:rPr lang="de-DE" b="1" dirty="0">
+                <a:latin typeface="Nunito" panose="020B0604020202020204" charset="0"/>
+              </a:rPr>
+              <a:t>:</a:t>
+            </a:r>
           </a:p>
         </p:txBody>
       </p:sp>
@@ -12681,14 +12941,14 @@
               <a:buNone/>
             </a:pPr>
             <a:r>
-              <a:rPr lang="de" dirty="0">
+              <a:rPr lang="de" b="1" dirty="0">
                 <a:solidFill>
                   <a:schemeClr val="dk2"/>
                 </a:solidFill>
               </a:rPr>
               <a:t>Arbeitsaufteilung</a:t>
             </a:r>
-            <a:endParaRPr dirty="0"/>
+            <a:endParaRPr b="1" dirty="0"/>
           </a:p>
         </p:txBody>
       </p:sp>
@@ -12856,8 +13116,8 @@
         </p:nvSpPr>
         <p:spPr>
           <a:xfrm>
-            <a:off x="819150" y="0"/>
-            <a:ext cx="7505700" cy="5143499"/>
+            <a:off x="552893" y="0"/>
+            <a:ext cx="7771957" cy="5143499"/>
           </a:xfrm>
         </p:spPr>
         <p:txBody>
@@ -12869,7 +13129,17 @@
             <a:pPr algn="ctr"/>
             <a:r>
               <a:rPr lang="de-DE" sz="4800" dirty="0"/>
-              <a:t>Wir freuen uns auf TSA</a:t>
+              <a:t>Wir freuen uns auf TSA!</a:t>
+            </a:r>
+            <a:br>
+              <a:rPr lang="de-DE" sz="4800" dirty="0"/>
+            </a:br>
+            <a:br>
+              <a:rPr lang="de-DE" sz="4800" dirty="0"/>
+            </a:br>
+            <a:r>
+              <a:rPr lang="de-DE" sz="3200" dirty="0"/>
+              <a:t>Fragen?</a:t>
             </a:r>
           </a:p>
         </p:txBody>

--- a/TSA_Vortrag.pptx
+++ b/TSA_Vortrag.pptx
@@ -5,7 +5,7 @@
     <p:sldMasterId id="2147483659" r:id="rId1"/>
   </p:sldMasterIdLst>
   <p:notesMasterIdLst>
-    <p:notesMasterId r:id="rId11"/>
+    <p:notesMasterId r:id="rId12"/>
   </p:notesMasterIdLst>
   <p:sldIdLst>
     <p:sldId id="256" r:id="rId2"/>
@@ -13,27 +13,28 @@
     <p:sldId id="258" r:id="rId4"/>
     <p:sldId id="259" r:id="rId5"/>
     <p:sldId id="262" r:id="rId6"/>
-    <p:sldId id="264" r:id="rId7"/>
-    <p:sldId id="265" r:id="rId8"/>
-    <p:sldId id="261" r:id="rId9"/>
-    <p:sldId id="263" r:id="rId10"/>
+    <p:sldId id="266" r:id="rId7"/>
+    <p:sldId id="264" r:id="rId8"/>
+    <p:sldId id="265" r:id="rId9"/>
+    <p:sldId id="261" r:id="rId10"/>
+    <p:sldId id="263" r:id="rId11"/>
   </p:sldIdLst>
   <p:sldSz cx="9144000" cy="5143500" type="screen16x9"/>
   <p:notesSz cx="6858000" cy="9144000"/>
   <p:embeddedFontLst>
     <p:embeddedFont>
       <p:font typeface="Calibri" panose="020F0502020204030204" pitchFamily="34" charset="0"/>
-      <p:regular r:id="rId12"/>
-      <p:bold r:id="rId13"/>
-      <p:italic r:id="rId14"/>
-      <p:boldItalic r:id="rId15"/>
+      <p:regular r:id="rId13"/>
+      <p:bold r:id="rId14"/>
+      <p:italic r:id="rId15"/>
+      <p:boldItalic r:id="rId16"/>
     </p:embeddedFont>
     <p:embeddedFont>
       <p:font typeface="Nunito" panose="020B0604020202020204" charset="0"/>
-      <p:regular r:id="rId16"/>
-      <p:bold r:id="rId17"/>
-      <p:italic r:id="rId18"/>
-      <p:boldItalic r:id="rId19"/>
+      <p:regular r:id="rId17"/>
+      <p:bold r:id="rId18"/>
+      <p:italic r:id="rId19"/>
+      <p:boldItalic r:id="rId20"/>
     </p:embeddedFont>
   </p:embeddedFontLst>
   <p:defaultTextStyle>
@@ -9286,7 +9287,7 @@
         </p:blipFill>
         <p:spPr>
           <a:xfrm>
-            <a:off x="-298000" y="0"/>
+            <a:off x="-264565" y="0"/>
             <a:ext cx="9886573" cy="5143500"/>
           </a:xfrm>
           <a:prstGeom prst="rect">
@@ -9348,11 +9349,278 @@
           </a:p>
         </p:txBody>
       </p:sp>
+      <p:cxnSp>
+        <p:nvCxnSpPr>
+          <p:cNvPr id="3" name="Verbinder: gewinkelt 2">
+            <a:extLst>
+              <a:ext uri="{FF2B5EF4-FFF2-40B4-BE49-F238E27FC236}">
+                <a16:creationId xmlns:a16="http://schemas.microsoft.com/office/drawing/2014/main" id="{B4E83ECA-362B-4F2F-9801-9B4630206FDC}"/>
+              </a:ext>
+            </a:extLst>
+          </p:cNvPr>
+          <p:cNvCxnSpPr/>
+          <p:nvPr/>
+        </p:nvCxnSpPr>
+        <p:spPr>
+          <a:xfrm rot="16200000" flipH="1">
+            <a:off x="2517354" y="1437700"/>
+            <a:ext cx="1355075" cy="1299991"/>
+          </a:xfrm>
+          <a:prstGeom prst="bentConnector3">
+            <a:avLst/>
+          </a:prstGeom>
+        </p:spPr>
+        <p:style>
+          <a:lnRef idx="1">
+            <a:schemeClr val="accent1"/>
+          </a:lnRef>
+          <a:fillRef idx="0">
+            <a:schemeClr val="accent1"/>
+          </a:fillRef>
+          <a:effectRef idx="0">
+            <a:schemeClr val="accent1"/>
+          </a:effectRef>
+          <a:fontRef idx="minor">
+            <a:schemeClr val="tx1"/>
+          </a:fontRef>
+        </p:style>
+      </p:cxnSp>
     </p:spTree>
   </p:cSld>
   <p:clrMapOvr>
     <a:masterClrMapping/>
   </p:clrMapOvr>
+</p:sld>
+</file>
+
+<file path=ppt/slides/slide10.xml><?xml version="1.0" encoding="utf-8"?>
+<p:sld xmlns:a="http://schemas.openxmlformats.org/drawingml/2006/main" xmlns:r="http://schemas.openxmlformats.org/officeDocument/2006/relationships" xmlns:p="http://schemas.openxmlformats.org/presentationml/2006/main">
+  <p:cSld>
+    <p:spTree>
+      <p:nvGrpSpPr>
+        <p:cNvPr id="1" name=""/>
+        <p:cNvGrpSpPr/>
+        <p:nvPr/>
+      </p:nvGrpSpPr>
+      <p:grpSpPr>
+        <a:xfrm>
+          <a:off x="0" y="0"/>
+          <a:ext cx="0" cy="0"/>
+          <a:chOff x="0" y="0"/>
+          <a:chExt cx="0" cy="0"/>
+        </a:xfrm>
+      </p:grpSpPr>
+      <p:sp>
+        <p:nvSpPr>
+          <p:cNvPr id="2" name="Titel 1">
+            <a:extLst>
+              <a:ext uri="{FF2B5EF4-FFF2-40B4-BE49-F238E27FC236}">
+                <a16:creationId xmlns:a16="http://schemas.microsoft.com/office/drawing/2014/main" id="{02C51C27-7EB0-4382-8B46-34012277B296}"/>
+              </a:ext>
+            </a:extLst>
+          </p:cNvPr>
+          <p:cNvSpPr>
+            <a:spLocks noGrp="1"/>
+          </p:cNvSpPr>
+          <p:nvPr>
+            <p:ph type="title"/>
+          </p:nvPr>
+        </p:nvSpPr>
+        <p:spPr>
+          <a:xfrm>
+            <a:off x="552893" y="0"/>
+            <a:ext cx="7771957" cy="5143499"/>
+          </a:xfrm>
+        </p:spPr>
+        <p:txBody>
+          <a:bodyPr anchor="ctr">
+            <a:noAutofit/>
+          </a:bodyPr>
+          <a:lstStyle/>
+          <a:p>
+            <a:pPr algn="ctr"/>
+            <a:r>
+              <a:rPr lang="de-DE" sz="4800" dirty="0"/>
+              <a:t>Wir freuen uns auf TSA!</a:t>
+            </a:r>
+            <a:br>
+              <a:rPr lang="de-DE" sz="4800" dirty="0"/>
+            </a:br>
+            <a:br>
+              <a:rPr lang="de-DE" sz="4800" dirty="0"/>
+            </a:br>
+            <a:r>
+              <a:rPr lang="de-DE" sz="3200" dirty="0"/>
+              <a:t>Fragen?</a:t>
+            </a:r>
+          </a:p>
+        </p:txBody>
+      </p:sp>
+    </p:spTree>
+    <p:extLst>
+      <p:ext uri="{BB962C8B-B14F-4D97-AF65-F5344CB8AC3E}">
+        <p14:creationId xmlns:p14="http://schemas.microsoft.com/office/powerpoint/2010/main" val="897036402"/>
+      </p:ext>
+    </p:extLst>
+  </p:cSld>
+  <p:clrMapOvr>
+    <a:masterClrMapping/>
+  </p:clrMapOvr>
+  <p:timing>
+    <p:tnLst>
+      <p:par>
+        <p:cTn id="1" dur="indefinite" restart="never" nodeType="tmRoot">
+          <p:childTnLst>
+            <p:seq concurrent="1" nextAc="seek">
+              <p:cTn id="2" dur="indefinite" nodeType="mainSeq">
+                <p:childTnLst>
+                  <p:par>
+                    <p:cTn id="3" fill="hold">
+                      <p:stCondLst>
+                        <p:cond delay="indefinite"/>
+                      </p:stCondLst>
+                      <p:childTnLst>
+                        <p:par>
+                          <p:cTn id="4" fill="hold">
+                            <p:stCondLst>
+                              <p:cond delay="0"/>
+                            </p:stCondLst>
+                            <p:childTnLst>
+                              <p:par>
+                                <p:cTn id="5" presetID="31" presetClass="entr" presetSubtype="0" fill="hold" grpId="0" nodeType="clickEffect">
+                                  <p:stCondLst>
+                                    <p:cond delay="0"/>
+                                  </p:stCondLst>
+                                  <p:childTnLst>
+                                    <p:set>
+                                      <p:cBhvr>
+                                        <p:cTn id="6" dur="1" fill="hold">
+                                          <p:stCondLst>
+                                            <p:cond delay="0"/>
+                                          </p:stCondLst>
+                                        </p:cTn>
+                                        <p:tgtEl>
+                                          <p:spTgt spid="2"/>
+                                        </p:tgtEl>
+                                        <p:attrNameLst>
+                                          <p:attrName>style.visibility</p:attrName>
+                                        </p:attrNameLst>
+                                      </p:cBhvr>
+                                      <p:to>
+                                        <p:strVal val="visible"/>
+                                      </p:to>
+                                    </p:set>
+                                    <p:anim calcmode="lin" valueType="num">
+                                      <p:cBhvr>
+                                        <p:cTn id="7" dur="1000" fill="hold"/>
+                                        <p:tgtEl>
+                                          <p:spTgt spid="2"/>
+                                        </p:tgtEl>
+                                        <p:attrNameLst>
+                                          <p:attrName>ppt_w</p:attrName>
+                                        </p:attrNameLst>
+                                      </p:cBhvr>
+                                      <p:tavLst>
+                                        <p:tav tm="0">
+                                          <p:val>
+                                            <p:fltVal val="0"/>
+                                          </p:val>
+                                        </p:tav>
+                                        <p:tav tm="100000">
+                                          <p:val>
+                                            <p:strVal val="#ppt_w"/>
+                                          </p:val>
+                                        </p:tav>
+                                      </p:tavLst>
+                                    </p:anim>
+                                    <p:anim calcmode="lin" valueType="num">
+                                      <p:cBhvr>
+                                        <p:cTn id="8" dur="1000" fill="hold"/>
+                                        <p:tgtEl>
+                                          <p:spTgt spid="2"/>
+                                        </p:tgtEl>
+                                        <p:attrNameLst>
+                                          <p:attrName>ppt_h</p:attrName>
+                                        </p:attrNameLst>
+                                      </p:cBhvr>
+                                      <p:tavLst>
+                                        <p:tav tm="0">
+                                          <p:val>
+                                            <p:fltVal val="0"/>
+                                          </p:val>
+                                        </p:tav>
+                                        <p:tav tm="100000">
+                                          <p:val>
+                                            <p:strVal val="#ppt_h"/>
+                                          </p:val>
+                                        </p:tav>
+                                      </p:tavLst>
+                                    </p:anim>
+                                    <p:anim calcmode="lin" valueType="num">
+                                      <p:cBhvr>
+                                        <p:cTn id="9" dur="1000" fill="hold"/>
+                                        <p:tgtEl>
+                                          <p:spTgt spid="2"/>
+                                        </p:tgtEl>
+                                        <p:attrNameLst>
+                                          <p:attrName>style.rotation</p:attrName>
+                                        </p:attrNameLst>
+                                      </p:cBhvr>
+                                      <p:tavLst>
+                                        <p:tav tm="0">
+                                          <p:val>
+                                            <p:fltVal val="90"/>
+                                          </p:val>
+                                        </p:tav>
+                                        <p:tav tm="100000">
+                                          <p:val>
+                                            <p:fltVal val="0"/>
+                                          </p:val>
+                                        </p:tav>
+                                      </p:tavLst>
+                                    </p:anim>
+                                    <p:animEffect transition="in" filter="fade">
+                                      <p:cBhvr>
+                                        <p:cTn id="10" dur="1000"/>
+                                        <p:tgtEl>
+                                          <p:spTgt spid="2"/>
+                                        </p:tgtEl>
+                                      </p:cBhvr>
+                                    </p:animEffect>
+                                  </p:childTnLst>
+                                </p:cTn>
+                              </p:par>
+                            </p:childTnLst>
+                          </p:cTn>
+                        </p:par>
+                      </p:childTnLst>
+                    </p:cTn>
+                  </p:par>
+                </p:childTnLst>
+              </p:cTn>
+              <p:prevCondLst>
+                <p:cond evt="onPrev" delay="0">
+                  <p:tgtEl>
+                    <p:sldTgt/>
+                  </p:tgtEl>
+                </p:cond>
+              </p:prevCondLst>
+              <p:nextCondLst>
+                <p:cond evt="onNext" delay="0">
+                  <p:tgtEl>
+                    <p:sldTgt/>
+                  </p:tgtEl>
+                </p:cond>
+              </p:nextCondLst>
+            </p:seq>
+          </p:childTnLst>
+        </p:cTn>
+      </p:par>
+    </p:tnLst>
+    <p:bldLst>
+      <p:bldP spid="2" grpId="0"/>
+    </p:bldLst>
+  </p:timing>
 </p:sld>
 </file>
 
@@ -10018,7 +10286,7 @@
         </p:spPr>
         <p:txBody>
           <a:bodyPr spcFirstLastPara="1" wrap="square" lIns="91425" tIns="91425" rIns="91425" bIns="91425" anchor="t" anchorCtr="0">
-            <a:normAutofit/>
+            <a:normAutofit lnSpcReduction="10000"/>
           </a:bodyPr>
           <a:lstStyle/>
           <a:p>
@@ -10057,8 +10325,8 @@
               <a:buChar char="•"/>
             </a:pPr>
             <a:r>
-              <a:rPr lang="de" sz="1600" dirty="0"/>
-              <a:t>3-D Druck</a:t>
+              <a:rPr lang="de" sz="1800" dirty="0"/>
+              <a:t>Programmierung</a:t>
             </a:r>
           </a:p>
           <a:p>
@@ -10067,8 +10335,8 @@
               <a:buChar char="•"/>
             </a:pPr>
             <a:r>
-              <a:rPr lang="de" sz="1600" dirty="0"/>
-              <a:t>Programmieren</a:t>
+              <a:rPr lang="de" sz="1800" dirty="0"/>
+              <a:t>3-D Druck</a:t>
             </a:r>
           </a:p>
           <a:p>
@@ -10177,7 +10445,7 @@
         </p:blipFill>
         <p:spPr>
           <a:xfrm>
-            <a:off x="5561923" y="2388175"/>
+            <a:off x="5540658" y="2219148"/>
             <a:ext cx="1604421" cy="1800579"/>
           </a:xfrm>
           <a:prstGeom prst="rect">
@@ -10684,6 +10952,170 @@
                       </p:childTnLst>
                     </p:cTn>
                   </p:par>
+                  <p:par>
+                    <p:cTn id="43" fill="hold">
+                      <p:stCondLst>
+                        <p:cond delay="indefinite"/>
+                      </p:stCondLst>
+                      <p:childTnLst>
+                        <p:par>
+                          <p:cTn id="44" fill="hold">
+                            <p:stCondLst>
+                              <p:cond delay="0"/>
+                            </p:stCondLst>
+                            <p:childTnLst>
+                              <p:par>
+                                <p:cTn id="45" presetID="2" presetClass="entr" presetSubtype="4" fill="hold" nodeType="clickEffect">
+                                  <p:stCondLst>
+                                    <p:cond delay="0"/>
+                                  </p:stCondLst>
+                                  <p:childTnLst>
+                                    <p:set>
+                                      <p:cBhvr>
+                                        <p:cTn id="46" dur="1" fill="hold">
+                                          <p:stCondLst>
+                                            <p:cond delay="0"/>
+                                          </p:stCondLst>
+                                        </p:cTn>
+                                        <p:tgtEl>
+                                          <p:spTgt spid="3"/>
+                                        </p:tgtEl>
+                                        <p:attrNameLst>
+                                          <p:attrName>style.visibility</p:attrName>
+                                        </p:attrNameLst>
+                                      </p:cBhvr>
+                                      <p:to>
+                                        <p:strVal val="visible"/>
+                                      </p:to>
+                                    </p:set>
+                                    <p:anim calcmode="lin" valueType="num">
+                                      <p:cBhvr additive="base">
+                                        <p:cTn id="47" dur="500" fill="hold"/>
+                                        <p:tgtEl>
+                                          <p:spTgt spid="3"/>
+                                        </p:tgtEl>
+                                        <p:attrNameLst>
+                                          <p:attrName>ppt_x</p:attrName>
+                                        </p:attrNameLst>
+                                      </p:cBhvr>
+                                      <p:tavLst>
+                                        <p:tav tm="0">
+                                          <p:val>
+                                            <p:strVal val="#ppt_x"/>
+                                          </p:val>
+                                        </p:tav>
+                                        <p:tav tm="100000">
+                                          <p:val>
+                                            <p:strVal val="#ppt_x"/>
+                                          </p:val>
+                                        </p:tav>
+                                      </p:tavLst>
+                                    </p:anim>
+                                    <p:anim calcmode="lin" valueType="num">
+                                      <p:cBhvr additive="base">
+                                        <p:cTn id="48" dur="500" fill="hold"/>
+                                        <p:tgtEl>
+                                          <p:spTgt spid="3"/>
+                                        </p:tgtEl>
+                                        <p:attrNameLst>
+                                          <p:attrName>ppt_y</p:attrName>
+                                        </p:attrNameLst>
+                                      </p:cBhvr>
+                                      <p:tavLst>
+                                        <p:tav tm="0">
+                                          <p:val>
+                                            <p:strVal val="1+#ppt_h/2"/>
+                                          </p:val>
+                                        </p:tav>
+                                        <p:tav tm="100000">
+                                          <p:val>
+                                            <p:strVal val="#ppt_y"/>
+                                          </p:val>
+                                        </p:tav>
+                                      </p:tavLst>
+                                    </p:anim>
+                                  </p:childTnLst>
+                                </p:cTn>
+                              </p:par>
+                              <p:par>
+                                <p:cTn id="49" presetID="2" presetClass="entr" presetSubtype="4" fill="hold" nodeType="withEffect">
+                                  <p:stCondLst>
+                                    <p:cond delay="0"/>
+                                  </p:stCondLst>
+                                  <p:childTnLst>
+                                    <p:set>
+                                      <p:cBhvr>
+                                        <p:cTn id="50" dur="1" fill="hold">
+                                          <p:stCondLst>
+                                            <p:cond delay="0"/>
+                                          </p:stCondLst>
+                                        </p:cTn>
+                                        <p:tgtEl>
+                                          <p:spTgt spid="5"/>
+                                        </p:tgtEl>
+                                        <p:attrNameLst>
+                                          <p:attrName>style.visibility</p:attrName>
+                                        </p:attrNameLst>
+                                      </p:cBhvr>
+                                      <p:to>
+                                        <p:strVal val="visible"/>
+                                      </p:to>
+                                    </p:set>
+                                    <p:anim calcmode="lin" valueType="num">
+                                      <p:cBhvr additive="base">
+                                        <p:cTn id="51" dur="500" fill="hold"/>
+                                        <p:tgtEl>
+                                          <p:spTgt spid="5"/>
+                                        </p:tgtEl>
+                                        <p:attrNameLst>
+                                          <p:attrName>ppt_x</p:attrName>
+                                        </p:attrNameLst>
+                                      </p:cBhvr>
+                                      <p:tavLst>
+                                        <p:tav tm="0">
+                                          <p:val>
+                                            <p:strVal val="#ppt_x"/>
+                                          </p:val>
+                                        </p:tav>
+                                        <p:tav tm="100000">
+                                          <p:val>
+                                            <p:strVal val="#ppt_x"/>
+                                          </p:val>
+                                        </p:tav>
+                                      </p:tavLst>
+                                    </p:anim>
+                                    <p:anim calcmode="lin" valueType="num">
+                                      <p:cBhvr additive="base">
+                                        <p:cTn id="52" dur="500" fill="hold"/>
+                                        <p:tgtEl>
+                                          <p:spTgt spid="5"/>
+                                        </p:tgtEl>
+                                        <p:attrNameLst>
+                                          <p:attrName>ppt_y</p:attrName>
+                                        </p:attrNameLst>
+                                      </p:cBhvr>
+                                      <p:tavLst>
+                                        <p:tav tm="0">
+                                          <p:val>
+                                            <p:strVal val="1+#ppt_h/2"/>
+                                          </p:val>
+                                        </p:tav>
+                                        <p:tav tm="100000">
+                                          <p:val>
+                                            <p:strVal val="#ppt_y"/>
+                                          </p:val>
+                                        </p:tav>
+                                      </p:tavLst>
+                                    </p:anim>
+                                  </p:childTnLst>
+                                </p:cTn>
+                              </p:par>
+                            </p:childTnLst>
+                          </p:cTn>
+                        </p:par>
+                      </p:childTnLst>
+                    </p:cTn>
+                  </p:par>
                 </p:childTnLst>
               </p:cTn>
               <p:prevCondLst>
@@ -10813,7 +11245,7 @@
             </a:pPr>
             <a:r>
               <a:rPr lang="de" sz="2000" dirty="0"/>
-              <a:t>Verbindung zwischen Server und Spiel, das Variablen zum Speichern liefert (Hauptmerk auf das Grundgerüst des Spiels)</a:t>
+              <a:t>Verbindung zwischen Server und Spiel, welche Variablen zum Speichern auf dem Server liefert (Hauptmerk auf das Grundgerüst des Spiels)</a:t>
             </a:r>
             <a:endParaRPr lang="de" sz="2000" spc="-300" dirty="0"/>
           </a:p>
@@ -10844,7 +11276,7 @@
             </a:pPr>
             <a:r>
               <a:rPr lang="de" sz="2000" dirty="0"/>
-              <a:t>Grundgerüst zum erstellen eines komplexerem Online Spiels</a:t>
+              <a:t>Grundgerüst zum Erstellen eines komplexerem Online Spiels</a:t>
             </a:r>
           </a:p>
         </p:txBody>
@@ -10901,7 +11333,7 @@
         </p:blipFill>
         <p:spPr>
           <a:xfrm>
-            <a:off x="7755854" y="1957125"/>
+            <a:off x="7861553" y="2048774"/>
             <a:ext cx="926594" cy="2194564"/>
           </a:xfrm>
           <a:prstGeom prst="rect">
@@ -10931,7 +11363,7 @@
         </p:blipFill>
         <p:spPr>
           <a:xfrm>
-            <a:off x="819150" y="3170920"/>
+            <a:off x="721178" y="3522402"/>
             <a:ext cx="1560579" cy="1560579"/>
           </a:xfrm>
           <a:prstGeom prst="rect">
@@ -11236,7 +11668,7 @@
                             </p:stCondLst>
                             <p:childTnLst>
                               <p:par>
-                                <p:cTn id="25" presetID="10" presetClass="entr" presetSubtype="0" fill="hold" nodeType="clickEffect">
+                                <p:cTn id="25" presetID="2" presetClass="entr" presetSubtype="4" fill="hold" nodeType="clickEffect">
                                   <p:stCondLst>
                                     <p:cond delay="0"/>
                                   </p:stCondLst>
@@ -11244,6 +11676,225 @@
                                     <p:set>
                                       <p:cBhvr>
                                         <p:cTn id="26" dur="1" fill="hold">
+                                          <p:stCondLst>
+                                            <p:cond delay="0"/>
+                                          </p:stCondLst>
+                                        </p:cTn>
+                                        <p:tgtEl>
+                                          <p:spTgt spid="17"/>
+                                        </p:tgtEl>
+                                        <p:attrNameLst>
+                                          <p:attrName>style.visibility</p:attrName>
+                                        </p:attrNameLst>
+                                      </p:cBhvr>
+                                      <p:to>
+                                        <p:strVal val="visible"/>
+                                      </p:to>
+                                    </p:set>
+                                    <p:anim calcmode="lin" valueType="num">
+                                      <p:cBhvr additive="base">
+                                        <p:cTn id="27" dur="500" fill="hold"/>
+                                        <p:tgtEl>
+                                          <p:spTgt spid="17"/>
+                                        </p:tgtEl>
+                                        <p:attrNameLst>
+                                          <p:attrName>ppt_x</p:attrName>
+                                        </p:attrNameLst>
+                                      </p:cBhvr>
+                                      <p:tavLst>
+                                        <p:tav tm="0">
+                                          <p:val>
+                                            <p:strVal val="#ppt_x"/>
+                                          </p:val>
+                                        </p:tav>
+                                        <p:tav tm="100000">
+                                          <p:val>
+                                            <p:strVal val="#ppt_x"/>
+                                          </p:val>
+                                        </p:tav>
+                                      </p:tavLst>
+                                    </p:anim>
+                                    <p:anim calcmode="lin" valueType="num">
+                                      <p:cBhvr additive="base">
+                                        <p:cTn id="28" dur="500" fill="hold"/>
+                                        <p:tgtEl>
+                                          <p:spTgt spid="17"/>
+                                        </p:tgtEl>
+                                        <p:attrNameLst>
+                                          <p:attrName>ppt_y</p:attrName>
+                                        </p:attrNameLst>
+                                      </p:cBhvr>
+                                      <p:tavLst>
+                                        <p:tav tm="0">
+                                          <p:val>
+                                            <p:strVal val="1+#ppt_h/2"/>
+                                          </p:val>
+                                        </p:tav>
+                                        <p:tav tm="100000">
+                                          <p:val>
+                                            <p:strVal val="#ppt_y"/>
+                                          </p:val>
+                                        </p:tav>
+                                      </p:tavLst>
+                                    </p:anim>
+                                  </p:childTnLst>
+                                </p:cTn>
+                              </p:par>
+                              <p:par>
+                                <p:cTn id="29" presetID="2" presetClass="entr" presetSubtype="4" fill="hold" nodeType="withEffect">
+                                  <p:stCondLst>
+                                    <p:cond delay="0"/>
+                                  </p:stCondLst>
+                                  <p:childTnLst>
+                                    <p:set>
+                                      <p:cBhvr>
+                                        <p:cTn id="30" dur="1" fill="hold">
+                                          <p:stCondLst>
+                                            <p:cond delay="0"/>
+                                          </p:stCondLst>
+                                        </p:cTn>
+                                        <p:tgtEl>
+                                          <p:spTgt spid="18"/>
+                                        </p:tgtEl>
+                                        <p:attrNameLst>
+                                          <p:attrName>style.visibility</p:attrName>
+                                        </p:attrNameLst>
+                                      </p:cBhvr>
+                                      <p:to>
+                                        <p:strVal val="visible"/>
+                                      </p:to>
+                                    </p:set>
+                                    <p:anim calcmode="lin" valueType="num">
+                                      <p:cBhvr additive="base">
+                                        <p:cTn id="31" dur="500" fill="hold"/>
+                                        <p:tgtEl>
+                                          <p:spTgt spid="18"/>
+                                        </p:tgtEl>
+                                        <p:attrNameLst>
+                                          <p:attrName>ppt_x</p:attrName>
+                                        </p:attrNameLst>
+                                      </p:cBhvr>
+                                      <p:tavLst>
+                                        <p:tav tm="0">
+                                          <p:val>
+                                            <p:strVal val="#ppt_x"/>
+                                          </p:val>
+                                        </p:tav>
+                                        <p:tav tm="100000">
+                                          <p:val>
+                                            <p:strVal val="#ppt_x"/>
+                                          </p:val>
+                                        </p:tav>
+                                      </p:tavLst>
+                                    </p:anim>
+                                    <p:anim calcmode="lin" valueType="num">
+                                      <p:cBhvr additive="base">
+                                        <p:cTn id="32" dur="500" fill="hold"/>
+                                        <p:tgtEl>
+                                          <p:spTgt spid="18"/>
+                                        </p:tgtEl>
+                                        <p:attrNameLst>
+                                          <p:attrName>ppt_y</p:attrName>
+                                        </p:attrNameLst>
+                                      </p:cBhvr>
+                                      <p:tavLst>
+                                        <p:tav tm="0">
+                                          <p:val>
+                                            <p:strVal val="1+#ppt_h/2"/>
+                                          </p:val>
+                                        </p:tav>
+                                        <p:tav tm="100000">
+                                          <p:val>
+                                            <p:strVal val="#ppt_y"/>
+                                          </p:val>
+                                        </p:tav>
+                                      </p:tavLst>
+                                    </p:anim>
+                                  </p:childTnLst>
+                                </p:cTn>
+                              </p:par>
+                              <p:par>
+                                <p:cTn id="33" presetID="2" presetClass="entr" presetSubtype="4" fill="hold" nodeType="withEffect">
+                                  <p:stCondLst>
+                                    <p:cond delay="0"/>
+                                  </p:stCondLst>
+                                  <p:childTnLst>
+                                    <p:set>
+                                      <p:cBhvr>
+                                        <p:cTn id="34" dur="1" fill="hold">
+                                          <p:stCondLst>
+                                            <p:cond delay="0"/>
+                                          </p:stCondLst>
+                                        </p:cTn>
+                                        <p:tgtEl>
+                                          <p:spTgt spid="15"/>
+                                        </p:tgtEl>
+                                        <p:attrNameLst>
+                                          <p:attrName>style.visibility</p:attrName>
+                                        </p:attrNameLst>
+                                      </p:cBhvr>
+                                      <p:to>
+                                        <p:strVal val="visible"/>
+                                      </p:to>
+                                    </p:set>
+                                    <p:anim calcmode="lin" valueType="num">
+                                      <p:cBhvr additive="base">
+                                        <p:cTn id="35" dur="500" fill="hold"/>
+                                        <p:tgtEl>
+                                          <p:spTgt spid="15"/>
+                                        </p:tgtEl>
+                                        <p:attrNameLst>
+                                          <p:attrName>ppt_x</p:attrName>
+                                        </p:attrNameLst>
+                                      </p:cBhvr>
+                                      <p:tavLst>
+                                        <p:tav tm="0">
+                                          <p:val>
+                                            <p:strVal val="#ppt_x"/>
+                                          </p:val>
+                                        </p:tav>
+                                        <p:tav tm="100000">
+                                          <p:val>
+                                            <p:strVal val="#ppt_x"/>
+                                          </p:val>
+                                        </p:tav>
+                                      </p:tavLst>
+                                    </p:anim>
+                                    <p:anim calcmode="lin" valueType="num">
+                                      <p:cBhvr additive="base">
+                                        <p:cTn id="36" dur="500" fill="hold"/>
+                                        <p:tgtEl>
+                                          <p:spTgt spid="15"/>
+                                        </p:tgtEl>
+                                        <p:attrNameLst>
+                                          <p:attrName>ppt_y</p:attrName>
+                                        </p:attrNameLst>
+                                      </p:cBhvr>
+                                      <p:tavLst>
+                                        <p:tav tm="0">
+                                          <p:val>
+                                            <p:strVal val="1+#ppt_h/2"/>
+                                          </p:val>
+                                        </p:tav>
+                                        <p:tav tm="100000">
+                                          <p:val>
+                                            <p:strVal val="#ppt_y"/>
+                                          </p:val>
+                                        </p:tav>
+                                      </p:tavLst>
+                                    </p:anim>
+                                  </p:childTnLst>
+                                </p:cTn>
+                              </p:par>
+                              <p:par>
+                                <p:cTn id="37" presetID="2" presetClass="entr" presetSubtype="4" fill="hold" nodeType="withEffect">
+                                  <p:stCondLst>
+                                    <p:cond delay="0"/>
+                                  </p:stCondLst>
+                                  <p:childTnLst>
+                                    <p:set>
+                                      <p:cBhvr>
+                                        <p:cTn id="38" dur="1" fill="hold">
                                           <p:stCondLst>
                                             <p:cond delay="0"/>
                                           </p:stCondLst>
@@ -11259,173 +11910,52 @@
                                         <p:strVal val="visible"/>
                                       </p:to>
                                     </p:set>
-                                    <p:animEffect transition="in" filter="fade">
-                                      <p:cBhvr>
-                                        <p:cTn id="27" dur="500"/>
+                                    <p:anim calcmode="lin" valueType="num">
+                                      <p:cBhvr additive="base">
+                                        <p:cTn id="39" dur="500" fill="hold"/>
                                         <p:tgtEl>
                                           <p:spTgt spid="16"/>
                                         </p:tgtEl>
+                                        <p:attrNameLst>
+                                          <p:attrName>ppt_x</p:attrName>
+                                        </p:attrNameLst>
                                       </p:cBhvr>
-                                    </p:animEffect>
-                                  </p:childTnLst>
-                                </p:cTn>
-                              </p:par>
-                            </p:childTnLst>
-                          </p:cTn>
-                        </p:par>
-                      </p:childTnLst>
-                    </p:cTn>
-                  </p:par>
-                  <p:par>
-                    <p:cTn id="28" fill="hold">
-                      <p:stCondLst>
-                        <p:cond delay="indefinite"/>
-                      </p:stCondLst>
-                      <p:childTnLst>
-                        <p:par>
-                          <p:cTn id="29" fill="hold">
-                            <p:stCondLst>
-                              <p:cond delay="0"/>
-                            </p:stCondLst>
-                            <p:childTnLst>
-                              <p:par>
-                                <p:cTn id="30" presetID="10" presetClass="entr" presetSubtype="0" fill="hold" nodeType="clickEffect">
-                                  <p:stCondLst>
-                                    <p:cond delay="0"/>
-                                  </p:stCondLst>
-                                  <p:childTnLst>
-                                    <p:set>
-                                      <p:cBhvr>
-                                        <p:cTn id="31" dur="1" fill="hold">
-                                          <p:stCondLst>
-                                            <p:cond delay="0"/>
-                                          </p:stCondLst>
-                                        </p:cTn>
+                                      <p:tavLst>
+                                        <p:tav tm="0">
+                                          <p:val>
+                                            <p:strVal val="#ppt_x"/>
+                                          </p:val>
+                                        </p:tav>
+                                        <p:tav tm="100000">
+                                          <p:val>
+                                            <p:strVal val="#ppt_x"/>
+                                          </p:val>
+                                        </p:tav>
+                                      </p:tavLst>
+                                    </p:anim>
+                                    <p:anim calcmode="lin" valueType="num">
+                                      <p:cBhvr additive="base">
+                                        <p:cTn id="40" dur="500" fill="hold"/>
                                         <p:tgtEl>
-                                          <p:spTgt spid="18"/>
+                                          <p:spTgt spid="16"/>
                                         </p:tgtEl>
                                         <p:attrNameLst>
-                                          <p:attrName>style.visibility</p:attrName>
+                                          <p:attrName>ppt_y</p:attrName>
                                         </p:attrNameLst>
                                       </p:cBhvr>
-                                      <p:to>
-                                        <p:strVal val="visible"/>
-                                      </p:to>
-                                    </p:set>
-                                    <p:animEffect transition="in" filter="fade">
-                                      <p:cBhvr>
-                                        <p:cTn id="32" dur="500"/>
-                                        <p:tgtEl>
-                                          <p:spTgt spid="18"/>
-                                        </p:tgtEl>
-                                      </p:cBhvr>
-                                    </p:animEffect>
-                                  </p:childTnLst>
-                                </p:cTn>
-                              </p:par>
-                            </p:childTnLst>
-                          </p:cTn>
-                        </p:par>
-                      </p:childTnLst>
-                    </p:cTn>
-                  </p:par>
-                  <p:par>
-                    <p:cTn id="33" fill="hold">
-                      <p:stCondLst>
-                        <p:cond delay="indefinite"/>
-                      </p:stCondLst>
-                      <p:childTnLst>
-                        <p:par>
-                          <p:cTn id="34" fill="hold">
-                            <p:stCondLst>
-                              <p:cond delay="0"/>
-                            </p:stCondLst>
-                            <p:childTnLst>
-                              <p:par>
-                                <p:cTn id="35" presetID="10" presetClass="entr" presetSubtype="0" fill="hold" nodeType="clickEffect">
-                                  <p:stCondLst>
-                                    <p:cond delay="0"/>
-                                  </p:stCondLst>
-                                  <p:childTnLst>
-                                    <p:set>
-                                      <p:cBhvr>
-                                        <p:cTn id="36" dur="1" fill="hold">
-                                          <p:stCondLst>
-                                            <p:cond delay="0"/>
-                                          </p:stCondLst>
-                                        </p:cTn>
-                                        <p:tgtEl>
-                                          <p:spTgt spid="17"/>
-                                        </p:tgtEl>
-                                        <p:attrNameLst>
-                                          <p:attrName>style.visibility</p:attrName>
-                                        </p:attrNameLst>
-                                      </p:cBhvr>
-                                      <p:to>
-                                        <p:strVal val="visible"/>
-                                      </p:to>
-                                    </p:set>
-                                    <p:animEffect transition="in" filter="fade">
-                                      <p:cBhvr>
-                                        <p:cTn id="37" dur="500"/>
-                                        <p:tgtEl>
-                                          <p:spTgt spid="17"/>
-                                        </p:tgtEl>
-                                      </p:cBhvr>
-                                    </p:animEffect>
-                                  </p:childTnLst>
-                                </p:cTn>
-                              </p:par>
-                            </p:childTnLst>
-                          </p:cTn>
-                        </p:par>
-                      </p:childTnLst>
-                    </p:cTn>
-                  </p:par>
-                  <p:par>
-                    <p:cTn id="38" fill="hold">
-                      <p:stCondLst>
-                        <p:cond delay="indefinite"/>
-                      </p:stCondLst>
-                      <p:childTnLst>
-                        <p:par>
-                          <p:cTn id="39" fill="hold">
-                            <p:stCondLst>
-                              <p:cond delay="0"/>
-                            </p:stCondLst>
-                            <p:childTnLst>
-                              <p:par>
-                                <p:cTn id="40" presetID="10" presetClass="entr" presetSubtype="0" fill="hold" nodeType="clickEffect">
-                                  <p:stCondLst>
-                                    <p:cond delay="0"/>
-                                  </p:stCondLst>
-                                  <p:childTnLst>
-                                    <p:set>
-                                      <p:cBhvr>
-                                        <p:cTn id="41" dur="1" fill="hold">
-                                          <p:stCondLst>
-                                            <p:cond delay="0"/>
-                                          </p:stCondLst>
-                                        </p:cTn>
-                                        <p:tgtEl>
-                                          <p:spTgt spid="15"/>
-                                        </p:tgtEl>
-                                        <p:attrNameLst>
-                                          <p:attrName>style.visibility</p:attrName>
-                                        </p:attrNameLst>
-                                      </p:cBhvr>
-                                      <p:to>
-                                        <p:strVal val="visible"/>
-                                      </p:to>
-                                    </p:set>
-                                    <p:animEffect transition="in" filter="fade">
-                                      <p:cBhvr>
-                                        <p:cTn id="42" dur="500"/>
-                                        <p:tgtEl>
-                                          <p:spTgt spid="15"/>
-                                        </p:tgtEl>
-                                      </p:cBhvr>
-                                    </p:animEffect>
+                                      <p:tavLst>
+                                        <p:tav tm="0">
+                                          <p:val>
+                                            <p:strVal val="1+#ppt_h/2"/>
+                                          </p:val>
+                                        </p:tav>
+                                        <p:tav tm="100000">
+                                          <p:val>
+                                            <p:strVal val="#ppt_y"/>
+                                          </p:val>
+                                        </p:tav>
+                                      </p:tavLst>
+                                    </p:anim>
                                   </p:childTnLst>
                                 </p:cTn>
                               </p:par>
@@ -11511,8 +12041,13 @@
             </a:pPr>
             <a:r>
               <a:rPr lang="de-DE" sz="2400" dirty="0"/>
-              <a:t>Arbeit mit Pycharm</a:t>
+              <a:t>Arbeit mit </a:t>
             </a:r>
+            <a:r>
+              <a:rPr lang="de-DE" sz="2400" dirty="0" err="1"/>
+              <a:t>PyCharm</a:t>
+            </a:r>
+            <a:endParaRPr lang="de-DE" sz="2400" dirty="0"/>
           </a:p>
           <a:p>
             <a:pPr lvl="1">
@@ -11525,13 +12060,13 @@
             </a:r>
           </a:p>
           <a:p>
-            <a:pPr>
+            <a:pPr lvl="1">
               <a:buFont typeface="Arial" panose="020B0604020202020204" pitchFamily="34" charset="0"/>
               <a:buChar char="•"/>
             </a:pPr>
             <a:r>
               <a:rPr lang="de-DE" sz="2400" dirty="0"/>
-              <a:t>Unterstützung durch GitHub</a:t>
+              <a:t>Autovervollständigung</a:t>
             </a:r>
           </a:p>
           <a:p>
@@ -11541,27 +12076,7 @@
             </a:pPr>
             <a:r>
               <a:rPr lang="de-DE" sz="2400" dirty="0"/>
-              <a:t>Ermöglicht schnelle Arbeit im Team</a:t>
-            </a:r>
-          </a:p>
-          <a:p>
-            <a:pPr lvl="1">
-              <a:buFont typeface="Arial" panose="020B0604020202020204" pitchFamily="34" charset="0"/>
-              <a:buChar char="•"/>
-            </a:pPr>
-            <a:r>
-              <a:rPr lang="de-DE" sz="2400" dirty="0"/>
-              <a:t>Außerdem Versionskontrolle</a:t>
-            </a:r>
-          </a:p>
-          <a:p>
-            <a:pPr>
-              <a:buFont typeface="Arial" panose="020B0604020202020204" pitchFamily="34" charset="0"/>
-              <a:buChar char="•"/>
-            </a:pPr>
-            <a:r>
-              <a:rPr lang="de-DE" sz="2400" dirty="0"/>
-              <a:t>Strukturiertes Arbeiten im Team</a:t>
+              <a:t>Syntaxhervorhebung</a:t>
             </a:r>
           </a:p>
         </p:txBody>
@@ -11593,7 +12108,7 @@
                   <a:schemeClr val="dk2"/>
                 </a:solidFill>
               </a:rPr>
-              <a:t>Arbeitsweise</a:t>
+              <a:t>Arbeitsweise I</a:t>
             </a:r>
           </a:p>
         </p:txBody>
@@ -11622,36 +12137,6 @@
           <a:xfrm>
             <a:off x="3855176" y="1552822"/>
             <a:ext cx="494755" cy="494755"/>
-          </a:xfrm>
-          <a:prstGeom prst="rect">
-            <a:avLst/>
-          </a:prstGeom>
-        </p:spPr>
-      </p:pic>
-      <p:pic>
-        <p:nvPicPr>
-          <p:cNvPr id="7" name="Grafik 6">
-            <a:extLst>
-              <a:ext uri="{FF2B5EF4-FFF2-40B4-BE49-F238E27FC236}">
-                <a16:creationId xmlns:a16="http://schemas.microsoft.com/office/drawing/2014/main" id="{70D39610-88B3-4A5A-82E6-F721D259D9D5}"/>
-              </a:ext>
-            </a:extLst>
-          </p:cNvPr>
-          <p:cNvPicPr>
-            <a:picLocks noChangeAspect="1"/>
-          </p:cNvPicPr>
-          <p:nvPr/>
-        </p:nvPicPr>
-        <p:blipFill>
-          <a:blip r:embed="rId3"/>
-          <a:stretch>
-            <a:fillRect/>
-          </a:stretch>
-        </p:blipFill>
-        <p:spPr>
-          <a:xfrm>
-            <a:off x="4865035" y="2198531"/>
-            <a:ext cx="679268" cy="679268"/>
           </a:xfrm>
           <a:prstGeom prst="rect">
             <a:avLst/>
@@ -11889,33 +12374,6 @@
                                   </p:childTnLst>
                                 </p:cTn>
                               </p:par>
-                              <p:par>
-                                <p:cTn id="21" presetID="1" presetClass="entr" presetSubtype="0" fill="hold" nodeType="withEffect">
-                                  <p:stCondLst>
-                                    <p:cond delay="0"/>
-                                  </p:stCondLst>
-                                  <p:childTnLst>
-                                    <p:set>
-                                      <p:cBhvr>
-                                        <p:cTn id="22" dur="1" fill="hold">
-                                          <p:stCondLst>
-                                            <p:cond delay="0"/>
-                                          </p:stCondLst>
-                                        </p:cTn>
-                                        <p:tgtEl>
-                                          <p:spTgt spid="7"/>
-                                        </p:tgtEl>
-                                        <p:attrNameLst>
-                                          <p:attrName>style.visibility</p:attrName>
-                                        </p:attrNameLst>
-                                      </p:cBhvr>
-                                      <p:to>
-                                        <p:strVal val="visible"/>
-                                      </p:to>
-                                    </p:set>
-                                  </p:childTnLst>
-                                </p:cTn>
-                              </p:par>
                             </p:childTnLst>
                           </p:cTn>
                         </p:par>
@@ -11923,26 +12381,26 @@
                     </p:cTn>
                   </p:par>
                   <p:par>
-                    <p:cTn id="23" fill="hold">
+                    <p:cTn id="21" fill="hold">
                       <p:stCondLst>
                         <p:cond delay="indefinite"/>
                       </p:stCondLst>
                       <p:childTnLst>
                         <p:par>
-                          <p:cTn id="24" fill="hold">
+                          <p:cTn id="22" fill="hold">
                             <p:stCondLst>
                               <p:cond delay="0"/>
                             </p:stCondLst>
                             <p:childTnLst>
                               <p:par>
-                                <p:cTn id="25" presetID="1" presetClass="entr" presetSubtype="0" fill="hold" nodeType="clickEffect">
+                                <p:cTn id="23" presetID="1" presetClass="entr" presetSubtype="0" fill="hold" nodeType="clickEffect">
                                   <p:stCondLst>
                                     <p:cond delay="0"/>
                                   </p:stCondLst>
                                   <p:childTnLst>
                                     <p:set>
                                       <p:cBhvr>
-                                        <p:cTn id="26" dur="1" fill="hold">
+                                        <p:cTn id="24" dur="1" fill="hold">
                                           <p:stCondLst>
                                             <p:cond delay="0"/>
                                           </p:stCondLst>
@@ -11951,104 +12409,6 @@
                                           <p:spTgt spid="3">
                                             <p:txEl>
                                               <p:pRg st="3" end="3"/>
-                                            </p:txEl>
-                                          </p:spTgt>
-                                        </p:tgtEl>
-                                        <p:attrNameLst>
-                                          <p:attrName>style.visibility</p:attrName>
-                                        </p:attrNameLst>
-                                      </p:cBhvr>
-                                      <p:to>
-                                        <p:strVal val="visible"/>
-                                      </p:to>
-                                    </p:set>
-                                  </p:childTnLst>
-                                </p:cTn>
-                              </p:par>
-                            </p:childTnLst>
-                          </p:cTn>
-                        </p:par>
-                      </p:childTnLst>
-                    </p:cTn>
-                  </p:par>
-                  <p:par>
-                    <p:cTn id="27" fill="hold">
-                      <p:stCondLst>
-                        <p:cond delay="indefinite"/>
-                      </p:stCondLst>
-                      <p:childTnLst>
-                        <p:par>
-                          <p:cTn id="28" fill="hold">
-                            <p:stCondLst>
-                              <p:cond delay="0"/>
-                            </p:stCondLst>
-                            <p:childTnLst>
-                              <p:par>
-                                <p:cTn id="29" presetID="1" presetClass="entr" presetSubtype="0" fill="hold" nodeType="clickEffect">
-                                  <p:stCondLst>
-                                    <p:cond delay="0"/>
-                                  </p:stCondLst>
-                                  <p:childTnLst>
-                                    <p:set>
-                                      <p:cBhvr>
-                                        <p:cTn id="30" dur="1" fill="hold">
-                                          <p:stCondLst>
-                                            <p:cond delay="0"/>
-                                          </p:stCondLst>
-                                        </p:cTn>
-                                        <p:tgtEl>
-                                          <p:spTgt spid="3">
-                                            <p:txEl>
-                                              <p:pRg st="4" end="4"/>
-                                            </p:txEl>
-                                          </p:spTgt>
-                                        </p:tgtEl>
-                                        <p:attrNameLst>
-                                          <p:attrName>style.visibility</p:attrName>
-                                        </p:attrNameLst>
-                                      </p:cBhvr>
-                                      <p:to>
-                                        <p:strVal val="visible"/>
-                                      </p:to>
-                                    </p:set>
-                                  </p:childTnLst>
-                                </p:cTn>
-                              </p:par>
-                            </p:childTnLst>
-                          </p:cTn>
-                        </p:par>
-                      </p:childTnLst>
-                    </p:cTn>
-                  </p:par>
-                  <p:par>
-                    <p:cTn id="31" fill="hold">
-                      <p:stCondLst>
-                        <p:cond delay="indefinite"/>
-                      </p:stCondLst>
-                      <p:childTnLst>
-                        <p:par>
-                          <p:cTn id="32" fill="hold">
-                            <p:stCondLst>
-                              <p:cond delay="0"/>
-                            </p:stCondLst>
-                            <p:childTnLst>
-                              <p:par>
-                                <p:cTn id="33" presetID="1" presetClass="entr" presetSubtype="0" fill="hold" nodeType="clickEffect">
-                                  <p:stCondLst>
-                                    <p:cond delay="0"/>
-                                  </p:stCondLst>
-                                  <p:childTnLst>
-                                    <p:set>
-                                      <p:cBhvr>
-                                        <p:cTn id="34" dur="1" fill="hold">
-                                          <p:stCondLst>
-                                            <p:cond delay="0"/>
-                                          </p:stCondLst>
-                                        </p:cTn>
-                                        <p:tgtEl>
-                                          <p:spTgt spid="3">
-                                            <p:txEl>
-                                              <p:pRg st="5" end="5"/>
                                             </p:txEl>
                                           </p:spTgt>
                                         </p:tgtEl>
@@ -12100,14 +12460,6 @@
 <file path=ppt/slides/slide6.xml><?xml version="1.0" encoding="utf-8"?>
 <p:sld xmlns:a="http://schemas.openxmlformats.org/drawingml/2006/main" xmlns:r="http://schemas.openxmlformats.org/officeDocument/2006/relationships" xmlns:p="http://schemas.openxmlformats.org/presentationml/2006/main">
   <p:cSld>
-    <p:bg>
-      <p:bgPr>
-        <a:solidFill>
-          <a:schemeClr val="dk2"/>
-        </a:solidFill>
-        <a:effectLst/>
-      </p:bgPr>
-    </p:bg>
     <p:spTree>
       <p:nvGrpSpPr>
         <p:cNvPr id="1" name=""/>
@@ -12124,10 +12476,106 @@
       </p:grpSpPr>
       <p:sp>
         <p:nvSpPr>
+          <p:cNvPr id="3" name="Textplatzhalter 2">
+            <a:extLst>
+              <a:ext uri="{FF2B5EF4-FFF2-40B4-BE49-F238E27FC236}">
+                <a16:creationId xmlns:a16="http://schemas.microsoft.com/office/drawing/2014/main" id="{69DC2D21-883A-4C92-BC60-083DD24778DD}"/>
+              </a:ext>
+            </a:extLst>
+          </p:cNvPr>
+          <p:cNvSpPr>
+            <a:spLocks noGrp="1"/>
+          </p:cNvSpPr>
+          <p:nvPr>
+            <p:ph type="body" idx="1"/>
+          </p:nvPr>
+        </p:nvSpPr>
+        <p:spPr>
+          <a:xfrm>
+            <a:off x="819150" y="1507398"/>
+            <a:ext cx="7505700" cy="3096499"/>
+          </a:xfrm>
+        </p:spPr>
+        <p:txBody>
+          <a:bodyPr>
+            <a:normAutofit/>
+          </a:bodyPr>
+          <a:lstStyle/>
+          <a:p>
+            <a:pPr>
+              <a:buFont typeface="Arial" panose="020B0604020202020204" pitchFamily="34" charset="0"/>
+              <a:buChar char="•"/>
+            </a:pPr>
+            <a:r>
+              <a:rPr lang="de-DE" sz="2400" dirty="0"/>
+              <a:t>Unterstützung durch GitHub</a:t>
+            </a:r>
+          </a:p>
+          <a:p>
+            <a:pPr lvl="1">
+              <a:buFont typeface="Arial" panose="020B0604020202020204" pitchFamily="34" charset="0"/>
+              <a:buChar char="•"/>
+            </a:pPr>
+            <a:r>
+              <a:rPr lang="de-DE" sz="2400" dirty="0"/>
+              <a:t>Website die Projektdateien speichern kann</a:t>
+            </a:r>
+          </a:p>
+          <a:p>
+            <a:pPr lvl="1">
+              <a:buFont typeface="Arial" panose="020B0604020202020204" pitchFamily="34" charset="0"/>
+              <a:buChar char="•"/>
+            </a:pPr>
+            <a:r>
+              <a:rPr lang="de-DE" sz="2400" dirty="0"/>
+              <a:t>Ermöglicht schnelle Arbeit im Team</a:t>
+            </a:r>
+          </a:p>
+          <a:p>
+            <a:pPr lvl="1">
+              <a:buFont typeface="Arial" panose="020B0604020202020204" pitchFamily="34" charset="0"/>
+              <a:buChar char="•"/>
+            </a:pPr>
+            <a:r>
+              <a:rPr lang="de-DE" sz="2400" dirty="0"/>
+              <a:t>Außerdem Versionskontrolle</a:t>
+            </a:r>
+          </a:p>
+          <a:p>
+            <a:pPr>
+              <a:buFont typeface="Arial" panose="020B0604020202020204" pitchFamily="34" charset="0"/>
+              <a:buChar char="•"/>
+            </a:pPr>
+            <a:r>
+              <a:rPr lang="de-DE" sz="2400" dirty="0"/>
+              <a:t>Strukturiertes Arbeiten im Team</a:t>
+            </a:r>
+          </a:p>
+          <a:p>
+            <a:pPr>
+              <a:buFont typeface="Arial" panose="020B0604020202020204" pitchFamily="34" charset="0"/>
+              <a:buChar char="•"/>
+            </a:pPr>
+            <a:r>
+              <a:rPr lang="de-DE" sz="2400" dirty="0"/>
+              <a:t>Arbeitsaufteilung</a:t>
+            </a:r>
+          </a:p>
+          <a:p>
+            <a:pPr>
+              <a:buFont typeface="Arial" panose="020B0604020202020204" pitchFamily="34" charset="0"/>
+              <a:buChar char="•"/>
+            </a:pPr>
+            <a:endParaRPr lang="de-DE" sz="2400" dirty="0"/>
+          </a:p>
+        </p:txBody>
+      </p:sp>
+      <p:sp>
+        <p:nvSpPr>
           <p:cNvPr id="2" name="Titel 1">
             <a:extLst>
               <a:ext uri="{FF2B5EF4-FFF2-40B4-BE49-F238E27FC236}">
-                <a16:creationId xmlns:a16="http://schemas.microsoft.com/office/drawing/2014/main" id="{CFEE9CC3-DCAA-424B-A4A2-C8F3B1197DE6}"/>
+                <a16:creationId xmlns:a16="http://schemas.microsoft.com/office/drawing/2014/main" id="{BE63E2C6-6184-4AA3-94EA-B3B8DF45F450}"/>
               </a:ext>
             </a:extLst>
           </p:cNvPr>
@@ -12146,111 +12594,53 @@
             <a:r>
               <a:rPr lang="de-DE" b="1" dirty="0">
                 <a:solidFill>
-                  <a:srgbClr val="434343"/>
+                  <a:schemeClr val="dk2"/>
                 </a:solidFill>
               </a:rPr>
-              <a:t>Onlinespeicherung mit einem Server</a:t>
+              <a:t>Arbeitsweise II</a:t>
             </a:r>
           </a:p>
         </p:txBody>
       </p:sp>
-      <p:sp>
-        <p:nvSpPr>
-          <p:cNvPr id="3" name="Textplatzhalter 2">
+      <p:pic>
+        <p:nvPicPr>
+          <p:cNvPr id="6" name="Grafik 5">
             <a:extLst>
               <a:ext uri="{FF2B5EF4-FFF2-40B4-BE49-F238E27FC236}">
-                <a16:creationId xmlns:a16="http://schemas.microsoft.com/office/drawing/2014/main" id="{C9889A8C-0ED5-4FDF-8447-545747CCAEAC}"/>
+                <a16:creationId xmlns:a16="http://schemas.microsoft.com/office/drawing/2014/main" id="{3BDF581B-2ABF-42D2-BC88-65987CC2F730}"/>
               </a:ext>
             </a:extLst>
           </p:cNvPr>
-          <p:cNvSpPr>
-            <a:spLocks noGrp="1"/>
-          </p:cNvSpPr>
-          <p:nvPr>
-            <p:ph type="body" idx="1"/>
-          </p:nvPr>
-        </p:nvSpPr>
+          <p:cNvPicPr>
+            <a:picLocks noChangeAspect="1"/>
+          </p:cNvPicPr>
+          <p:nvPr/>
+        </p:nvPicPr>
+        <p:blipFill>
+          <a:blip r:embed="rId2"/>
+          <a:stretch>
+            <a:fillRect/>
+          </a:stretch>
+        </p:blipFill>
         <p:spPr>
           <a:xfrm>
-            <a:off x="819150" y="1575978"/>
-            <a:ext cx="7505700" cy="2860219"/>
+            <a:off x="4899995" y="1460566"/>
+            <a:ext cx="679268" cy="679268"/>
           </a:xfrm>
+          <a:prstGeom prst="rect">
+            <a:avLst/>
+          </a:prstGeom>
         </p:spPr>
-        <p:txBody>
-          <a:bodyPr>
-            <a:normAutofit/>
-          </a:bodyPr>
-          <a:lstStyle/>
-          <a:p>
-            <a:r>
-              <a:rPr lang="de-DE" sz="2000" dirty="0"/>
-              <a:t>Ebenfalls mit Python erstellt und als Dual Thread verwendet</a:t>
-            </a:r>
-          </a:p>
-          <a:p>
-            <a:r>
-              <a:rPr lang="de-DE" sz="2000" dirty="0"/>
-              <a:t>Kann jegliche Daten annehmen und versenden</a:t>
-            </a:r>
-          </a:p>
-          <a:p>
-            <a:r>
-              <a:rPr lang="de-DE" sz="2000" dirty="0"/>
-              <a:t>Wird aber um Verbindungsprobleme zu </a:t>
-            </a:r>
-          </a:p>
-          <a:p>
-            <a:pPr marL="146050" indent="0">
-              <a:buNone/>
-            </a:pPr>
-            <a:r>
-              <a:rPr lang="de-DE" sz="2000" dirty="0"/>
-              <a:t>      vermeiden als </a:t>
-            </a:r>
-            <a:r>
-              <a:rPr lang="de-DE" sz="2000" dirty="0" err="1"/>
-              <a:t>localhost</a:t>
-            </a:r>
-            <a:r>
-              <a:rPr lang="de-DE" sz="2000" dirty="0"/>
-              <a:t> ausgeführt</a:t>
-            </a:r>
-          </a:p>
-          <a:p>
-            <a:r>
-              <a:rPr lang="de-DE" sz="2000" dirty="0"/>
-              <a:t>Kann aber auch mit IP Adresse aufgerufen werden</a:t>
-            </a:r>
-          </a:p>
-          <a:p>
-            <a:r>
-              <a:rPr lang="de-DE" sz="2000" dirty="0"/>
-              <a:t>Erweiterbar</a:t>
-            </a:r>
-          </a:p>
-          <a:p>
-            <a:r>
-              <a:rPr lang="de-DE" sz="2000" dirty="0"/>
-              <a:t>Beispielcode im Showcase</a:t>
-            </a:r>
-          </a:p>
-          <a:p>
-            <a:pPr marL="146050" indent="0">
-              <a:buNone/>
-            </a:pPr>
-            <a:endParaRPr lang="de-DE" sz="2000" dirty="0"/>
-          </a:p>
-        </p:txBody>
-      </p:sp>
+      </p:pic>
     </p:spTree>
     <p:extLst>
       <p:ext uri="{BB962C8B-B14F-4D97-AF65-F5344CB8AC3E}">
-        <p14:creationId xmlns:p14="http://schemas.microsoft.com/office/powerpoint/2010/main" val="163063363"/>
+        <p14:creationId xmlns:p14="http://schemas.microsoft.com/office/powerpoint/2010/main" val="1079557924"/>
       </p:ext>
     </p:extLst>
   </p:cSld>
   <p:clrMapOvr>
-    <a:overrideClrMapping bg1="lt1" tx1="dk1" bg2="dk2" tx2="lt2" accent1="accent1" accent2="accent2" accent3="accent3" accent4="accent4" accent5="accent5" accent6="accent6" hlink="hlink" folHlink="folHlink"/>
+    <a:masterClrMapping/>
   </p:clrMapOvr>
   <p:timing>
     <p:tnLst>
@@ -12593,6 +12983,240 @@
                                   </p:childTnLst>
                                 </p:cTn>
                               </p:par>
+                              <p:par>
+                                <p:cTn id="31" presetID="1" presetClass="entr" presetSubtype="0" fill="hold" nodeType="withEffect">
+                                  <p:stCondLst>
+                                    <p:cond delay="0"/>
+                                  </p:stCondLst>
+                                  <p:childTnLst>
+                                    <p:set>
+                                      <p:cBhvr>
+                                        <p:cTn id="32" dur="1" fill="hold">
+                                          <p:stCondLst>
+                                            <p:cond delay="0"/>
+                                          </p:stCondLst>
+                                        </p:cTn>
+                                        <p:tgtEl>
+                                          <p:spTgt spid="6"/>
+                                        </p:tgtEl>
+                                        <p:attrNameLst>
+                                          <p:attrName>style.visibility</p:attrName>
+                                        </p:attrNameLst>
+                                      </p:cBhvr>
+                                      <p:to>
+                                        <p:strVal val="visible"/>
+                                      </p:to>
+                                    </p:set>
+                                  </p:childTnLst>
+                                </p:cTn>
+                              </p:par>
+                            </p:childTnLst>
+                          </p:cTn>
+                        </p:par>
+                      </p:childTnLst>
+                    </p:cTn>
+                  </p:par>
+                </p:childTnLst>
+              </p:cTn>
+              <p:prevCondLst>
+                <p:cond evt="onPrev" delay="0">
+                  <p:tgtEl>
+                    <p:sldTgt/>
+                  </p:tgtEl>
+                </p:cond>
+              </p:prevCondLst>
+              <p:nextCondLst>
+                <p:cond evt="onNext" delay="0">
+                  <p:tgtEl>
+                    <p:sldTgt/>
+                  </p:tgtEl>
+                </p:cond>
+              </p:nextCondLst>
+            </p:seq>
+          </p:childTnLst>
+        </p:cTn>
+      </p:par>
+    </p:tnLst>
+    <p:bldLst>
+      <p:bldP spid="2" grpId="0"/>
+    </p:bldLst>
+  </p:timing>
+</p:sld>
+</file>
+
+<file path=ppt/slides/slide7.xml><?xml version="1.0" encoding="utf-8"?>
+<p:sld xmlns:a="http://schemas.openxmlformats.org/drawingml/2006/main" xmlns:r="http://schemas.openxmlformats.org/officeDocument/2006/relationships" xmlns:p="http://schemas.openxmlformats.org/presentationml/2006/main">
+  <p:cSld>
+    <p:bg>
+      <p:bgPr>
+        <a:solidFill>
+          <a:schemeClr val="dk2"/>
+        </a:solidFill>
+        <a:effectLst/>
+      </p:bgPr>
+    </p:bg>
+    <p:spTree>
+      <p:nvGrpSpPr>
+        <p:cNvPr id="1" name=""/>
+        <p:cNvGrpSpPr/>
+        <p:nvPr/>
+      </p:nvGrpSpPr>
+      <p:grpSpPr>
+        <a:xfrm>
+          <a:off x="0" y="0"/>
+          <a:ext cx="0" cy="0"/>
+          <a:chOff x="0" y="0"/>
+          <a:chExt cx="0" cy="0"/>
+        </a:xfrm>
+      </p:grpSpPr>
+      <p:sp>
+        <p:nvSpPr>
+          <p:cNvPr id="2" name="Titel 1">
+            <a:extLst>
+              <a:ext uri="{FF2B5EF4-FFF2-40B4-BE49-F238E27FC236}">
+                <a16:creationId xmlns:a16="http://schemas.microsoft.com/office/drawing/2014/main" id="{CFEE9CC3-DCAA-424B-A4A2-C8F3B1197DE6}"/>
+              </a:ext>
+            </a:extLst>
+          </p:cNvPr>
+          <p:cNvSpPr>
+            <a:spLocks noGrp="1"/>
+          </p:cNvSpPr>
+          <p:nvPr>
+            <p:ph type="title"/>
+          </p:nvPr>
+        </p:nvSpPr>
+        <p:spPr/>
+        <p:txBody>
+          <a:bodyPr/>
+          <a:lstStyle/>
+          <a:p>
+            <a:r>
+              <a:rPr lang="de-DE" b="1" dirty="0">
+                <a:solidFill>
+                  <a:srgbClr val="434343"/>
+                </a:solidFill>
+              </a:rPr>
+              <a:t>Onlinespeicherung mit einem Server</a:t>
+            </a:r>
+          </a:p>
+        </p:txBody>
+      </p:sp>
+      <p:sp>
+        <p:nvSpPr>
+          <p:cNvPr id="3" name="Textplatzhalter 2">
+            <a:extLst>
+              <a:ext uri="{FF2B5EF4-FFF2-40B4-BE49-F238E27FC236}">
+                <a16:creationId xmlns:a16="http://schemas.microsoft.com/office/drawing/2014/main" id="{C9889A8C-0ED5-4FDF-8447-545747CCAEAC}"/>
+              </a:ext>
+            </a:extLst>
+          </p:cNvPr>
+          <p:cNvSpPr>
+            <a:spLocks noGrp="1"/>
+          </p:cNvSpPr>
+          <p:nvPr>
+            <p:ph type="body" idx="1"/>
+          </p:nvPr>
+        </p:nvSpPr>
+        <p:spPr>
+          <a:xfrm>
+            <a:off x="819150" y="1575978"/>
+            <a:ext cx="7505700" cy="2860219"/>
+          </a:xfrm>
+        </p:spPr>
+        <p:txBody>
+          <a:bodyPr>
+            <a:normAutofit/>
+          </a:bodyPr>
+          <a:lstStyle/>
+          <a:p>
+            <a:r>
+              <a:rPr lang="de-DE" sz="2000" dirty="0"/>
+              <a:t>Ebenfalls mit Python erstellt und als Dual Thread verwendet</a:t>
+            </a:r>
+          </a:p>
+          <a:p>
+            <a:r>
+              <a:rPr lang="de-DE" sz="2000" dirty="0"/>
+              <a:t>Kann jegliche Daten annehmen und versenden</a:t>
+            </a:r>
+          </a:p>
+          <a:p>
+            <a:r>
+              <a:rPr lang="de-DE" sz="2000" dirty="0"/>
+              <a:t>Erweiterbar</a:t>
+            </a:r>
+          </a:p>
+          <a:p>
+            <a:r>
+              <a:rPr lang="de-DE" sz="2000" dirty="0"/>
+              <a:t>Beispielcode im Showcase</a:t>
+            </a:r>
+          </a:p>
+          <a:p>
+            <a:pPr marL="146050" indent="0">
+              <a:buNone/>
+            </a:pPr>
+            <a:endParaRPr lang="de-DE" sz="2000" dirty="0"/>
+          </a:p>
+        </p:txBody>
+      </p:sp>
+    </p:spTree>
+    <p:extLst>
+      <p:ext uri="{BB962C8B-B14F-4D97-AF65-F5344CB8AC3E}">
+        <p14:creationId xmlns:p14="http://schemas.microsoft.com/office/powerpoint/2010/main" val="163063363"/>
+      </p:ext>
+    </p:extLst>
+  </p:cSld>
+  <p:clrMapOvr>
+    <a:overrideClrMapping bg1="lt1" tx1="dk1" bg2="dk2" tx2="lt2" accent1="accent1" accent2="accent2" accent3="accent3" accent4="accent4" accent5="accent5" accent6="accent6" hlink="hlink" folHlink="folHlink"/>
+  </p:clrMapOvr>
+  <p:timing>
+    <p:tnLst>
+      <p:par>
+        <p:cTn id="1" dur="indefinite" restart="never" nodeType="tmRoot">
+          <p:childTnLst>
+            <p:seq concurrent="1" nextAc="seek">
+              <p:cTn id="2" dur="indefinite" nodeType="mainSeq">
+                <p:childTnLst>
+                  <p:par>
+                    <p:cTn id="3" fill="hold">
+                      <p:stCondLst>
+                        <p:cond delay="indefinite"/>
+                      </p:stCondLst>
+                      <p:childTnLst>
+                        <p:par>
+                          <p:cTn id="4" fill="hold">
+                            <p:stCondLst>
+                              <p:cond delay="0"/>
+                            </p:stCondLst>
+                            <p:childTnLst>
+                              <p:par>
+                                <p:cTn id="5" presetID="1" presetClass="entr" presetSubtype="0" fill="hold" grpId="0" nodeType="clickEffect">
+                                  <p:stCondLst>
+                                    <p:cond delay="0"/>
+                                  </p:stCondLst>
+                                  <p:childTnLst>
+                                    <p:set>
+                                      <p:cBhvr>
+                                        <p:cTn id="6" dur="1" fill="hold">
+                                          <p:stCondLst>
+                                            <p:cond delay="0"/>
+                                          </p:stCondLst>
+                                        </p:cTn>
+                                        <p:tgtEl>
+                                          <p:spTgt spid="2"/>
+                                        </p:tgtEl>
+                                        <p:attrNameLst>
+                                          <p:attrName>style.visibility</p:attrName>
+                                        </p:attrNameLst>
+                                      </p:cBhvr>
+                                      <p:to>
+                                        <p:strVal val="visible"/>
+                                      </p:to>
+                                    </p:set>
+                                  </p:childTnLst>
+                                </p:cTn>
+                              </p:par>
                             </p:childTnLst>
                           </p:cTn>
                         </p:par>
@@ -12600,26 +13224,26 @@
                     </p:cTn>
                   </p:par>
                   <p:par>
-                    <p:cTn id="31" fill="hold">
+                    <p:cTn id="7" fill="hold">
                       <p:stCondLst>
                         <p:cond delay="indefinite"/>
                       </p:stCondLst>
                       <p:childTnLst>
                         <p:par>
-                          <p:cTn id="32" fill="hold">
+                          <p:cTn id="8" fill="hold">
                             <p:stCondLst>
                               <p:cond delay="0"/>
                             </p:stCondLst>
                             <p:childTnLst>
                               <p:par>
-                                <p:cTn id="33" presetID="1" presetClass="entr" presetSubtype="0" fill="hold" nodeType="clickEffect">
+                                <p:cTn id="9" presetID="1" presetClass="entr" presetSubtype="0" fill="hold" nodeType="clickEffect">
                                   <p:stCondLst>
                                     <p:cond delay="0"/>
                                   </p:stCondLst>
                                   <p:childTnLst>
                                     <p:set>
                                       <p:cBhvr>
-                                        <p:cTn id="34" dur="1" fill="hold">
+                                        <p:cTn id="10" dur="1" fill="hold">
                                           <p:stCondLst>
                                             <p:cond delay="0"/>
                                           </p:stCondLst>
@@ -12627,7 +13251,154 @@
                                         <p:tgtEl>
                                           <p:spTgt spid="3">
                                             <p:txEl>
-                                              <p:pRg st="6" end="6"/>
+                                              <p:pRg st="0" end="0"/>
+                                            </p:txEl>
+                                          </p:spTgt>
+                                        </p:tgtEl>
+                                        <p:attrNameLst>
+                                          <p:attrName>style.visibility</p:attrName>
+                                        </p:attrNameLst>
+                                      </p:cBhvr>
+                                      <p:to>
+                                        <p:strVal val="visible"/>
+                                      </p:to>
+                                    </p:set>
+                                  </p:childTnLst>
+                                </p:cTn>
+                              </p:par>
+                            </p:childTnLst>
+                          </p:cTn>
+                        </p:par>
+                      </p:childTnLst>
+                    </p:cTn>
+                  </p:par>
+                  <p:par>
+                    <p:cTn id="11" fill="hold">
+                      <p:stCondLst>
+                        <p:cond delay="indefinite"/>
+                      </p:stCondLst>
+                      <p:childTnLst>
+                        <p:par>
+                          <p:cTn id="12" fill="hold">
+                            <p:stCondLst>
+                              <p:cond delay="0"/>
+                            </p:stCondLst>
+                            <p:childTnLst>
+                              <p:par>
+                                <p:cTn id="13" presetID="1" presetClass="entr" presetSubtype="0" fill="hold" nodeType="clickEffect">
+                                  <p:stCondLst>
+                                    <p:cond delay="0"/>
+                                  </p:stCondLst>
+                                  <p:childTnLst>
+                                    <p:set>
+                                      <p:cBhvr>
+                                        <p:cTn id="14" dur="1" fill="hold">
+                                          <p:stCondLst>
+                                            <p:cond delay="0"/>
+                                          </p:stCondLst>
+                                        </p:cTn>
+                                        <p:tgtEl>
+                                          <p:spTgt spid="3">
+                                            <p:txEl>
+                                              <p:pRg st="1" end="1"/>
+                                            </p:txEl>
+                                          </p:spTgt>
+                                        </p:tgtEl>
+                                        <p:attrNameLst>
+                                          <p:attrName>style.visibility</p:attrName>
+                                        </p:attrNameLst>
+                                      </p:cBhvr>
+                                      <p:to>
+                                        <p:strVal val="visible"/>
+                                      </p:to>
+                                    </p:set>
+                                  </p:childTnLst>
+                                </p:cTn>
+                              </p:par>
+                            </p:childTnLst>
+                          </p:cTn>
+                        </p:par>
+                      </p:childTnLst>
+                    </p:cTn>
+                  </p:par>
+                  <p:par>
+                    <p:cTn id="15" fill="hold">
+                      <p:stCondLst>
+                        <p:cond delay="indefinite"/>
+                      </p:stCondLst>
+                      <p:childTnLst>
+                        <p:par>
+                          <p:cTn id="16" fill="hold">
+                            <p:stCondLst>
+                              <p:cond delay="0"/>
+                            </p:stCondLst>
+                            <p:childTnLst>
+                              <p:par>
+                                <p:cTn id="17" presetID="1" presetClass="entr" presetSubtype="0" fill="hold" nodeType="clickEffect">
+                                  <p:stCondLst>
+                                    <p:cond delay="0"/>
+                                  </p:stCondLst>
+                                  <p:childTnLst>
+                                    <p:set>
+                                      <p:cBhvr>
+                                        <p:cTn id="18" dur="1" fill="hold">
+                                          <p:stCondLst>
+                                            <p:cond delay="0"/>
+                                          </p:stCondLst>
+                                        </p:cTn>
+                                        <p:tgtEl>
+                                          <p:spTgt spid="3">
+                                            <p:txEl>
+                                              <p:pRg st="2" end="2"/>
+                                            </p:txEl>
+                                          </p:spTgt>
+                                        </p:tgtEl>
+                                        <p:attrNameLst>
+                                          <p:attrName>style.visibility</p:attrName>
+                                        </p:attrNameLst>
+                                      </p:cBhvr>
+                                      <p:to>
+                                        <p:strVal val="visible"/>
+                                      </p:to>
+                                    </p:set>
+                                  </p:childTnLst>
+                                </p:cTn>
+                              </p:par>
+                            </p:childTnLst>
+                          </p:cTn>
+                        </p:par>
+                      </p:childTnLst>
+                    </p:cTn>
+                  </p:par>
+                  <p:par>
+                    <p:cTn id="19" fill="hold">
+                      <p:stCondLst>
+                        <p:cond delay="indefinite"/>
+                      </p:stCondLst>
+                      <p:childTnLst>
+                        <p:par>
+                          <p:cTn id="20" fill="hold">
+                            <p:stCondLst>
+                              <p:cond delay="0"/>
+                            </p:stCondLst>
+                            <p:childTnLst>
+                              <p:par>
+                                <p:cTn id="21" presetID="1" presetClass="entr" presetSubtype="0" fill="hold" nodeType="clickEffect">
+                                  <p:stCondLst>
+                                    <p:cond delay="0"/>
+                                  </p:stCondLst>
+                                  <p:childTnLst>
+                                    <p:set>
+                                      <p:cBhvr>
+                                        <p:cTn id="22" dur="1" fill="hold">
+                                          <p:stCondLst>
+                                            <p:cond delay="0"/>
+                                          </p:stCondLst>
+                                        </p:cTn>
+                                        <p:tgtEl>
+                                          <p:spTgt spid="3">
+                                            <p:txEl>
+                                              <p:pRg st="3" end="3"/>
                                             </p:txEl>
                                           </p:spTgt>
                                         </p:tgtEl>
@@ -12676,7 +13447,7 @@
 </p:sld>
 </file>
 
-<file path=ppt/slides/slide7.xml><?xml version="1.0" encoding="utf-8"?>
+<file path=ppt/slides/slide8.xml><?xml version="1.0" encoding="utf-8"?>
 <p:sld xmlns:a="http://schemas.openxmlformats.org/drawingml/2006/main" xmlns:r="http://schemas.openxmlformats.org/officeDocument/2006/relationships" xmlns:p="http://schemas.openxmlformats.org/presentationml/2006/main">
   <p:cSld>
     <p:spTree>
@@ -12886,10 +13657,177 @@
   <p:clrMapOvr>
     <a:masterClrMapping/>
   </p:clrMapOvr>
+  <p:timing>
+    <p:tnLst>
+      <p:par>
+        <p:cTn id="1" dur="indefinite" restart="never" nodeType="tmRoot">
+          <p:childTnLst>
+            <p:seq concurrent="1" nextAc="seek">
+              <p:cTn id="2" dur="indefinite" nodeType="mainSeq">
+                <p:childTnLst>
+                  <p:par>
+                    <p:cTn id="3" fill="hold">
+                      <p:stCondLst>
+                        <p:cond delay="indefinite"/>
+                      </p:stCondLst>
+                      <p:childTnLst>
+                        <p:par>
+                          <p:cTn id="4" fill="hold">
+                            <p:stCondLst>
+                              <p:cond delay="0"/>
+                            </p:stCondLst>
+                            <p:childTnLst>
+                              <p:par>
+                                <p:cTn id="5" presetID="10" presetClass="entr" presetSubtype="0" fill="hold" nodeType="clickEffect">
+                                  <p:stCondLst>
+                                    <p:cond delay="0"/>
+                                  </p:stCondLst>
+                                  <p:childTnLst>
+                                    <p:set>
+                                      <p:cBhvr>
+                                        <p:cTn id="6" dur="1" fill="hold">
+                                          <p:stCondLst>
+                                            <p:cond delay="0"/>
+                                          </p:stCondLst>
+                                        </p:cTn>
+                                        <p:tgtEl>
+                                          <p:spTgt spid="4"/>
+                                        </p:tgtEl>
+                                        <p:attrNameLst>
+                                          <p:attrName>style.visibility</p:attrName>
+                                        </p:attrNameLst>
+                                      </p:cBhvr>
+                                      <p:to>
+                                        <p:strVal val="visible"/>
+                                      </p:to>
+                                    </p:set>
+                                    <p:animEffect transition="in" filter="fade">
+                                      <p:cBhvr>
+                                        <p:cTn id="7" dur="500"/>
+                                        <p:tgtEl>
+                                          <p:spTgt spid="4"/>
+                                        </p:tgtEl>
+                                      </p:cBhvr>
+                                    </p:animEffect>
+                                  </p:childTnLst>
+                                </p:cTn>
+                              </p:par>
+                            </p:childTnLst>
+                          </p:cTn>
+                        </p:par>
+                      </p:childTnLst>
+                    </p:cTn>
+                  </p:par>
+                  <p:par>
+                    <p:cTn id="8" fill="hold">
+                      <p:stCondLst>
+                        <p:cond delay="indefinite"/>
+                      </p:stCondLst>
+                      <p:childTnLst>
+                        <p:par>
+                          <p:cTn id="9" fill="hold">
+                            <p:stCondLst>
+                              <p:cond delay="0"/>
+                            </p:stCondLst>
+                            <p:childTnLst>
+                              <p:par>
+                                <p:cTn id="10" presetID="1" presetClass="entr" presetSubtype="0" fill="hold" nodeType="clickEffect">
+                                  <p:stCondLst>
+                                    <p:cond delay="0"/>
+                                  </p:stCondLst>
+                                  <p:childTnLst>
+                                    <p:set>
+                                      <p:cBhvr>
+                                        <p:cTn id="11" dur="1" fill="hold">
+                                          <p:stCondLst>
+                                            <p:cond delay="0"/>
+                                          </p:stCondLst>
+                                        </p:cTn>
+                                        <p:tgtEl>
+                                          <p:spTgt spid="7">
+                                            <p:txEl>
+                                              <p:pRg st="0" end="0"/>
+                                            </p:txEl>
+                                          </p:spTgt>
+                                        </p:tgtEl>
+                                        <p:attrNameLst>
+                                          <p:attrName>style.visibility</p:attrName>
+                                        </p:attrNameLst>
+                                      </p:cBhvr>
+                                      <p:to>
+                                        <p:strVal val="visible"/>
+                                      </p:to>
+                                    </p:set>
+                                  </p:childTnLst>
+                                </p:cTn>
+                              </p:par>
+                              <p:par>
+                                <p:cTn id="12" presetID="10" presetClass="entr" presetSubtype="0" fill="hold" nodeType="withEffect">
+                                  <p:stCondLst>
+                                    <p:cond delay="0"/>
+                                  </p:stCondLst>
+                                  <p:childTnLst>
+                                    <p:set>
+                                      <p:cBhvr>
+                                        <p:cTn id="13" dur="1" fill="hold">
+                                          <p:stCondLst>
+                                            <p:cond delay="0"/>
+                                          </p:stCondLst>
+                                        </p:cTn>
+                                        <p:tgtEl>
+                                          <p:spTgt spid="5"/>
+                                        </p:tgtEl>
+                                        <p:attrNameLst>
+                                          <p:attrName>style.visibility</p:attrName>
+                                        </p:attrNameLst>
+                                      </p:cBhvr>
+                                      <p:to>
+                                        <p:strVal val="visible"/>
+                                      </p:to>
+                                    </p:set>
+                                    <p:animEffect transition="in" filter="fade">
+                                      <p:cBhvr>
+                                        <p:cTn id="14" dur="500"/>
+                                        <p:tgtEl>
+                                          <p:spTgt spid="5"/>
+                                        </p:tgtEl>
+                                      </p:cBhvr>
+                                    </p:animEffect>
+                                  </p:childTnLst>
+                                </p:cTn>
+                              </p:par>
+                            </p:childTnLst>
+                          </p:cTn>
+                        </p:par>
+                      </p:childTnLst>
+                    </p:cTn>
+                  </p:par>
+                </p:childTnLst>
+              </p:cTn>
+              <p:prevCondLst>
+                <p:cond evt="onPrev" delay="0">
+                  <p:tgtEl>
+                    <p:sldTgt/>
+                  </p:tgtEl>
+                </p:cond>
+              </p:prevCondLst>
+              <p:nextCondLst>
+                <p:cond evt="onNext" delay="0">
+                  <p:tgtEl>
+                    <p:sldTgt/>
+                  </p:tgtEl>
+                </p:cond>
+              </p:nextCondLst>
+            </p:seq>
+          </p:childTnLst>
+        </p:cTn>
+      </p:par>
+    </p:tnLst>
+  </p:timing>
 </p:sld>
 </file>
 
-<file path=ppt/slides/slide8.xml><?xml version="1.0" encoding="utf-8"?>
+<file path=ppt/slides/slide9.xml><?xml version="1.0" encoding="utf-8"?>
 <p:sld xmlns:a="http://schemas.openxmlformats.org/drawingml/2006/main" xmlns:r="http://schemas.openxmlformats.org/officeDocument/2006/relationships" xmlns:p="http://schemas.openxmlformats.org/presentationml/2006/main">
   <p:cSld>
     <p:spTree>
@@ -12946,7 +13884,7 @@
                   <a:schemeClr val="dk2"/>
                 </a:solidFill>
               </a:rPr>
-              <a:t>Arbeitsaufteilung</a:t>
+              <a:t>Arbeitsverteilung</a:t>
             </a:r>
             <a:endParaRPr b="1" dirty="0"/>
           </a:p>
@@ -13078,82 +14016,333 @@
   <p:clrMapOvr>
     <a:masterClrMapping/>
   </p:clrMapOvr>
-</p:sld>
-</file>
-
-<file path=ppt/slides/slide9.xml><?xml version="1.0" encoding="utf-8"?>
-<p:sld xmlns:a="http://schemas.openxmlformats.org/drawingml/2006/main" xmlns:r="http://schemas.openxmlformats.org/officeDocument/2006/relationships" xmlns:p="http://schemas.openxmlformats.org/presentationml/2006/main">
-  <p:cSld>
-    <p:spTree>
-      <p:nvGrpSpPr>
-        <p:cNvPr id="1" name=""/>
-        <p:cNvGrpSpPr/>
-        <p:nvPr/>
-      </p:nvGrpSpPr>
-      <p:grpSpPr>
-        <a:xfrm>
-          <a:off x="0" y="0"/>
-          <a:ext cx="0" cy="0"/>
-          <a:chOff x="0" y="0"/>
-          <a:chExt cx="0" cy="0"/>
-        </a:xfrm>
-      </p:grpSpPr>
-      <p:sp>
-        <p:nvSpPr>
-          <p:cNvPr id="2" name="Titel 1">
-            <a:extLst>
-              <a:ext uri="{FF2B5EF4-FFF2-40B4-BE49-F238E27FC236}">
-                <a16:creationId xmlns:a16="http://schemas.microsoft.com/office/drawing/2014/main" id="{02C51C27-7EB0-4382-8B46-34012277B296}"/>
-              </a:ext>
-            </a:extLst>
-          </p:cNvPr>
-          <p:cNvSpPr>
-            <a:spLocks noGrp="1"/>
-          </p:cNvSpPr>
-          <p:nvPr>
-            <p:ph type="title"/>
-          </p:nvPr>
-        </p:nvSpPr>
-        <p:spPr>
-          <a:xfrm>
-            <a:off x="552893" y="0"/>
-            <a:ext cx="7771957" cy="5143499"/>
-          </a:xfrm>
-        </p:spPr>
-        <p:txBody>
-          <a:bodyPr anchor="ctr">
-            <a:noAutofit/>
-          </a:bodyPr>
-          <a:lstStyle/>
-          <a:p>
-            <a:pPr algn="ctr"/>
-            <a:r>
-              <a:rPr lang="de-DE" sz="4800" dirty="0"/>
-              <a:t>Wir freuen uns auf TSA!</a:t>
-            </a:r>
-            <a:br>
-              <a:rPr lang="de-DE" sz="4800" dirty="0"/>
-            </a:br>
-            <a:br>
-              <a:rPr lang="de-DE" sz="4800" dirty="0"/>
-            </a:br>
-            <a:r>
-              <a:rPr lang="de-DE" sz="3200" dirty="0"/>
-              <a:t>Fragen?</a:t>
-            </a:r>
-          </a:p>
-        </p:txBody>
-      </p:sp>
-    </p:spTree>
-    <p:extLst>
-      <p:ext uri="{BB962C8B-B14F-4D97-AF65-F5344CB8AC3E}">
-        <p14:creationId xmlns:p14="http://schemas.microsoft.com/office/powerpoint/2010/main" val="897036402"/>
-      </p:ext>
-    </p:extLst>
-  </p:cSld>
-  <p:clrMapOvr>
-    <a:masterClrMapping/>
-  </p:clrMapOvr>
+  <p:timing>
+    <p:tnLst>
+      <p:par>
+        <p:cTn id="1" dur="indefinite" restart="never" nodeType="tmRoot">
+          <p:childTnLst>
+            <p:seq concurrent="1" nextAc="seek">
+              <p:cTn id="2" dur="indefinite" nodeType="mainSeq">
+                <p:childTnLst>
+                  <p:par>
+                    <p:cTn id="3" fill="hold">
+                      <p:stCondLst>
+                        <p:cond delay="indefinite"/>
+                      </p:stCondLst>
+                      <p:childTnLst>
+                        <p:par>
+                          <p:cTn id="4" fill="hold">
+                            <p:stCondLst>
+                              <p:cond delay="0"/>
+                            </p:stCondLst>
+                            <p:childTnLst>
+                              <p:par>
+                                <p:cTn id="5" presetID="1" presetClass="entr" presetSubtype="0" fill="hold" grpId="0" nodeType="clickEffect">
+                                  <p:stCondLst>
+                                    <p:cond delay="0"/>
+                                  </p:stCondLst>
+                                  <p:childTnLst>
+                                    <p:set>
+                                      <p:cBhvr>
+                                        <p:cTn id="6" dur="1" fill="hold">
+                                          <p:stCondLst>
+                                            <p:cond delay="0"/>
+                                          </p:stCondLst>
+                                        </p:cTn>
+                                        <p:tgtEl>
+                                          <p:spTgt spid="159">
+                                            <p:txEl>
+                                              <p:pRg st="0" end="0"/>
+                                            </p:txEl>
+                                          </p:spTgt>
+                                        </p:tgtEl>
+                                        <p:attrNameLst>
+                                          <p:attrName>style.visibility</p:attrName>
+                                        </p:attrNameLst>
+                                      </p:cBhvr>
+                                      <p:to>
+                                        <p:strVal val="visible"/>
+                                      </p:to>
+                                    </p:set>
+                                  </p:childTnLst>
+                                </p:cTn>
+                              </p:par>
+                            </p:childTnLst>
+                          </p:cTn>
+                        </p:par>
+                      </p:childTnLst>
+                    </p:cTn>
+                  </p:par>
+                  <p:par>
+                    <p:cTn id="7" fill="hold">
+                      <p:stCondLst>
+                        <p:cond delay="indefinite"/>
+                      </p:stCondLst>
+                      <p:childTnLst>
+                        <p:par>
+                          <p:cTn id="8" fill="hold">
+                            <p:stCondLst>
+                              <p:cond delay="0"/>
+                            </p:stCondLst>
+                            <p:childTnLst>
+                              <p:par>
+                                <p:cTn id="9" presetID="1" presetClass="entr" presetSubtype="0" fill="hold" grpId="0" nodeType="clickEffect">
+                                  <p:stCondLst>
+                                    <p:cond delay="0"/>
+                                  </p:stCondLst>
+                                  <p:childTnLst>
+                                    <p:set>
+                                      <p:cBhvr>
+                                        <p:cTn id="10" dur="1" fill="hold">
+                                          <p:stCondLst>
+                                            <p:cond delay="0"/>
+                                          </p:stCondLst>
+                                        </p:cTn>
+                                        <p:tgtEl>
+                                          <p:spTgt spid="159">
+                                            <p:txEl>
+                                              <p:pRg st="1" end="1"/>
+                                            </p:txEl>
+                                          </p:spTgt>
+                                        </p:tgtEl>
+                                        <p:attrNameLst>
+                                          <p:attrName>style.visibility</p:attrName>
+                                        </p:attrNameLst>
+                                      </p:cBhvr>
+                                      <p:to>
+                                        <p:strVal val="visible"/>
+                                      </p:to>
+                                    </p:set>
+                                  </p:childTnLst>
+                                </p:cTn>
+                              </p:par>
+                            </p:childTnLst>
+                          </p:cTn>
+                        </p:par>
+                      </p:childTnLst>
+                    </p:cTn>
+                  </p:par>
+                  <p:par>
+                    <p:cTn id="11" fill="hold">
+                      <p:stCondLst>
+                        <p:cond delay="indefinite"/>
+                      </p:stCondLst>
+                      <p:childTnLst>
+                        <p:par>
+                          <p:cTn id="12" fill="hold">
+                            <p:stCondLst>
+                              <p:cond delay="0"/>
+                            </p:stCondLst>
+                            <p:childTnLst>
+                              <p:par>
+                                <p:cTn id="13" presetID="1" presetClass="entr" presetSubtype="0" fill="hold" grpId="0" nodeType="clickEffect">
+                                  <p:stCondLst>
+                                    <p:cond delay="0"/>
+                                  </p:stCondLst>
+                                  <p:childTnLst>
+                                    <p:set>
+                                      <p:cBhvr>
+                                        <p:cTn id="14" dur="1" fill="hold">
+                                          <p:stCondLst>
+                                            <p:cond delay="0"/>
+                                          </p:stCondLst>
+                                        </p:cTn>
+                                        <p:tgtEl>
+                                          <p:spTgt spid="159">
+                                            <p:txEl>
+                                              <p:pRg st="2" end="2"/>
+                                            </p:txEl>
+                                          </p:spTgt>
+                                        </p:tgtEl>
+                                        <p:attrNameLst>
+                                          <p:attrName>style.visibility</p:attrName>
+                                        </p:attrNameLst>
+                                      </p:cBhvr>
+                                      <p:to>
+                                        <p:strVal val="visible"/>
+                                      </p:to>
+                                    </p:set>
+                                  </p:childTnLst>
+                                </p:cTn>
+                              </p:par>
+                            </p:childTnLst>
+                          </p:cTn>
+                        </p:par>
+                      </p:childTnLst>
+                    </p:cTn>
+                  </p:par>
+                  <p:par>
+                    <p:cTn id="15" fill="hold">
+                      <p:stCondLst>
+                        <p:cond delay="indefinite"/>
+                      </p:stCondLst>
+                      <p:childTnLst>
+                        <p:par>
+                          <p:cTn id="16" fill="hold">
+                            <p:stCondLst>
+                              <p:cond delay="0"/>
+                            </p:stCondLst>
+                            <p:childTnLst>
+                              <p:par>
+                                <p:cTn id="17" presetID="1" presetClass="entr" presetSubtype="0" fill="hold" grpId="0" nodeType="clickEffect">
+                                  <p:stCondLst>
+                                    <p:cond delay="0"/>
+                                  </p:stCondLst>
+                                  <p:childTnLst>
+                                    <p:set>
+                                      <p:cBhvr>
+                                        <p:cTn id="18" dur="1" fill="hold">
+                                          <p:stCondLst>
+                                            <p:cond delay="0"/>
+                                          </p:stCondLst>
+                                        </p:cTn>
+                                        <p:tgtEl>
+                                          <p:spTgt spid="159">
+                                            <p:txEl>
+                                              <p:pRg st="3" end="3"/>
+                                            </p:txEl>
+                                          </p:spTgt>
+                                        </p:tgtEl>
+                                        <p:attrNameLst>
+                                          <p:attrName>style.visibility</p:attrName>
+                                        </p:attrNameLst>
+                                      </p:cBhvr>
+                                      <p:to>
+                                        <p:strVal val="visible"/>
+                                      </p:to>
+                                    </p:set>
+                                  </p:childTnLst>
+                                </p:cTn>
+                              </p:par>
+                            </p:childTnLst>
+                          </p:cTn>
+                        </p:par>
+                      </p:childTnLst>
+                    </p:cTn>
+                  </p:par>
+                  <p:par>
+                    <p:cTn id="19" fill="hold">
+                      <p:stCondLst>
+                        <p:cond delay="indefinite"/>
+                      </p:stCondLst>
+                      <p:childTnLst>
+                        <p:par>
+                          <p:cTn id="20" fill="hold">
+                            <p:stCondLst>
+                              <p:cond delay="0"/>
+                            </p:stCondLst>
+                            <p:childTnLst>
+                              <p:par>
+                                <p:cTn id="21" presetID="1" presetClass="entr" presetSubtype="0" fill="hold" grpId="0" nodeType="clickEffect">
+                                  <p:stCondLst>
+                                    <p:cond delay="0"/>
+                                  </p:stCondLst>
+                                  <p:childTnLst>
+                                    <p:set>
+                                      <p:cBhvr>
+                                        <p:cTn id="22" dur="1" fill="hold">
+                                          <p:stCondLst>
+                                            <p:cond delay="0"/>
+                                          </p:stCondLst>
+                                        </p:cTn>
+                                        <p:tgtEl>
+                                          <p:spTgt spid="159">
+                                            <p:txEl>
+                                              <p:pRg st="5" end="5"/>
+                                            </p:txEl>
+                                          </p:spTgt>
+                                        </p:tgtEl>
+                                        <p:attrNameLst>
+                                          <p:attrName>style.visibility</p:attrName>
+                                        </p:attrNameLst>
+                                      </p:cBhvr>
+                                      <p:to>
+                                        <p:strVal val="visible"/>
+                                      </p:to>
+                                    </p:set>
+                                  </p:childTnLst>
+                                </p:cTn>
+                              </p:par>
+                            </p:childTnLst>
+                          </p:cTn>
+                        </p:par>
+                      </p:childTnLst>
+                    </p:cTn>
+                  </p:par>
+                  <p:par>
+                    <p:cTn id="23" fill="hold">
+                      <p:stCondLst>
+                        <p:cond delay="indefinite"/>
+                      </p:stCondLst>
+                      <p:childTnLst>
+                        <p:par>
+                          <p:cTn id="24" fill="hold">
+                            <p:stCondLst>
+                              <p:cond delay="0"/>
+                            </p:stCondLst>
+                            <p:childTnLst>
+                              <p:par>
+                                <p:cTn id="25" presetID="1" presetClass="entr" presetSubtype="0" fill="hold" grpId="0" nodeType="clickEffect">
+                                  <p:stCondLst>
+                                    <p:cond delay="0"/>
+                                  </p:stCondLst>
+                                  <p:childTnLst>
+                                    <p:set>
+                                      <p:cBhvr>
+                                        <p:cTn id="26" dur="1" fill="hold">
+                                          <p:stCondLst>
+                                            <p:cond delay="0"/>
+                                          </p:stCondLst>
+                                        </p:cTn>
+                                        <p:tgtEl>
+                                          <p:spTgt spid="159">
+                                            <p:txEl>
+                                              <p:pRg st="7" end="7"/>
+                                            </p:txEl>
+                                          </p:spTgt>
+                                        </p:tgtEl>
+                                        <p:attrNameLst>
+                                          <p:attrName>style.visibility</p:attrName>
+                                        </p:attrNameLst>
+                                      </p:cBhvr>
+                                      <p:to>
+                                        <p:strVal val="visible"/>
+                                      </p:to>
+                                    </p:set>
+                                  </p:childTnLst>
+                                </p:cTn>
+                              </p:par>
+                            </p:childTnLst>
+                          </p:cTn>
+                        </p:par>
+                      </p:childTnLst>
+                    </p:cTn>
+                  </p:par>
+                </p:childTnLst>
+              </p:cTn>
+              <p:prevCondLst>
+                <p:cond evt="onPrev" delay="0">
+                  <p:tgtEl>
+                    <p:sldTgt/>
+                  </p:tgtEl>
+                </p:cond>
+              </p:prevCondLst>
+              <p:nextCondLst>
+                <p:cond evt="onNext" delay="0">
+                  <p:tgtEl>
+                    <p:sldTgt/>
+                  </p:tgtEl>
+                </p:cond>
+              </p:nextCondLst>
+            </p:seq>
+          </p:childTnLst>
+        </p:cTn>
+      </p:par>
+    </p:tnLst>
+    <p:bldLst>
+      <p:bldP spid="159" grpId="0" build="p"/>
+    </p:bldLst>
+  </p:timing>
 </p:sld>
 </file>
 
